--- a/ПРИ115-РПС-КП_03.pptx
+++ b/ПРИ115-РПС-КП_03.pptx
@@ -5,25 +5,28 @@
     <p:sldMasterId id="2147483648" r:id="rId1"/>
   </p:sldMasterIdLst>
   <p:notesMasterIdLst>
-    <p:notesMasterId r:id="rId18"/>
+    <p:notesMasterId r:id="rId21"/>
   </p:notesMasterIdLst>
   <p:sldIdLst>
     <p:sldId id="256" r:id="rId2"/>
     <p:sldId id="258" r:id="rId3"/>
     <p:sldId id="257" r:id="rId4"/>
-    <p:sldId id="259" r:id="rId5"/>
-    <p:sldId id="270" r:id="rId6"/>
-    <p:sldId id="267" r:id="rId7"/>
-    <p:sldId id="260" r:id="rId8"/>
-    <p:sldId id="264" r:id="rId9"/>
-    <p:sldId id="271" r:id="rId10"/>
-    <p:sldId id="265" r:id="rId11"/>
-    <p:sldId id="262" r:id="rId12"/>
-    <p:sldId id="263" r:id="rId13"/>
-    <p:sldId id="273" r:id="rId14"/>
-    <p:sldId id="266" r:id="rId15"/>
-    <p:sldId id="272" r:id="rId16"/>
-    <p:sldId id="268" r:id="rId17"/>
+    <p:sldId id="274" r:id="rId5"/>
+    <p:sldId id="275" r:id="rId6"/>
+    <p:sldId id="276" r:id="rId7"/>
+    <p:sldId id="259" r:id="rId8"/>
+    <p:sldId id="270" r:id="rId9"/>
+    <p:sldId id="267" r:id="rId10"/>
+    <p:sldId id="260" r:id="rId11"/>
+    <p:sldId id="264" r:id="rId12"/>
+    <p:sldId id="271" r:id="rId13"/>
+    <p:sldId id="265" r:id="rId14"/>
+    <p:sldId id="262" r:id="rId15"/>
+    <p:sldId id="263" r:id="rId16"/>
+    <p:sldId id="273" r:id="rId17"/>
+    <p:sldId id="266" r:id="rId18"/>
+    <p:sldId id="272" r:id="rId19"/>
+    <p:sldId id="268" r:id="rId20"/>
   </p:sldIdLst>
   <p:sldSz cx="12192000" cy="6858000"/>
   <p:notesSz cx="6858000" cy="9144000"/>
@@ -212,7 +215,7 @@
           <a:p>
             <a:fld id="{C71DBBF6-6254-4642-B767-D9A3061A91A5}" type="datetimeFigureOut">
               <a:rPr lang="ru-RU" smtClean="0"/>
-              <a:t>23.12.2017</a:t>
+              <a:t>25.12.2017</a:t>
             </a:fld>
             <a:endParaRPr lang="ru-RU"/>
           </a:p>
@@ -545,7 +548,7 @@
           <a:p>
             <a:fld id="{8AA3D287-24DE-4FAE-8D47-B8B737F3E13A}" type="slidenum">
               <a:rPr lang="ru-RU" smtClean="0"/>
-              <a:t>15</a:t>
+              <a:t>18</a:t>
             </a:fld>
             <a:endParaRPr lang="ru-RU"/>
           </a:p>
@@ -695,7 +698,7 @@
           <a:p>
             <a:fld id="{4C8250DA-7E40-49FF-B948-D72DB3FEE17C}" type="datetime1">
               <a:rPr lang="ru-RU" smtClean="0"/>
-              <a:t>23.12.2017</a:t>
+              <a:t>25.12.2017</a:t>
             </a:fld>
             <a:endParaRPr lang="ru-RU"/>
           </a:p>
@@ -865,7 +868,7 @@
           <a:p>
             <a:fld id="{E806397E-734D-4271-B3C7-B5AE8CC20643}" type="datetime1">
               <a:rPr lang="ru-RU" smtClean="0"/>
-              <a:t>23.12.2017</a:t>
+              <a:t>25.12.2017</a:t>
             </a:fld>
             <a:endParaRPr lang="ru-RU"/>
           </a:p>
@@ -1045,7 +1048,7 @@
           <a:p>
             <a:fld id="{DDC93129-3A8D-419F-9D02-85B0E173B5D4}" type="datetime1">
               <a:rPr lang="ru-RU" smtClean="0"/>
-              <a:t>23.12.2017</a:t>
+              <a:t>25.12.2017</a:t>
             </a:fld>
             <a:endParaRPr lang="ru-RU"/>
           </a:p>
@@ -1215,7 +1218,7 @@
           <a:p>
             <a:fld id="{3691798D-5CC2-443C-B2E4-AC303640E9DB}" type="datetime1">
               <a:rPr lang="ru-RU" smtClean="0"/>
-              <a:t>23.12.2017</a:t>
+              <a:t>25.12.2017</a:t>
             </a:fld>
             <a:endParaRPr lang="ru-RU"/>
           </a:p>
@@ -1461,7 +1464,7 @@
           <a:p>
             <a:fld id="{014898AD-2E09-46C9-AEA0-1459A9929F70}" type="datetime1">
               <a:rPr lang="ru-RU" smtClean="0"/>
-              <a:t>23.12.2017</a:t>
+              <a:t>25.12.2017</a:t>
             </a:fld>
             <a:endParaRPr lang="ru-RU"/>
           </a:p>
@@ -1693,7 +1696,7 @@
           <a:p>
             <a:fld id="{97D0E5F6-A9CF-403A-B2CB-A5245FBC6114}" type="datetime1">
               <a:rPr lang="ru-RU" smtClean="0"/>
-              <a:t>23.12.2017</a:t>
+              <a:t>25.12.2017</a:t>
             </a:fld>
             <a:endParaRPr lang="ru-RU"/>
           </a:p>
@@ -2060,7 +2063,7 @@
           <a:p>
             <a:fld id="{2F3CCD84-59D7-4EBF-8D67-0096F38EC6A0}" type="datetime1">
               <a:rPr lang="ru-RU" smtClean="0"/>
-              <a:t>23.12.2017</a:t>
+              <a:t>25.12.2017</a:t>
             </a:fld>
             <a:endParaRPr lang="ru-RU"/>
           </a:p>
@@ -2178,7 +2181,7 @@
           <a:p>
             <a:fld id="{24FB419C-555D-4776-9914-C0E2BE32D0D3}" type="datetime1">
               <a:rPr lang="ru-RU" smtClean="0"/>
-              <a:t>23.12.2017</a:t>
+              <a:t>25.12.2017</a:t>
             </a:fld>
             <a:endParaRPr lang="ru-RU"/>
           </a:p>
@@ -2273,7 +2276,7 @@
           <a:p>
             <a:fld id="{BF14ABA8-3EF1-48FE-8051-2EA5A97E6791}" type="datetime1">
               <a:rPr lang="ru-RU" smtClean="0"/>
-              <a:t>23.12.2017</a:t>
+              <a:t>25.12.2017</a:t>
             </a:fld>
             <a:endParaRPr lang="ru-RU"/>
           </a:p>
@@ -2550,7 +2553,7 @@
           <a:p>
             <a:fld id="{8C2BEA58-CBF2-4E81-B2C8-C466CCBA0588}" type="datetime1">
               <a:rPr lang="ru-RU" smtClean="0"/>
-              <a:t>23.12.2017</a:t>
+              <a:t>25.12.2017</a:t>
             </a:fld>
             <a:endParaRPr lang="ru-RU"/>
           </a:p>
@@ -2803,7 +2806,7 @@
           <a:p>
             <a:fld id="{801534E6-1148-4821-AEBF-378E76902D1F}" type="datetime1">
               <a:rPr lang="ru-RU" smtClean="0"/>
-              <a:t>23.12.2017</a:t>
+              <a:t>25.12.2017</a:t>
             </a:fld>
             <a:endParaRPr lang="ru-RU"/>
           </a:p>
@@ -3016,7 +3019,7 @@
           <a:p>
             <a:fld id="{8267556D-928A-405D-8213-123659AFD8C6}" type="datetime1">
               <a:rPr lang="ru-RU" smtClean="0"/>
-              <a:t>23.12.2017</a:t>
+              <a:t>25.12.2017</a:t>
             </a:fld>
             <a:endParaRPr lang="ru-RU"/>
           </a:p>
@@ -3656,14 +3659,7 @@
                 <a:latin typeface="Times New Roman" panose="02020603050405020304" pitchFamily="18" charset="0"/>
                 <a:cs typeface="Times New Roman" panose="02020603050405020304" pitchFamily="18" charset="0"/>
               </a:rPr>
-              <a:t>3 </a:t>
-            </a:r>
-            <a:r>
-              <a:rPr lang="ru-RU" sz="2000" dirty="0" smtClean="0">
-                <a:latin typeface="Times New Roman" panose="02020603050405020304" pitchFamily="18" charset="0"/>
-                <a:cs typeface="Times New Roman" panose="02020603050405020304" pitchFamily="18" charset="0"/>
-              </a:rPr>
-              <a:t>этап</a:t>
+              <a:t>3 этап</a:t>
             </a:r>
           </a:p>
           <a:p>
@@ -3771,14 +3767,14 @@
       </p:grpSpPr>
       <p:sp>
         <p:nvSpPr>
-          <p:cNvPr id="4" name="Прямоугольник 3"/>
+          <p:cNvPr id="5" name="Прямоугольник 4"/>
           <p:cNvSpPr/>
           <p:nvPr/>
         </p:nvSpPr>
         <p:spPr>
           <a:xfrm>
-            <a:off x="0" y="0"/>
-            <a:ext cx="11963400" cy="461665"/>
+            <a:off x="590550" y="190500"/>
+            <a:ext cx="11258550" cy="830997"/>
           </a:xfrm>
           <a:prstGeom prst="rect">
             <a:avLst/>
@@ -3797,14 +3793,24 @@
                 </a:solidFill>
                 <a:latin typeface="Verdana" panose="020B0604030504040204" pitchFamily="34" charset="0"/>
               </a:rPr>
-              <a:t>Диаграмма классов/компонентов уровня представления </a:t>
-            </a:r>
+              <a:t>Диаграмма компонентов </a:t>
+            </a:r>
+            <a:r>
+              <a:rPr lang="ru-RU" sz="2400" dirty="0">
+                <a:solidFill>
+                  <a:srgbClr val="000000"/>
+                </a:solidFill>
+                <a:latin typeface="Verdana" panose="020B0604030504040204" pitchFamily="34" charset="0"/>
+              </a:rPr>
+              <a:t>отображает организацию компонентов и зависимости между ними.</a:t>
+            </a:r>
+            <a:endParaRPr lang="ru-RU" sz="2400" dirty="0"/>
           </a:p>
         </p:txBody>
       </p:sp>
       <p:pic>
         <p:nvPicPr>
-          <p:cNvPr id="5" name="Рисунок 4"/>
+          <p:cNvPr id="7" name="Рисунок 6"/>
           <p:cNvPicPr>
             <a:picLocks noChangeAspect="1"/>
           </p:cNvPicPr>
@@ -3818,8 +3824,8 @@
         </p:blipFill>
         <p:spPr>
           <a:xfrm>
-            <a:off x="2036091" y="656399"/>
-            <a:ext cx="6921643" cy="5969058"/>
+            <a:off x="2530301" y="1192538"/>
+            <a:ext cx="7888563" cy="5665462"/>
           </a:xfrm>
           <a:prstGeom prst="rect">
             <a:avLst/>
@@ -3828,7 +3834,7 @@
       </p:pic>
       <p:sp>
         <p:nvSpPr>
-          <p:cNvPr id="6" name="Номер слайда 5"/>
+          <p:cNvPr id="8" name="Номер слайда 7"/>
           <p:cNvSpPr>
             <a:spLocks noGrp="1"/>
           </p:cNvSpPr>
@@ -3852,7 +3858,7 @@
     </p:spTree>
     <p:extLst>
       <p:ext uri="{BB962C8B-B14F-4D97-AF65-F5344CB8AC3E}">
-        <p14:creationId xmlns:p14="http://schemas.microsoft.com/office/powerpoint/2010/main" val="3294469497"/>
+        <p14:creationId xmlns:p14="http://schemas.microsoft.com/office/powerpoint/2010/main" val="1375115644"/>
       </p:ext>
     </p:extLst>
   </p:cSld>
@@ -3888,1413 +3894,6 @@
       </p:grpSpPr>
       <p:sp>
         <p:nvSpPr>
-          <p:cNvPr id="5" name="Прямоугольник 4"/>
-          <p:cNvSpPr/>
-          <p:nvPr/>
-        </p:nvSpPr>
-        <p:spPr>
-          <a:xfrm>
-            <a:off x="101600" y="0"/>
-            <a:ext cx="12090400" cy="461665"/>
-          </a:xfrm>
-          <a:prstGeom prst="rect">
-            <a:avLst/>
-          </a:prstGeom>
-        </p:spPr>
-        <p:txBody>
-          <a:bodyPr wrap="square">
-            <a:spAutoFit/>
-          </a:bodyPr>
-          <a:lstStyle/>
-          <a:p>
-            <a:r>
-              <a:rPr lang="ru-RU" sz="2400" b="1" dirty="0">
-                <a:solidFill>
-                  <a:srgbClr val="000000"/>
-                </a:solidFill>
-                <a:latin typeface="Verdana" panose="020B0604030504040204" pitchFamily="34" charset="0"/>
-              </a:rPr>
-              <a:t>Диаграмма классов/компонентов уровня доступа к данным</a:t>
-            </a:r>
-          </a:p>
-        </p:txBody>
-      </p:sp>
-      <p:pic>
-        <p:nvPicPr>
-          <p:cNvPr id="9" name="Рисунок 8"/>
-          <p:cNvPicPr>
-            <a:picLocks noChangeAspect="1"/>
-          </p:cNvPicPr>
-          <p:nvPr/>
-        </p:nvPicPr>
-        <p:blipFill>
-          <a:blip r:embed="rId2"/>
-          <a:stretch>
-            <a:fillRect/>
-          </a:stretch>
-        </p:blipFill>
-        <p:spPr>
-          <a:xfrm>
-            <a:off x="169459" y="795868"/>
-            <a:ext cx="12022542" cy="5874366"/>
-          </a:xfrm>
-          <a:prstGeom prst="rect">
-            <a:avLst/>
-          </a:prstGeom>
-        </p:spPr>
-      </p:pic>
-      <p:sp>
-        <p:nvSpPr>
-          <p:cNvPr id="10" name="Номер слайда 9"/>
-          <p:cNvSpPr>
-            <a:spLocks noGrp="1"/>
-          </p:cNvSpPr>
-          <p:nvPr>
-            <p:ph type="sldNum" sz="quarter" idx="12"/>
-          </p:nvPr>
-        </p:nvSpPr>
-        <p:spPr/>
-        <p:txBody>
-          <a:bodyPr/>
-          <a:lstStyle/>
-          <a:p>
-            <a:fld id="{1F0A73E7-D28D-4299-9BA6-FD72E53F57ED}" type="slidenum">
-              <a:rPr lang="ru-RU" smtClean="0"/>
-              <a:t>11</a:t>
-            </a:fld>
-            <a:endParaRPr lang="ru-RU"/>
-          </a:p>
-        </p:txBody>
-      </p:sp>
-    </p:spTree>
-    <p:extLst>
-      <p:ext uri="{BB962C8B-B14F-4D97-AF65-F5344CB8AC3E}">
-        <p14:creationId xmlns:p14="http://schemas.microsoft.com/office/powerpoint/2010/main" val="2548867302"/>
-      </p:ext>
-    </p:extLst>
-  </p:cSld>
-  <p:clrMapOvr>
-    <a:masterClrMapping/>
-  </p:clrMapOvr>
-  <p:timing>
-    <p:tnLst>
-      <p:par>
-        <p:cTn id="1" dur="indefinite" restart="never" nodeType="tmRoot"/>
-      </p:par>
-    </p:tnLst>
-  </p:timing>
-</p:sld>
-</file>
-
-<file path=ppt/slides/slide12.xml><?xml version="1.0" encoding="utf-8"?>
-<p:sld xmlns:a="http://schemas.openxmlformats.org/drawingml/2006/main" xmlns:r="http://schemas.openxmlformats.org/officeDocument/2006/relationships" xmlns:p="http://schemas.openxmlformats.org/presentationml/2006/main">
-  <p:cSld>
-    <p:spTree>
-      <p:nvGrpSpPr>
-        <p:cNvPr id="1" name=""/>
-        <p:cNvGrpSpPr/>
-        <p:nvPr/>
-      </p:nvGrpSpPr>
-      <p:grpSpPr>
-        <a:xfrm>
-          <a:off x="0" y="0"/>
-          <a:ext cx="0" cy="0"/>
-          <a:chOff x="0" y="0"/>
-          <a:chExt cx="0" cy="0"/>
-        </a:xfrm>
-      </p:grpSpPr>
-      <p:sp>
-        <p:nvSpPr>
-          <p:cNvPr id="9" name="Прямоугольник 8"/>
-          <p:cNvSpPr/>
-          <p:nvPr/>
-        </p:nvSpPr>
-        <p:spPr>
-          <a:xfrm>
-            <a:off x="166083" y="137067"/>
-            <a:ext cx="7146508" cy="461665"/>
-          </a:xfrm>
-          <a:prstGeom prst="rect">
-            <a:avLst/>
-          </a:prstGeom>
-        </p:spPr>
-        <p:txBody>
-          <a:bodyPr wrap="none">
-            <a:spAutoFit/>
-          </a:bodyPr>
-          <a:lstStyle/>
-          <a:p>
-            <a:r>
-              <a:rPr lang="ru-RU" sz="2400" b="1" dirty="0">
-                <a:solidFill>
-                  <a:srgbClr val="000000"/>
-                </a:solidFill>
-                <a:latin typeface="Verdana" panose="020B0604030504040204" pitchFamily="34" charset="0"/>
-              </a:rPr>
-              <a:t>Схема алгоритмов основных операций</a:t>
-            </a:r>
-          </a:p>
-        </p:txBody>
-      </p:sp>
-      <p:pic>
-        <p:nvPicPr>
-          <p:cNvPr id="12" name="Рисунок 11"/>
-          <p:cNvPicPr>
-            <a:picLocks noChangeAspect="1"/>
-          </p:cNvPicPr>
-          <p:nvPr/>
-        </p:nvPicPr>
-        <p:blipFill>
-          <a:blip r:embed="rId2"/>
-          <a:stretch>
-            <a:fillRect/>
-          </a:stretch>
-        </p:blipFill>
-        <p:spPr>
-          <a:xfrm>
-            <a:off x="2099584" y="743110"/>
-            <a:ext cx="8728837" cy="5943402"/>
-          </a:xfrm>
-          <a:prstGeom prst="rect">
-            <a:avLst/>
-          </a:prstGeom>
-        </p:spPr>
-      </p:pic>
-      <p:sp>
-        <p:nvSpPr>
-          <p:cNvPr id="14" name="Номер слайда 13"/>
-          <p:cNvSpPr>
-            <a:spLocks noGrp="1"/>
-          </p:cNvSpPr>
-          <p:nvPr>
-            <p:ph type="sldNum" sz="quarter" idx="12"/>
-          </p:nvPr>
-        </p:nvSpPr>
-        <p:spPr/>
-        <p:txBody>
-          <a:bodyPr/>
-          <a:lstStyle/>
-          <a:p>
-            <a:fld id="{1F0A73E7-D28D-4299-9BA6-FD72E53F57ED}" type="slidenum">
-              <a:rPr lang="ru-RU" smtClean="0"/>
-              <a:t>12</a:t>
-            </a:fld>
-            <a:endParaRPr lang="ru-RU" dirty="0"/>
-          </a:p>
-        </p:txBody>
-      </p:sp>
-    </p:spTree>
-    <p:extLst>
-      <p:ext uri="{BB962C8B-B14F-4D97-AF65-F5344CB8AC3E}">
-        <p14:creationId xmlns:p14="http://schemas.microsoft.com/office/powerpoint/2010/main" val="2593280246"/>
-      </p:ext>
-    </p:extLst>
-  </p:cSld>
-  <p:clrMapOvr>
-    <a:masterClrMapping/>
-  </p:clrMapOvr>
-  <p:timing>
-    <p:tnLst>
-      <p:par>
-        <p:cTn id="1" dur="indefinite" restart="never" nodeType="tmRoot"/>
-      </p:par>
-    </p:tnLst>
-  </p:timing>
-</p:sld>
-</file>
-
-<file path=ppt/slides/slide13.xml><?xml version="1.0" encoding="utf-8"?>
-<p:sld xmlns:a="http://schemas.openxmlformats.org/drawingml/2006/main" xmlns:r="http://schemas.openxmlformats.org/officeDocument/2006/relationships" xmlns:p="http://schemas.openxmlformats.org/presentationml/2006/main">
-  <p:cSld>
-    <p:spTree>
-      <p:nvGrpSpPr>
-        <p:cNvPr id="1" name=""/>
-        <p:cNvGrpSpPr/>
-        <p:nvPr/>
-      </p:nvGrpSpPr>
-      <p:grpSpPr>
-        <a:xfrm>
-          <a:off x="0" y="0"/>
-          <a:ext cx="0" cy="0"/>
-          <a:chOff x="0" y="0"/>
-          <a:chExt cx="0" cy="0"/>
-        </a:xfrm>
-      </p:grpSpPr>
-      <p:pic>
-        <p:nvPicPr>
-          <p:cNvPr id="8" name="Рисунок 7"/>
-          <p:cNvPicPr>
-            <a:picLocks noChangeAspect="1"/>
-          </p:cNvPicPr>
-          <p:nvPr/>
-        </p:nvPicPr>
-        <p:blipFill>
-          <a:blip r:embed="rId2"/>
-          <a:stretch>
-            <a:fillRect/>
-          </a:stretch>
-        </p:blipFill>
-        <p:spPr>
-          <a:xfrm>
-            <a:off x="2216324" y="202683"/>
-            <a:ext cx="7759351" cy="6452634"/>
-          </a:xfrm>
-          <a:prstGeom prst="rect">
-            <a:avLst/>
-          </a:prstGeom>
-        </p:spPr>
-      </p:pic>
-      <p:sp>
-        <p:nvSpPr>
-          <p:cNvPr id="9" name="Номер слайда 8"/>
-          <p:cNvSpPr>
-            <a:spLocks noGrp="1"/>
-          </p:cNvSpPr>
-          <p:nvPr>
-            <p:ph type="sldNum" sz="quarter" idx="12"/>
-          </p:nvPr>
-        </p:nvSpPr>
-        <p:spPr/>
-        <p:txBody>
-          <a:bodyPr/>
-          <a:lstStyle/>
-          <a:p>
-            <a:fld id="{1F0A73E7-D28D-4299-9BA6-FD72E53F57ED}" type="slidenum">
-              <a:rPr lang="ru-RU" smtClean="0"/>
-              <a:t>13</a:t>
-            </a:fld>
-            <a:endParaRPr lang="ru-RU"/>
-          </a:p>
-        </p:txBody>
-      </p:sp>
-    </p:spTree>
-    <p:extLst>
-      <p:ext uri="{BB962C8B-B14F-4D97-AF65-F5344CB8AC3E}">
-        <p14:creationId xmlns:p14="http://schemas.microsoft.com/office/powerpoint/2010/main" val="441409278"/>
-      </p:ext>
-    </p:extLst>
-  </p:cSld>
-  <p:clrMapOvr>
-    <a:masterClrMapping/>
-  </p:clrMapOvr>
-  <p:timing>
-    <p:tnLst>
-      <p:par>
-        <p:cTn id="1" dur="indefinite" restart="never" nodeType="tmRoot"/>
-      </p:par>
-    </p:tnLst>
-  </p:timing>
-</p:sld>
-</file>
-
-<file path=ppt/slides/slide14.xml><?xml version="1.0" encoding="utf-8"?>
-<p:sld xmlns:a="http://schemas.openxmlformats.org/drawingml/2006/main" xmlns:r="http://schemas.openxmlformats.org/officeDocument/2006/relationships" xmlns:p="http://schemas.openxmlformats.org/presentationml/2006/main">
-  <p:cSld>
-    <p:spTree>
-      <p:nvGrpSpPr>
-        <p:cNvPr id="1" name=""/>
-        <p:cNvGrpSpPr/>
-        <p:nvPr/>
-      </p:nvGrpSpPr>
-      <p:grpSpPr>
-        <a:xfrm>
-          <a:off x="0" y="0"/>
-          <a:ext cx="0" cy="0"/>
-          <a:chOff x="0" y="0"/>
-          <a:chExt cx="0" cy="0"/>
-        </a:xfrm>
-      </p:grpSpPr>
-      <p:sp>
-        <p:nvSpPr>
-          <p:cNvPr id="5" name="Прямоугольник 4"/>
-          <p:cNvSpPr/>
-          <p:nvPr/>
-        </p:nvSpPr>
-        <p:spPr>
-          <a:xfrm>
-            <a:off x="338623" y="111668"/>
-            <a:ext cx="6151043" cy="461665"/>
-          </a:xfrm>
-          <a:prstGeom prst="rect">
-            <a:avLst/>
-          </a:prstGeom>
-        </p:spPr>
-        <p:txBody>
-          <a:bodyPr wrap="none">
-            <a:spAutoFit/>
-          </a:bodyPr>
-          <a:lstStyle/>
-          <a:p>
-            <a:r>
-              <a:rPr lang="ru-RU" sz="2400" b="1" dirty="0">
-                <a:solidFill>
-                  <a:srgbClr val="000000"/>
-                </a:solidFill>
-                <a:latin typeface="Verdana" panose="020B0604030504040204" pitchFamily="34" charset="0"/>
-              </a:rPr>
-              <a:t>Диаграмма последовательностей</a:t>
-            </a:r>
-          </a:p>
-        </p:txBody>
-      </p:sp>
-      <p:pic>
-        <p:nvPicPr>
-          <p:cNvPr id="7" name="Рисунок 6"/>
-          <p:cNvPicPr>
-            <a:picLocks noChangeAspect="1"/>
-          </p:cNvPicPr>
-          <p:nvPr/>
-        </p:nvPicPr>
-        <p:blipFill>
-          <a:blip r:embed="rId2"/>
-          <a:stretch>
-            <a:fillRect/>
-          </a:stretch>
-        </p:blipFill>
-        <p:spPr>
-          <a:xfrm>
-            <a:off x="338623" y="776016"/>
-            <a:ext cx="11678241" cy="5672909"/>
-          </a:xfrm>
-          <a:prstGeom prst="rect">
-            <a:avLst/>
-          </a:prstGeom>
-        </p:spPr>
-      </p:pic>
-      <p:sp>
-        <p:nvSpPr>
-          <p:cNvPr id="8" name="Номер слайда 7"/>
-          <p:cNvSpPr>
-            <a:spLocks noGrp="1"/>
-          </p:cNvSpPr>
-          <p:nvPr>
-            <p:ph type="sldNum" sz="quarter" idx="12"/>
-          </p:nvPr>
-        </p:nvSpPr>
-        <p:spPr/>
-        <p:txBody>
-          <a:bodyPr/>
-          <a:lstStyle/>
-          <a:p>
-            <a:fld id="{1F0A73E7-D28D-4299-9BA6-FD72E53F57ED}" type="slidenum">
-              <a:rPr lang="ru-RU" smtClean="0"/>
-              <a:t>14</a:t>
-            </a:fld>
-            <a:endParaRPr lang="ru-RU"/>
-          </a:p>
-        </p:txBody>
-      </p:sp>
-    </p:spTree>
-    <p:extLst>
-      <p:ext uri="{BB962C8B-B14F-4D97-AF65-F5344CB8AC3E}">
-        <p14:creationId xmlns:p14="http://schemas.microsoft.com/office/powerpoint/2010/main" val="3015968921"/>
-      </p:ext>
-    </p:extLst>
-  </p:cSld>
-  <p:clrMapOvr>
-    <a:masterClrMapping/>
-  </p:clrMapOvr>
-  <p:timing>
-    <p:tnLst>
-      <p:par>
-        <p:cTn id="1" dur="indefinite" restart="never" nodeType="tmRoot"/>
-      </p:par>
-    </p:tnLst>
-  </p:timing>
-</p:sld>
-</file>
-
-<file path=ppt/slides/slide15.xml><?xml version="1.0" encoding="utf-8"?>
-<p:sld xmlns:a="http://schemas.openxmlformats.org/drawingml/2006/main" xmlns:r="http://schemas.openxmlformats.org/officeDocument/2006/relationships" xmlns:p="http://schemas.openxmlformats.org/presentationml/2006/main">
-  <p:cSld>
-    <p:spTree>
-      <p:nvGrpSpPr>
-        <p:cNvPr id="1" name=""/>
-        <p:cNvGrpSpPr/>
-        <p:nvPr/>
-      </p:nvGrpSpPr>
-      <p:grpSpPr>
-        <a:xfrm>
-          <a:off x="0" y="0"/>
-          <a:ext cx="0" cy="0"/>
-          <a:chOff x="0" y="0"/>
-          <a:chExt cx="0" cy="0"/>
-        </a:xfrm>
-      </p:grpSpPr>
-      <p:sp>
-        <p:nvSpPr>
-          <p:cNvPr id="2" name="Заголовок 1"/>
-          <p:cNvSpPr>
-            <a:spLocks noGrp="1"/>
-          </p:cNvSpPr>
-          <p:nvPr>
-            <p:ph type="title"/>
-          </p:nvPr>
-        </p:nvSpPr>
-        <p:spPr>
-          <a:xfrm>
-            <a:off x="203200" y="0"/>
-            <a:ext cx="7069667" cy="591608"/>
-          </a:xfrm>
-        </p:spPr>
-        <p:txBody>
-          <a:bodyPr>
-            <a:normAutofit/>
-          </a:bodyPr>
-          <a:lstStyle/>
-          <a:p>
-            <a:r>
-              <a:rPr lang="ru-RU" sz="2400" b="1" dirty="0">
-                <a:solidFill>
-                  <a:srgbClr val="000000"/>
-                </a:solidFill>
-                <a:latin typeface="Verdana" panose="020B0604030504040204" pitchFamily="34" charset="0"/>
-                <a:ea typeface="+mn-ea"/>
-                <a:cs typeface="+mn-cs"/>
-              </a:rPr>
-              <a:t>Обзорная диаграмма взаимодействия</a:t>
-            </a:r>
-          </a:p>
-        </p:txBody>
-      </p:sp>
-      <p:sp>
-        <p:nvSpPr>
-          <p:cNvPr id="3" name="Номер слайда 2"/>
-          <p:cNvSpPr>
-            <a:spLocks noGrp="1"/>
-          </p:cNvSpPr>
-          <p:nvPr>
-            <p:ph type="sldNum" sz="quarter" idx="12"/>
-          </p:nvPr>
-        </p:nvSpPr>
-        <p:spPr/>
-        <p:txBody>
-          <a:bodyPr/>
-          <a:lstStyle/>
-          <a:p>
-            <a:fld id="{1F0A73E7-D28D-4299-9BA6-FD72E53F57ED}" type="slidenum">
-              <a:rPr lang="ru-RU" smtClean="0"/>
-              <a:t>15</a:t>
-            </a:fld>
-            <a:endParaRPr lang="ru-RU"/>
-          </a:p>
-        </p:txBody>
-      </p:sp>
-    </p:spTree>
-    <p:extLst>
-      <p:ext uri="{BB962C8B-B14F-4D97-AF65-F5344CB8AC3E}">
-        <p14:creationId xmlns:p14="http://schemas.microsoft.com/office/powerpoint/2010/main" val="455832565"/>
-      </p:ext>
-    </p:extLst>
-  </p:cSld>
-  <p:clrMapOvr>
-    <a:masterClrMapping/>
-  </p:clrMapOvr>
-  <p:timing>
-    <p:tnLst>
-      <p:par>
-        <p:cTn id="1" dur="indefinite" restart="never" nodeType="tmRoot"/>
-      </p:par>
-    </p:tnLst>
-  </p:timing>
-</p:sld>
-</file>
-
-<file path=ppt/slides/slide16.xml><?xml version="1.0" encoding="utf-8"?>
-<p:sld xmlns:a="http://schemas.openxmlformats.org/drawingml/2006/main" xmlns:r="http://schemas.openxmlformats.org/officeDocument/2006/relationships" xmlns:p="http://schemas.openxmlformats.org/presentationml/2006/main">
-  <p:cSld>
-    <p:spTree>
-      <p:nvGrpSpPr>
-        <p:cNvPr id="1" name=""/>
-        <p:cNvGrpSpPr/>
-        <p:nvPr/>
-      </p:nvGrpSpPr>
-      <p:grpSpPr>
-        <a:xfrm>
-          <a:off x="0" y="0"/>
-          <a:ext cx="0" cy="0"/>
-          <a:chOff x="0" y="0"/>
-          <a:chExt cx="0" cy="0"/>
-        </a:xfrm>
-      </p:grpSpPr>
-      <p:sp>
-        <p:nvSpPr>
-          <p:cNvPr id="2" name="Заголовок 1"/>
-          <p:cNvSpPr>
-            <a:spLocks noGrp="1"/>
-          </p:cNvSpPr>
-          <p:nvPr>
-            <p:ph type="title"/>
-          </p:nvPr>
-        </p:nvSpPr>
-        <p:spPr/>
-        <p:txBody>
-          <a:bodyPr/>
-          <a:lstStyle/>
-          <a:p>
-            <a:pPr algn="ctr"/>
-            <a:r>
-              <a:rPr lang="ru-RU" dirty="0" smtClean="0"/>
-              <a:t>Ссылка на </a:t>
-            </a:r>
-            <a:r>
-              <a:rPr lang="ru-RU" dirty="0" err="1" smtClean="0"/>
-              <a:t>репозиторий</a:t>
-            </a:r>
-            <a:endParaRPr lang="ru-RU" dirty="0"/>
-          </a:p>
-        </p:txBody>
-      </p:sp>
-      <p:sp>
-        <p:nvSpPr>
-          <p:cNvPr id="3" name="Прямоугольник 2"/>
-          <p:cNvSpPr/>
-          <p:nvPr/>
-        </p:nvSpPr>
-        <p:spPr>
-          <a:xfrm>
-            <a:off x="1565465" y="2066148"/>
-            <a:ext cx="9061070" cy="830997"/>
-          </a:xfrm>
-          <a:prstGeom prst="rect">
-            <a:avLst/>
-          </a:prstGeom>
-        </p:spPr>
-        <p:txBody>
-          <a:bodyPr wrap="none">
-            <a:spAutoFit/>
-          </a:bodyPr>
-          <a:lstStyle/>
-          <a:p>
-            <a:r>
-              <a:rPr lang="ru-RU" sz="4800" dirty="0">
-                <a:hlinkClick r:id="rId2"/>
-              </a:rPr>
-              <a:t>https://</a:t>
-            </a:r>
-            <a:r>
-              <a:rPr lang="ru-RU" sz="4800" dirty="0" smtClean="0">
-                <a:hlinkClick r:id="rId2"/>
-              </a:rPr>
-              <a:t>github.com/nans1996/GAR</a:t>
-            </a:r>
-            <a:r>
-              <a:rPr lang="ru-RU" sz="4800" dirty="0" smtClean="0"/>
-              <a:t> </a:t>
-            </a:r>
-            <a:endParaRPr lang="ru-RU" sz="4800" dirty="0"/>
-          </a:p>
-        </p:txBody>
-      </p:sp>
-      <p:sp>
-        <p:nvSpPr>
-          <p:cNvPr id="4" name="Номер слайда 3"/>
-          <p:cNvSpPr>
-            <a:spLocks noGrp="1"/>
-          </p:cNvSpPr>
-          <p:nvPr>
-            <p:ph type="sldNum" sz="quarter" idx="12"/>
-          </p:nvPr>
-        </p:nvSpPr>
-        <p:spPr/>
-        <p:txBody>
-          <a:bodyPr/>
-          <a:lstStyle/>
-          <a:p>
-            <a:fld id="{1F0A73E7-D28D-4299-9BA6-FD72E53F57ED}" type="slidenum">
-              <a:rPr lang="ru-RU" smtClean="0"/>
-              <a:t>16</a:t>
-            </a:fld>
-            <a:endParaRPr lang="ru-RU"/>
-          </a:p>
-        </p:txBody>
-      </p:sp>
-    </p:spTree>
-    <p:extLst>
-      <p:ext uri="{BB962C8B-B14F-4D97-AF65-F5344CB8AC3E}">
-        <p14:creationId xmlns:p14="http://schemas.microsoft.com/office/powerpoint/2010/main" val="3679326354"/>
-      </p:ext>
-    </p:extLst>
-  </p:cSld>
-  <p:clrMapOvr>
-    <a:masterClrMapping/>
-  </p:clrMapOvr>
-  <p:timing>
-    <p:tnLst>
-      <p:par>
-        <p:cTn id="1" dur="indefinite" restart="never" nodeType="tmRoot"/>
-      </p:par>
-    </p:tnLst>
-  </p:timing>
-</p:sld>
-</file>
-
-<file path=ppt/slides/slide2.xml><?xml version="1.0" encoding="utf-8"?>
-<p:sld xmlns:a="http://schemas.openxmlformats.org/drawingml/2006/main" xmlns:r="http://schemas.openxmlformats.org/officeDocument/2006/relationships" xmlns:p="http://schemas.openxmlformats.org/presentationml/2006/main">
-  <p:cSld>
-    <p:spTree>
-      <p:nvGrpSpPr>
-        <p:cNvPr id="1" name=""/>
-        <p:cNvGrpSpPr/>
-        <p:nvPr/>
-      </p:nvGrpSpPr>
-      <p:grpSpPr>
-        <a:xfrm>
-          <a:off x="0" y="0"/>
-          <a:ext cx="0" cy="0"/>
-          <a:chOff x="0" y="0"/>
-          <a:chExt cx="0" cy="0"/>
-        </a:xfrm>
-      </p:grpSpPr>
-      <p:sp>
-        <p:nvSpPr>
-          <p:cNvPr id="2" name="Заголовок 1"/>
-          <p:cNvSpPr>
-            <a:spLocks noGrp="1"/>
-          </p:cNvSpPr>
-          <p:nvPr>
-            <p:ph type="title"/>
-          </p:nvPr>
-        </p:nvSpPr>
-        <p:spPr/>
-        <p:txBody>
-          <a:bodyPr/>
-          <a:lstStyle/>
-          <a:p>
-            <a:pPr algn="ctr"/>
-            <a:r>
-              <a:rPr lang="ru-RU" dirty="0" smtClean="0"/>
-              <a:t>Описание предметной области</a:t>
-            </a:r>
-            <a:endParaRPr lang="ru-RU" dirty="0"/>
-          </a:p>
-        </p:txBody>
-      </p:sp>
-      <p:sp>
-        <p:nvSpPr>
-          <p:cNvPr id="3" name="TextBox 2"/>
-          <p:cNvSpPr txBox="1"/>
-          <p:nvPr/>
-        </p:nvSpPr>
-        <p:spPr>
-          <a:xfrm>
-            <a:off x="838200" y="1604513"/>
-            <a:ext cx="10515600" cy="3785652"/>
-          </a:xfrm>
-          <a:prstGeom prst="rect">
-            <a:avLst/>
-          </a:prstGeom>
-          <a:noFill/>
-        </p:spPr>
-        <p:txBody>
-          <a:bodyPr wrap="square" rtlCol="0">
-            <a:spAutoFit/>
-          </a:bodyPr>
-          <a:lstStyle/>
-          <a:p>
-            <a:pPr algn="just"/>
-            <a:r>
-              <a:rPr lang="ru-RU" sz="2400" dirty="0" smtClean="0">
-                <a:latin typeface="Times New Roman" panose="02020603050405020304" pitchFamily="18" charset="0"/>
-                <a:cs typeface="Times New Roman" panose="02020603050405020304" pitchFamily="18" charset="0"/>
-              </a:rPr>
-              <a:t>В теории добиться успеха просто, нужно лишь отказаться от того, что мешает начать работать над собой.</a:t>
-            </a:r>
-          </a:p>
-          <a:p>
-            <a:pPr algn="just"/>
-            <a:r>
-              <a:rPr lang="ru-RU" sz="2400" dirty="0" smtClean="0">
-                <a:latin typeface="Times New Roman" panose="02020603050405020304" pitchFamily="18" charset="0"/>
-                <a:cs typeface="Times New Roman" panose="02020603050405020304" pitchFamily="18" charset="0"/>
-              </a:rPr>
-              <a:t>На практике же мотивировать себя на достижение целей крайне сложно. Помочь справится с этой задачей призвано приложение </a:t>
-            </a:r>
-            <a:r>
-              <a:rPr lang="en-US" sz="2400" dirty="0" smtClean="0">
-                <a:latin typeface="Times New Roman" panose="02020603050405020304" pitchFamily="18" charset="0"/>
-                <a:cs typeface="Times New Roman" panose="02020603050405020304" pitchFamily="18" charset="0"/>
-              </a:rPr>
-              <a:t>GAR.</a:t>
-            </a:r>
-          </a:p>
-          <a:p>
-            <a:pPr algn="just"/>
-            <a:endParaRPr lang="en-US" sz="2400" dirty="0">
-              <a:latin typeface="Times New Roman" panose="02020603050405020304" pitchFamily="18" charset="0"/>
-              <a:cs typeface="Times New Roman" panose="02020603050405020304" pitchFamily="18" charset="0"/>
-            </a:endParaRPr>
-          </a:p>
-          <a:p>
-            <a:pPr marL="342900" indent="-342900" algn="just">
-              <a:buFont typeface="+mj-lt"/>
-              <a:buAutoNum type="arabicPeriod"/>
-            </a:pPr>
-            <a:r>
-              <a:rPr lang="ru-RU" sz="2400" dirty="0" smtClean="0">
-                <a:latin typeface="Times New Roman" panose="02020603050405020304" pitchFamily="18" charset="0"/>
-                <a:cs typeface="Times New Roman" panose="02020603050405020304" pitchFamily="18" charset="0"/>
-              </a:rPr>
-              <a:t>Достижение цели с помощью игры</a:t>
-            </a:r>
-          </a:p>
-          <a:p>
-            <a:pPr marL="342900" indent="-342900" algn="just">
-              <a:buFont typeface="+mj-lt"/>
-              <a:buAutoNum type="arabicPeriod"/>
-            </a:pPr>
-            <a:r>
-              <a:rPr lang="ru-RU" sz="2400" dirty="0" smtClean="0">
-                <a:latin typeface="Times New Roman" panose="02020603050405020304" pitchFamily="18" charset="0"/>
-                <a:cs typeface="Times New Roman" panose="02020603050405020304" pitchFamily="18" charset="0"/>
-              </a:rPr>
-              <a:t>Соревновательный характер</a:t>
-            </a:r>
-          </a:p>
-          <a:p>
-            <a:pPr marL="342900" indent="-342900" algn="just">
-              <a:buFont typeface="+mj-lt"/>
-              <a:buAutoNum type="arabicPeriod"/>
-            </a:pPr>
-            <a:r>
-              <a:rPr lang="ru-RU" sz="2400" dirty="0" smtClean="0">
-                <a:latin typeface="Times New Roman" panose="02020603050405020304" pitchFamily="18" charset="0"/>
-                <a:cs typeface="Times New Roman" panose="02020603050405020304" pitchFamily="18" charset="0"/>
-              </a:rPr>
-              <a:t>Система поощрения</a:t>
-            </a:r>
-          </a:p>
-          <a:p>
-            <a:pPr marL="342900" indent="-342900" algn="just">
-              <a:buFont typeface="+mj-lt"/>
-              <a:buAutoNum type="arabicPeriod"/>
-            </a:pPr>
-            <a:r>
-              <a:rPr lang="ru-RU" sz="2400" dirty="0" smtClean="0">
-                <a:latin typeface="Times New Roman" panose="02020603050405020304" pitchFamily="18" charset="0"/>
-                <a:cs typeface="Times New Roman" panose="02020603050405020304" pitchFamily="18" charset="0"/>
-              </a:rPr>
-              <a:t>Возможность добавления одной или нескольких целей</a:t>
-            </a:r>
-          </a:p>
-          <a:p>
-            <a:pPr marL="342900" indent="-342900" algn="just">
-              <a:buFont typeface="+mj-lt"/>
-              <a:buAutoNum type="arabicPeriod"/>
-            </a:pPr>
-            <a:r>
-              <a:rPr lang="ru-RU" sz="2400" dirty="0" smtClean="0">
-                <a:latin typeface="Times New Roman" panose="02020603050405020304" pitchFamily="18" charset="0"/>
-                <a:cs typeface="Times New Roman" panose="02020603050405020304" pitchFamily="18" charset="0"/>
-              </a:rPr>
-              <a:t>Анализ результатов</a:t>
-            </a:r>
-            <a:endParaRPr lang="ru-RU" sz="2400" dirty="0">
-              <a:latin typeface="Times New Roman" panose="02020603050405020304" pitchFamily="18" charset="0"/>
-              <a:cs typeface="Times New Roman" panose="02020603050405020304" pitchFamily="18" charset="0"/>
-            </a:endParaRPr>
-          </a:p>
-        </p:txBody>
-      </p:sp>
-      <p:sp>
-        <p:nvSpPr>
-          <p:cNvPr id="4" name="Номер слайда 3"/>
-          <p:cNvSpPr>
-            <a:spLocks noGrp="1"/>
-          </p:cNvSpPr>
-          <p:nvPr>
-            <p:ph type="sldNum" sz="quarter" idx="12"/>
-          </p:nvPr>
-        </p:nvSpPr>
-        <p:spPr/>
-        <p:txBody>
-          <a:bodyPr/>
-          <a:lstStyle/>
-          <a:p>
-            <a:fld id="{1F0A73E7-D28D-4299-9BA6-FD72E53F57ED}" type="slidenum">
-              <a:rPr lang="ru-RU" smtClean="0"/>
-              <a:t>2</a:t>
-            </a:fld>
-            <a:endParaRPr lang="ru-RU"/>
-          </a:p>
-        </p:txBody>
-      </p:sp>
-    </p:spTree>
-    <p:extLst>
-      <p:ext uri="{BB962C8B-B14F-4D97-AF65-F5344CB8AC3E}">
-        <p14:creationId xmlns:p14="http://schemas.microsoft.com/office/powerpoint/2010/main" val="774529018"/>
-      </p:ext>
-    </p:extLst>
-  </p:cSld>
-  <p:clrMapOvr>
-    <a:masterClrMapping/>
-  </p:clrMapOvr>
-  <p:timing>
-    <p:tnLst>
-      <p:par>
-        <p:cTn id="1" dur="indefinite" restart="never" nodeType="tmRoot"/>
-      </p:par>
-    </p:tnLst>
-  </p:timing>
-</p:sld>
-</file>
-
-<file path=ppt/slides/slide3.xml><?xml version="1.0" encoding="utf-8"?>
-<p:sld xmlns:a="http://schemas.openxmlformats.org/drawingml/2006/main" xmlns:r="http://schemas.openxmlformats.org/officeDocument/2006/relationships" xmlns:p="http://schemas.openxmlformats.org/presentationml/2006/main">
-  <p:cSld>
-    <p:spTree>
-      <p:nvGrpSpPr>
-        <p:cNvPr id="1" name=""/>
-        <p:cNvGrpSpPr/>
-        <p:nvPr/>
-      </p:nvGrpSpPr>
-      <p:grpSpPr>
-        <a:xfrm>
-          <a:off x="0" y="0"/>
-          <a:ext cx="0" cy="0"/>
-          <a:chOff x="0" y="0"/>
-          <a:chExt cx="0" cy="0"/>
-        </a:xfrm>
-      </p:grpSpPr>
-      <p:pic>
-        <p:nvPicPr>
-          <p:cNvPr id="10" name="Рисунок 9"/>
-          <p:cNvPicPr>
-            <a:picLocks noChangeAspect="1"/>
-          </p:cNvPicPr>
-          <p:nvPr/>
-        </p:nvPicPr>
-        <p:blipFill>
-          <a:blip r:embed="rId2"/>
-          <a:stretch>
-            <a:fillRect/>
-          </a:stretch>
-        </p:blipFill>
-        <p:spPr>
-          <a:xfrm>
-            <a:off x="491541" y="182880"/>
-            <a:ext cx="11029899" cy="6578986"/>
-          </a:xfrm>
-          <a:prstGeom prst="rect">
-            <a:avLst/>
-          </a:prstGeom>
-        </p:spPr>
-      </p:pic>
-      <p:sp>
-        <p:nvSpPr>
-          <p:cNvPr id="11" name="Номер слайда 10"/>
-          <p:cNvSpPr>
-            <a:spLocks noGrp="1"/>
-          </p:cNvSpPr>
-          <p:nvPr>
-            <p:ph type="sldNum" sz="quarter" idx="12"/>
-          </p:nvPr>
-        </p:nvSpPr>
-        <p:spPr/>
-        <p:txBody>
-          <a:bodyPr/>
-          <a:lstStyle/>
-          <a:p>
-            <a:fld id="{1F0A73E7-D28D-4299-9BA6-FD72E53F57ED}" type="slidenum">
-              <a:rPr lang="ru-RU" smtClean="0"/>
-              <a:t>3</a:t>
-            </a:fld>
-            <a:endParaRPr lang="ru-RU"/>
-          </a:p>
-        </p:txBody>
-      </p:sp>
-    </p:spTree>
-    <p:extLst>
-      <p:ext uri="{BB962C8B-B14F-4D97-AF65-F5344CB8AC3E}">
-        <p14:creationId xmlns:p14="http://schemas.microsoft.com/office/powerpoint/2010/main" val="320412425"/>
-      </p:ext>
-    </p:extLst>
-  </p:cSld>
-  <p:clrMapOvr>
-    <a:masterClrMapping/>
-  </p:clrMapOvr>
-  <p:timing>
-    <p:tnLst>
-      <p:par>
-        <p:cTn id="1" dur="indefinite" restart="never" nodeType="tmRoot"/>
-      </p:par>
-    </p:tnLst>
-  </p:timing>
-</p:sld>
-</file>
-
-<file path=ppt/slides/slide4.xml><?xml version="1.0" encoding="utf-8"?>
-<p:sld xmlns:a="http://schemas.openxmlformats.org/drawingml/2006/main" xmlns:r="http://schemas.openxmlformats.org/officeDocument/2006/relationships" xmlns:p="http://schemas.openxmlformats.org/presentationml/2006/main">
-  <p:cSld>
-    <p:spTree>
-      <p:nvGrpSpPr>
-        <p:cNvPr id="1" name=""/>
-        <p:cNvGrpSpPr/>
-        <p:nvPr/>
-      </p:nvGrpSpPr>
-      <p:grpSpPr>
-        <a:xfrm>
-          <a:off x="0" y="0"/>
-          <a:ext cx="0" cy="0"/>
-          <a:chOff x="0" y="0"/>
-          <a:chExt cx="0" cy="0"/>
-        </a:xfrm>
-      </p:grpSpPr>
-      <p:pic>
-        <p:nvPicPr>
-          <p:cNvPr id="6" name="Рисунок 5"/>
-          <p:cNvPicPr>
-            <a:picLocks noChangeAspect="1"/>
-          </p:cNvPicPr>
-          <p:nvPr/>
-        </p:nvPicPr>
-        <p:blipFill>
-          <a:blip r:embed="rId2">
-            <a:extLst>
-              <a:ext uri="{28A0092B-C50C-407E-A947-70E740481C1C}">
-                <a14:useLocalDpi xmlns:a14="http://schemas.microsoft.com/office/drawing/2010/main" val="0"/>
-              </a:ext>
-            </a:extLst>
-          </a:blip>
-          <a:stretch>
-            <a:fillRect/>
-          </a:stretch>
-        </p:blipFill>
-        <p:spPr>
-          <a:xfrm>
-            <a:off x="0" y="1065844"/>
-            <a:ext cx="12192000" cy="4726311"/>
-          </a:xfrm>
-          <a:prstGeom prst="rect">
-            <a:avLst/>
-          </a:prstGeom>
-        </p:spPr>
-      </p:pic>
-      <p:sp>
-        <p:nvSpPr>
-          <p:cNvPr id="7" name="Номер слайда 6"/>
-          <p:cNvSpPr>
-            <a:spLocks noGrp="1"/>
-          </p:cNvSpPr>
-          <p:nvPr>
-            <p:ph type="sldNum" sz="quarter" idx="12"/>
-          </p:nvPr>
-        </p:nvSpPr>
-        <p:spPr/>
-        <p:txBody>
-          <a:bodyPr/>
-          <a:lstStyle/>
-          <a:p>
-            <a:fld id="{1F0A73E7-D28D-4299-9BA6-FD72E53F57ED}" type="slidenum">
-              <a:rPr lang="ru-RU" smtClean="0"/>
-              <a:t>4</a:t>
-            </a:fld>
-            <a:endParaRPr lang="ru-RU"/>
-          </a:p>
-        </p:txBody>
-      </p:sp>
-    </p:spTree>
-    <p:extLst>
-      <p:ext uri="{BB962C8B-B14F-4D97-AF65-F5344CB8AC3E}">
-        <p14:creationId xmlns:p14="http://schemas.microsoft.com/office/powerpoint/2010/main" val="1460493786"/>
-      </p:ext>
-    </p:extLst>
-  </p:cSld>
-  <p:clrMapOvr>
-    <a:masterClrMapping/>
-  </p:clrMapOvr>
-  <p:timing>
-    <p:tnLst>
-      <p:par>
-        <p:cTn id="1" dur="indefinite" restart="never" nodeType="tmRoot"/>
-      </p:par>
-    </p:tnLst>
-  </p:timing>
-</p:sld>
-</file>
-
-<file path=ppt/slides/slide5.xml><?xml version="1.0" encoding="utf-8"?>
-<p:sld xmlns:a="http://schemas.openxmlformats.org/drawingml/2006/main" xmlns:r="http://schemas.openxmlformats.org/officeDocument/2006/relationships" xmlns:p="http://schemas.openxmlformats.org/presentationml/2006/main">
-  <p:cSld>
-    <p:spTree>
-      <p:nvGrpSpPr>
-        <p:cNvPr id="1" name=""/>
-        <p:cNvGrpSpPr/>
-        <p:nvPr/>
-      </p:nvGrpSpPr>
-      <p:grpSpPr>
-        <a:xfrm>
-          <a:off x="0" y="0"/>
-          <a:ext cx="0" cy="0"/>
-          <a:chOff x="0" y="0"/>
-          <a:chExt cx="0" cy="0"/>
-        </a:xfrm>
-      </p:grpSpPr>
-      <p:sp>
-        <p:nvSpPr>
-          <p:cNvPr id="2" name="Заголовок 1"/>
-          <p:cNvSpPr>
-            <a:spLocks noGrp="1"/>
-          </p:cNvSpPr>
-          <p:nvPr>
-            <p:ph type="title"/>
-          </p:nvPr>
-        </p:nvSpPr>
-        <p:spPr>
-          <a:xfrm>
-            <a:off x="200025" y="0"/>
-            <a:ext cx="10477500" cy="1325563"/>
-          </a:xfrm>
-        </p:spPr>
-        <p:txBody>
-          <a:bodyPr>
-            <a:normAutofit/>
-          </a:bodyPr>
-          <a:lstStyle/>
-          <a:p>
-            <a:r>
-              <a:rPr lang="ru-RU" sz="2400" b="1" dirty="0" smtClean="0">
-                <a:solidFill>
-                  <a:srgbClr val="000000"/>
-                </a:solidFill>
-                <a:latin typeface="Verdana" panose="020B0604030504040204" pitchFamily="34" charset="0"/>
-              </a:rPr>
-              <a:t>Диаграмма бизнес процесса</a:t>
-            </a:r>
-            <a:endParaRPr lang="ru-RU" sz="2400" dirty="0"/>
-          </a:p>
-        </p:txBody>
-      </p:sp>
-      <p:pic>
-        <p:nvPicPr>
-          <p:cNvPr id="3" name="Рисунок 2"/>
-          <p:cNvPicPr>
-            <a:picLocks noChangeAspect="1"/>
-          </p:cNvPicPr>
-          <p:nvPr/>
-        </p:nvPicPr>
-        <p:blipFill>
-          <a:blip r:embed="rId2"/>
-          <a:stretch>
-            <a:fillRect/>
-          </a:stretch>
-        </p:blipFill>
-        <p:spPr>
-          <a:xfrm>
-            <a:off x="6024267" y="252363"/>
-            <a:ext cx="5583675" cy="6469112"/>
-          </a:xfrm>
-          <a:prstGeom prst="rect">
-            <a:avLst/>
-          </a:prstGeom>
-        </p:spPr>
-      </p:pic>
-      <p:sp>
-        <p:nvSpPr>
-          <p:cNvPr id="4" name="Номер слайда 3"/>
-          <p:cNvSpPr>
-            <a:spLocks noGrp="1"/>
-          </p:cNvSpPr>
-          <p:nvPr>
-            <p:ph type="sldNum" sz="quarter" idx="12"/>
-          </p:nvPr>
-        </p:nvSpPr>
-        <p:spPr/>
-        <p:txBody>
-          <a:bodyPr/>
-          <a:lstStyle/>
-          <a:p>
-            <a:fld id="{1F0A73E7-D28D-4299-9BA6-FD72E53F57ED}" type="slidenum">
-              <a:rPr lang="ru-RU" smtClean="0"/>
-              <a:t>5</a:t>
-            </a:fld>
-            <a:endParaRPr lang="ru-RU"/>
-          </a:p>
-        </p:txBody>
-      </p:sp>
-    </p:spTree>
-    <p:extLst>
-      <p:ext uri="{BB962C8B-B14F-4D97-AF65-F5344CB8AC3E}">
-        <p14:creationId xmlns:p14="http://schemas.microsoft.com/office/powerpoint/2010/main" val="3454666868"/>
-      </p:ext>
-    </p:extLst>
-  </p:cSld>
-  <p:clrMapOvr>
-    <a:masterClrMapping/>
-  </p:clrMapOvr>
-  <p:timing>
-    <p:tnLst>
-      <p:par>
-        <p:cTn id="1" dur="indefinite" restart="never" nodeType="tmRoot"/>
-      </p:par>
-    </p:tnLst>
-  </p:timing>
-</p:sld>
-</file>
-
-<file path=ppt/slides/slide6.xml><?xml version="1.0" encoding="utf-8"?>
-<p:sld xmlns:a="http://schemas.openxmlformats.org/drawingml/2006/main" xmlns:r="http://schemas.openxmlformats.org/officeDocument/2006/relationships" xmlns:p="http://schemas.openxmlformats.org/presentationml/2006/main">
-  <p:cSld>
-    <p:spTree>
-      <p:nvGrpSpPr>
-        <p:cNvPr id="1" name=""/>
-        <p:cNvGrpSpPr/>
-        <p:nvPr/>
-      </p:nvGrpSpPr>
-      <p:grpSpPr>
-        <a:xfrm>
-          <a:off x="0" y="0"/>
-          <a:ext cx="0" cy="0"/>
-          <a:chOff x="0" y="0"/>
-          <a:chExt cx="0" cy="0"/>
-        </a:xfrm>
-      </p:grpSpPr>
-      <p:sp>
-        <p:nvSpPr>
-          <p:cNvPr id="6" name="Прямоугольник 5"/>
-          <p:cNvSpPr/>
-          <p:nvPr/>
-        </p:nvSpPr>
-        <p:spPr>
-          <a:xfrm>
-            <a:off x="0" y="0"/>
-            <a:ext cx="7681911" cy="461665"/>
-          </a:xfrm>
-          <a:prstGeom prst="rect">
-            <a:avLst/>
-          </a:prstGeom>
-        </p:spPr>
-        <p:txBody>
-          <a:bodyPr wrap="none">
-            <a:spAutoFit/>
-          </a:bodyPr>
-          <a:lstStyle/>
-          <a:p>
-            <a:r>
-              <a:rPr lang="ru-RU" sz="2400" b="1" dirty="0">
-                <a:solidFill>
-                  <a:srgbClr val="000000"/>
-                </a:solidFill>
-                <a:latin typeface="Verdana" panose="020B0604030504040204" pitchFamily="34" charset="0"/>
-              </a:rPr>
-              <a:t>Структурная схема программной системы</a:t>
-            </a:r>
-          </a:p>
-        </p:txBody>
-      </p:sp>
-      <p:pic>
-        <p:nvPicPr>
-          <p:cNvPr id="8" name="Рисунок 7"/>
-          <p:cNvPicPr>
-            <a:picLocks noChangeAspect="1"/>
-          </p:cNvPicPr>
-          <p:nvPr/>
-        </p:nvPicPr>
-        <p:blipFill>
-          <a:blip r:embed="rId2"/>
-          <a:stretch>
-            <a:fillRect/>
-          </a:stretch>
-        </p:blipFill>
-        <p:spPr>
-          <a:xfrm>
-            <a:off x="389123" y="804073"/>
-            <a:ext cx="11331472" cy="5471598"/>
-          </a:xfrm>
-          <a:prstGeom prst="rect">
-            <a:avLst/>
-          </a:prstGeom>
-        </p:spPr>
-      </p:pic>
-      <p:sp>
-        <p:nvSpPr>
-          <p:cNvPr id="9" name="Номер слайда 8"/>
-          <p:cNvSpPr>
-            <a:spLocks noGrp="1"/>
-          </p:cNvSpPr>
-          <p:nvPr>
-            <p:ph type="sldNum" sz="quarter" idx="12"/>
-          </p:nvPr>
-        </p:nvSpPr>
-        <p:spPr/>
-        <p:txBody>
-          <a:bodyPr/>
-          <a:lstStyle/>
-          <a:p>
-            <a:fld id="{1F0A73E7-D28D-4299-9BA6-FD72E53F57ED}" type="slidenum">
-              <a:rPr lang="ru-RU" smtClean="0"/>
-              <a:t>6</a:t>
-            </a:fld>
-            <a:endParaRPr lang="ru-RU"/>
-          </a:p>
-        </p:txBody>
-      </p:sp>
-    </p:spTree>
-    <p:extLst>
-      <p:ext uri="{BB962C8B-B14F-4D97-AF65-F5344CB8AC3E}">
-        <p14:creationId xmlns:p14="http://schemas.microsoft.com/office/powerpoint/2010/main" val="2985213565"/>
-      </p:ext>
-    </p:extLst>
-  </p:cSld>
-  <p:clrMapOvr>
-    <a:masterClrMapping/>
-  </p:clrMapOvr>
-  <p:timing>
-    <p:tnLst>
-      <p:par>
-        <p:cTn id="1" dur="indefinite" restart="never" nodeType="tmRoot"/>
-      </p:par>
-    </p:tnLst>
-  </p:timing>
-</p:sld>
-</file>
-
-<file path=ppt/slides/slide7.xml><?xml version="1.0" encoding="utf-8"?>
-<p:sld xmlns:a="http://schemas.openxmlformats.org/drawingml/2006/main" xmlns:r="http://schemas.openxmlformats.org/officeDocument/2006/relationships" xmlns:p="http://schemas.openxmlformats.org/presentationml/2006/main">
-  <p:cSld>
-    <p:spTree>
-      <p:nvGrpSpPr>
-        <p:cNvPr id="1" name=""/>
-        <p:cNvGrpSpPr/>
-        <p:nvPr/>
-      </p:nvGrpSpPr>
-      <p:grpSpPr>
-        <a:xfrm>
-          <a:off x="0" y="0"/>
-          <a:ext cx="0" cy="0"/>
-          <a:chOff x="0" y="0"/>
-          <a:chExt cx="0" cy="0"/>
-        </a:xfrm>
-      </p:grpSpPr>
-      <p:sp>
-        <p:nvSpPr>
-          <p:cNvPr id="5" name="Прямоугольник 4"/>
-          <p:cNvSpPr/>
-          <p:nvPr/>
-        </p:nvSpPr>
-        <p:spPr>
-          <a:xfrm>
-            <a:off x="590550" y="190500"/>
-            <a:ext cx="11258550" cy="830997"/>
-          </a:xfrm>
-          <a:prstGeom prst="rect">
-            <a:avLst/>
-          </a:prstGeom>
-        </p:spPr>
-        <p:txBody>
-          <a:bodyPr wrap="square">
-            <a:spAutoFit/>
-          </a:bodyPr>
-          <a:lstStyle/>
-          <a:p>
-            <a:r>
-              <a:rPr lang="ru-RU" sz="2400" b="1" dirty="0">
-                <a:solidFill>
-                  <a:srgbClr val="000000"/>
-                </a:solidFill>
-                <a:latin typeface="Verdana" panose="020B0604030504040204" pitchFamily="34" charset="0"/>
-              </a:rPr>
-              <a:t>Диаграмма компонентов </a:t>
-            </a:r>
-            <a:r>
-              <a:rPr lang="ru-RU" sz="2400" dirty="0">
-                <a:solidFill>
-                  <a:srgbClr val="000000"/>
-                </a:solidFill>
-                <a:latin typeface="Verdana" panose="020B0604030504040204" pitchFamily="34" charset="0"/>
-              </a:rPr>
-              <a:t>отображает организацию компонентов и зависимости между ними.</a:t>
-            </a:r>
-            <a:endParaRPr lang="ru-RU" sz="2400" dirty="0"/>
-          </a:p>
-        </p:txBody>
-      </p:sp>
-      <p:pic>
-        <p:nvPicPr>
-          <p:cNvPr id="7" name="Рисунок 6"/>
-          <p:cNvPicPr>
-            <a:picLocks noChangeAspect="1"/>
-          </p:cNvPicPr>
-          <p:nvPr/>
-        </p:nvPicPr>
-        <p:blipFill>
-          <a:blip r:embed="rId2"/>
-          <a:stretch>
-            <a:fillRect/>
-          </a:stretch>
-        </p:blipFill>
-        <p:spPr>
-          <a:xfrm>
-            <a:off x="2530301" y="1192538"/>
-            <a:ext cx="7888563" cy="5665462"/>
-          </a:xfrm>
-          <a:prstGeom prst="rect">
-            <a:avLst/>
-          </a:prstGeom>
-        </p:spPr>
-      </p:pic>
-      <p:sp>
-        <p:nvSpPr>
-          <p:cNvPr id="8" name="Номер слайда 7"/>
-          <p:cNvSpPr>
-            <a:spLocks noGrp="1"/>
-          </p:cNvSpPr>
-          <p:nvPr>
-            <p:ph type="sldNum" sz="quarter" idx="12"/>
-          </p:nvPr>
-        </p:nvSpPr>
-        <p:spPr/>
-        <p:txBody>
-          <a:bodyPr/>
-          <a:lstStyle/>
-          <a:p>
-            <a:fld id="{1F0A73E7-D28D-4299-9BA6-FD72E53F57ED}" type="slidenum">
-              <a:rPr lang="ru-RU" smtClean="0"/>
-              <a:t>7</a:t>
-            </a:fld>
-            <a:endParaRPr lang="ru-RU"/>
-          </a:p>
-        </p:txBody>
-      </p:sp>
-    </p:spTree>
-    <p:extLst>
-      <p:ext uri="{BB962C8B-B14F-4D97-AF65-F5344CB8AC3E}">
-        <p14:creationId xmlns:p14="http://schemas.microsoft.com/office/powerpoint/2010/main" val="1375115644"/>
-      </p:ext>
-    </p:extLst>
-  </p:cSld>
-  <p:clrMapOvr>
-    <a:masterClrMapping/>
-  </p:clrMapOvr>
-  <p:timing>
-    <p:tnLst>
-      <p:par>
-        <p:cTn id="1" dur="indefinite" restart="never" nodeType="tmRoot"/>
-      </p:par>
-    </p:tnLst>
-  </p:timing>
-</p:sld>
-</file>
-
-<file path=ppt/slides/slide8.xml><?xml version="1.0" encoding="utf-8"?>
-<p:sld xmlns:a="http://schemas.openxmlformats.org/drawingml/2006/main" xmlns:r="http://schemas.openxmlformats.org/officeDocument/2006/relationships" xmlns:p="http://schemas.openxmlformats.org/presentationml/2006/main">
-  <p:cSld>
-    <p:spTree>
-      <p:nvGrpSpPr>
-        <p:cNvPr id="1" name=""/>
-        <p:cNvGrpSpPr/>
-        <p:nvPr/>
-      </p:nvGrpSpPr>
-      <p:grpSpPr>
-        <a:xfrm>
-          <a:off x="0" y="0"/>
-          <a:ext cx="0" cy="0"/>
-          <a:chOff x="0" y="0"/>
-          <a:chExt cx="0" cy="0"/>
-        </a:xfrm>
-      </p:grpSpPr>
-      <p:sp>
-        <p:nvSpPr>
           <p:cNvPr id="2" name="Прямоугольник 1"/>
           <p:cNvSpPr/>
           <p:nvPr/>
@@ -5373,7 +3972,7 @@
           <a:p>
             <a:fld id="{1F0A73E7-D28D-4299-9BA6-FD72E53F57ED}" type="slidenum">
               <a:rPr lang="ru-RU" smtClean="0"/>
-              <a:t>8</a:t>
+              <a:t>11</a:t>
             </a:fld>
             <a:endParaRPr lang="ru-RU"/>
           </a:p>
@@ -5392,7 +3991,7 @@
 </p:sld>
 </file>
 
-<file path=ppt/slides/slide9.xml><?xml version="1.0" encoding="utf-8"?>
+<file path=ppt/slides/slide12.xml><?xml version="1.0" encoding="utf-8"?>
 <p:sld xmlns:a="http://schemas.openxmlformats.org/drawingml/2006/main" xmlns:r="http://schemas.openxmlformats.org/officeDocument/2006/relationships" xmlns:p="http://schemas.openxmlformats.org/presentationml/2006/main">
   <p:cSld>
     <p:spTree>
@@ -5443,14 +4042,6 @@
               </a:rPr>
               <a:t>Интерфейс</a:t>
             </a:r>
-            <a:endParaRPr lang="ru-RU" sz="4000" b="1" dirty="0">
-              <a:solidFill>
-                <a:srgbClr val="000000"/>
-              </a:solidFill>
-              <a:latin typeface="Verdana" panose="020B0604030504040204" pitchFamily="34" charset="0"/>
-              <a:ea typeface="+mn-ea"/>
-              <a:cs typeface="+mn-cs"/>
-            </a:endParaRPr>
           </a:p>
         </p:txBody>
       </p:sp>
@@ -5490,12 +4081,6 @@
               </a:rPr>
               <a:t>Главная страница</a:t>
             </a:r>
-            <a:endParaRPr lang="ru-RU" dirty="0">
-              <a:solidFill>
-                <a:srgbClr val="000000"/>
-              </a:solidFill>
-              <a:latin typeface="Verdana" panose="020B0604030504040204" pitchFamily="34" charset="0"/>
-            </a:endParaRPr>
           </a:p>
         </p:txBody>
       </p:sp>
@@ -5535,12 +4120,6 @@
               </a:rPr>
               <a:t>Профиль пользователя</a:t>
             </a:r>
-            <a:endParaRPr lang="ru-RU" dirty="0">
-              <a:solidFill>
-                <a:srgbClr val="000000"/>
-              </a:solidFill>
-              <a:latin typeface="Verdana" panose="020B0604030504040204" pitchFamily="34" charset="0"/>
-            </a:endParaRPr>
           </a:p>
         </p:txBody>
       </p:sp>
@@ -5609,7 +4188,7 @@
           <a:p>
             <a:fld id="{1F0A73E7-D28D-4299-9BA6-FD72E53F57ED}" type="slidenum">
               <a:rPr lang="ru-RU" smtClean="0"/>
-              <a:t>9</a:t>
+              <a:t>12</a:t>
             </a:fld>
             <a:endParaRPr lang="ru-RU"/>
           </a:p>
@@ -5619,6 +4198,1634 @@
     <p:extLst>
       <p:ext uri="{BB962C8B-B14F-4D97-AF65-F5344CB8AC3E}">
         <p14:creationId xmlns:p14="http://schemas.microsoft.com/office/powerpoint/2010/main" val="3756920476"/>
+      </p:ext>
+    </p:extLst>
+  </p:cSld>
+  <p:clrMapOvr>
+    <a:masterClrMapping/>
+  </p:clrMapOvr>
+  <p:timing>
+    <p:tnLst>
+      <p:par>
+        <p:cTn id="1" dur="indefinite" restart="never" nodeType="tmRoot"/>
+      </p:par>
+    </p:tnLst>
+  </p:timing>
+</p:sld>
+</file>
+
+<file path=ppt/slides/slide13.xml><?xml version="1.0" encoding="utf-8"?>
+<p:sld xmlns:a="http://schemas.openxmlformats.org/drawingml/2006/main" xmlns:r="http://schemas.openxmlformats.org/officeDocument/2006/relationships" xmlns:p="http://schemas.openxmlformats.org/presentationml/2006/main">
+  <p:cSld>
+    <p:spTree>
+      <p:nvGrpSpPr>
+        <p:cNvPr id="1" name=""/>
+        <p:cNvGrpSpPr/>
+        <p:nvPr/>
+      </p:nvGrpSpPr>
+      <p:grpSpPr>
+        <a:xfrm>
+          <a:off x="0" y="0"/>
+          <a:ext cx="0" cy="0"/>
+          <a:chOff x="0" y="0"/>
+          <a:chExt cx="0" cy="0"/>
+        </a:xfrm>
+      </p:grpSpPr>
+      <p:sp>
+        <p:nvSpPr>
+          <p:cNvPr id="4" name="Прямоугольник 3"/>
+          <p:cNvSpPr/>
+          <p:nvPr/>
+        </p:nvSpPr>
+        <p:spPr>
+          <a:xfrm>
+            <a:off x="0" y="0"/>
+            <a:ext cx="11963400" cy="461665"/>
+          </a:xfrm>
+          <a:prstGeom prst="rect">
+            <a:avLst/>
+          </a:prstGeom>
+        </p:spPr>
+        <p:txBody>
+          <a:bodyPr wrap="square">
+            <a:spAutoFit/>
+          </a:bodyPr>
+          <a:lstStyle/>
+          <a:p>
+            <a:r>
+              <a:rPr lang="ru-RU" sz="2400" b="1" dirty="0">
+                <a:solidFill>
+                  <a:srgbClr val="000000"/>
+                </a:solidFill>
+                <a:latin typeface="Verdana" panose="020B0604030504040204" pitchFamily="34" charset="0"/>
+              </a:rPr>
+              <a:t>Диаграмма классов/компонентов уровня представления </a:t>
+            </a:r>
+          </a:p>
+        </p:txBody>
+      </p:sp>
+      <p:pic>
+        <p:nvPicPr>
+          <p:cNvPr id="5" name="Рисунок 4"/>
+          <p:cNvPicPr>
+            <a:picLocks noChangeAspect="1"/>
+          </p:cNvPicPr>
+          <p:nvPr/>
+        </p:nvPicPr>
+        <p:blipFill>
+          <a:blip r:embed="rId2"/>
+          <a:stretch>
+            <a:fillRect/>
+          </a:stretch>
+        </p:blipFill>
+        <p:spPr>
+          <a:xfrm>
+            <a:off x="2036091" y="656399"/>
+            <a:ext cx="6921643" cy="5969058"/>
+          </a:xfrm>
+          <a:prstGeom prst="rect">
+            <a:avLst/>
+          </a:prstGeom>
+        </p:spPr>
+      </p:pic>
+      <p:sp>
+        <p:nvSpPr>
+          <p:cNvPr id="6" name="Номер слайда 5"/>
+          <p:cNvSpPr>
+            <a:spLocks noGrp="1"/>
+          </p:cNvSpPr>
+          <p:nvPr>
+            <p:ph type="sldNum" sz="quarter" idx="12"/>
+          </p:nvPr>
+        </p:nvSpPr>
+        <p:spPr/>
+        <p:txBody>
+          <a:bodyPr/>
+          <a:lstStyle/>
+          <a:p>
+            <a:fld id="{1F0A73E7-D28D-4299-9BA6-FD72E53F57ED}" type="slidenum">
+              <a:rPr lang="ru-RU" smtClean="0"/>
+              <a:t>13</a:t>
+            </a:fld>
+            <a:endParaRPr lang="ru-RU"/>
+          </a:p>
+        </p:txBody>
+      </p:sp>
+    </p:spTree>
+    <p:extLst>
+      <p:ext uri="{BB962C8B-B14F-4D97-AF65-F5344CB8AC3E}">
+        <p14:creationId xmlns:p14="http://schemas.microsoft.com/office/powerpoint/2010/main" val="3294469497"/>
+      </p:ext>
+    </p:extLst>
+  </p:cSld>
+  <p:clrMapOvr>
+    <a:masterClrMapping/>
+  </p:clrMapOvr>
+  <p:timing>
+    <p:tnLst>
+      <p:par>
+        <p:cTn id="1" dur="indefinite" restart="never" nodeType="tmRoot"/>
+      </p:par>
+    </p:tnLst>
+  </p:timing>
+</p:sld>
+</file>
+
+<file path=ppt/slides/slide14.xml><?xml version="1.0" encoding="utf-8"?>
+<p:sld xmlns:a="http://schemas.openxmlformats.org/drawingml/2006/main" xmlns:r="http://schemas.openxmlformats.org/officeDocument/2006/relationships" xmlns:p="http://schemas.openxmlformats.org/presentationml/2006/main">
+  <p:cSld>
+    <p:spTree>
+      <p:nvGrpSpPr>
+        <p:cNvPr id="1" name=""/>
+        <p:cNvGrpSpPr/>
+        <p:nvPr/>
+      </p:nvGrpSpPr>
+      <p:grpSpPr>
+        <a:xfrm>
+          <a:off x="0" y="0"/>
+          <a:ext cx="0" cy="0"/>
+          <a:chOff x="0" y="0"/>
+          <a:chExt cx="0" cy="0"/>
+        </a:xfrm>
+      </p:grpSpPr>
+      <p:sp>
+        <p:nvSpPr>
+          <p:cNvPr id="5" name="Прямоугольник 4"/>
+          <p:cNvSpPr/>
+          <p:nvPr/>
+        </p:nvSpPr>
+        <p:spPr>
+          <a:xfrm>
+            <a:off x="101600" y="0"/>
+            <a:ext cx="12090400" cy="461665"/>
+          </a:xfrm>
+          <a:prstGeom prst="rect">
+            <a:avLst/>
+          </a:prstGeom>
+        </p:spPr>
+        <p:txBody>
+          <a:bodyPr wrap="square">
+            <a:spAutoFit/>
+          </a:bodyPr>
+          <a:lstStyle/>
+          <a:p>
+            <a:r>
+              <a:rPr lang="ru-RU" sz="2400" b="1" dirty="0">
+                <a:solidFill>
+                  <a:srgbClr val="000000"/>
+                </a:solidFill>
+                <a:latin typeface="Verdana" panose="020B0604030504040204" pitchFamily="34" charset="0"/>
+              </a:rPr>
+              <a:t>Диаграмма классов/компонентов уровня доступа к данным</a:t>
+            </a:r>
+          </a:p>
+        </p:txBody>
+      </p:sp>
+      <p:pic>
+        <p:nvPicPr>
+          <p:cNvPr id="9" name="Рисунок 8"/>
+          <p:cNvPicPr>
+            <a:picLocks noChangeAspect="1"/>
+          </p:cNvPicPr>
+          <p:nvPr/>
+        </p:nvPicPr>
+        <p:blipFill>
+          <a:blip r:embed="rId2"/>
+          <a:stretch>
+            <a:fillRect/>
+          </a:stretch>
+        </p:blipFill>
+        <p:spPr>
+          <a:xfrm>
+            <a:off x="169459" y="795868"/>
+            <a:ext cx="12022542" cy="5874366"/>
+          </a:xfrm>
+          <a:prstGeom prst="rect">
+            <a:avLst/>
+          </a:prstGeom>
+        </p:spPr>
+      </p:pic>
+      <p:sp>
+        <p:nvSpPr>
+          <p:cNvPr id="10" name="Номер слайда 9"/>
+          <p:cNvSpPr>
+            <a:spLocks noGrp="1"/>
+          </p:cNvSpPr>
+          <p:nvPr>
+            <p:ph type="sldNum" sz="quarter" idx="12"/>
+          </p:nvPr>
+        </p:nvSpPr>
+        <p:spPr/>
+        <p:txBody>
+          <a:bodyPr/>
+          <a:lstStyle/>
+          <a:p>
+            <a:fld id="{1F0A73E7-D28D-4299-9BA6-FD72E53F57ED}" type="slidenum">
+              <a:rPr lang="ru-RU" smtClean="0"/>
+              <a:t>14</a:t>
+            </a:fld>
+            <a:endParaRPr lang="ru-RU"/>
+          </a:p>
+        </p:txBody>
+      </p:sp>
+    </p:spTree>
+    <p:extLst>
+      <p:ext uri="{BB962C8B-B14F-4D97-AF65-F5344CB8AC3E}">
+        <p14:creationId xmlns:p14="http://schemas.microsoft.com/office/powerpoint/2010/main" val="2548867302"/>
+      </p:ext>
+    </p:extLst>
+  </p:cSld>
+  <p:clrMapOvr>
+    <a:masterClrMapping/>
+  </p:clrMapOvr>
+  <p:timing>
+    <p:tnLst>
+      <p:par>
+        <p:cTn id="1" dur="indefinite" restart="never" nodeType="tmRoot"/>
+      </p:par>
+    </p:tnLst>
+  </p:timing>
+</p:sld>
+</file>
+
+<file path=ppt/slides/slide15.xml><?xml version="1.0" encoding="utf-8"?>
+<p:sld xmlns:a="http://schemas.openxmlformats.org/drawingml/2006/main" xmlns:r="http://schemas.openxmlformats.org/officeDocument/2006/relationships" xmlns:p="http://schemas.openxmlformats.org/presentationml/2006/main">
+  <p:cSld>
+    <p:spTree>
+      <p:nvGrpSpPr>
+        <p:cNvPr id="1" name=""/>
+        <p:cNvGrpSpPr/>
+        <p:nvPr/>
+      </p:nvGrpSpPr>
+      <p:grpSpPr>
+        <a:xfrm>
+          <a:off x="0" y="0"/>
+          <a:ext cx="0" cy="0"/>
+          <a:chOff x="0" y="0"/>
+          <a:chExt cx="0" cy="0"/>
+        </a:xfrm>
+      </p:grpSpPr>
+      <p:sp>
+        <p:nvSpPr>
+          <p:cNvPr id="9" name="Прямоугольник 8"/>
+          <p:cNvSpPr/>
+          <p:nvPr/>
+        </p:nvSpPr>
+        <p:spPr>
+          <a:xfrm>
+            <a:off x="166083" y="137067"/>
+            <a:ext cx="7146508" cy="461665"/>
+          </a:xfrm>
+          <a:prstGeom prst="rect">
+            <a:avLst/>
+          </a:prstGeom>
+        </p:spPr>
+        <p:txBody>
+          <a:bodyPr wrap="none">
+            <a:spAutoFit/>
+          </a:bodyPr>
+          <a:lstStyle/>
+          <a:p>
+            <a:r>
+              <a:rPr lang="ru-RU" sz="2400" b="1" dirty="0">
+                <a:solidFill>
+                  <a:srgbClr val="000000"/>
+                </a:solidFill>
+                <a:latin typeface="Verdana" panose="020B0604030504040204" pitchFamily="34" charset="0"/>
+              </a:rPr>
+              <a:t>Схема алгоритмов основных операций</a:t>
+            </a:r>
+          </a:p>
+        </p:txBody>
+      </p:sp>
+      <p:pic>
+        <p:nvPicPr>
+          <p:cNvPr id="12" name="Рисунок 11"/>
+          <p:cNvPicPr>
+            <a:picLocks noChangeAspect="1"/>
+          </p:cNvPicPr>
+          <p:nvPr/>
+        </p:nvPicPr>
+        <p:blipFill>
+          <a:blip r:embed="rId2"/>
+          <a:stretch>
+            <a:fillRect/>
+          </a:stretch>
+        </p:blipFill>
+        <p:spPr>
+          <a:xfrm>
+            <a:off x="2099584" y="743110"/>
+            <a:ext cx="8728837" cy="5943402"/>
+          </a:xfrm>
+          <a:prstGeom prst="rect">
+            <a:avLst/>
+          </a:prstGeom>
+        </p:spPr>
+      </p:pic>
+      <p:sp>
+        <p:nvSpPr>
+          <p:cNvPr id="14" name="Номер слайда 13"/>
+          <p:cNvSpPr>
+            <a:spLocks noGrp="1"/>
+          </p:cNvSpPr>
+          <p:nvPr>
+            <p:ph type="sldNum" sz="quarter" idx="12"/>
+          </p:nvPr>
+        </p:nvSpPr>
+        <p:spPr/>
+        <p:txBody>
+          <a:bodyPr/>
+          <a:lstStyle/>
+          <a:p>
+            <a:fld id="{1F0A73E7-D28D-4299-9BA6-FD72E53F57ED}" type="slidenum">
+              <a:rPr lang="ru-RU" smtClean="0"/>
+              <a:t>15</a:t>
+            </a:fld>
+            <a:endParaRPr lang="ru-RU" dirty="0"/>
+          </a:p>
+        </p:txBody>
+      </p:sp>
+    </p:spTree>
+    <p:extLst>
+      <p:ext uri="{BB962C8B-B14F-4D97-AF65-F5344CB8AC3E}">
+        <p14:creationId xmlns:p14="http://schemas.microsoft.com/office/powerpoint/2010/main" val="2593280246"/>
+      </p:ext>
+    </p:extLst>
+  </p:cSld>
+  <p:clrMapOvr>
+    <a:masterClrMapping/>
+  </p:clrMapOvr>
+  <p:timing>
+    <p:tnLst>
+      <p:par>
+        <p:cTn id="1" dur="indefinite" restart="never" nodeType="tmRoot"/>
+      </p:par>
+    </p:tnLst>
+  </p:timing>
+</p:sld>
+</file>
+
+<file path=ppt/slides/slide16.xml><?xml version="1.0" encoding="utf-8"?>
+<p:sld xmlns:a="http://schemas.openxmlformats.org/drawingml/2006/main" xmlns:r="http://schemas.openxmlformats.org/officeDocument/2006/relationships" xmlns:p="http://schemas.openxmlformats.org/presentationml/2006/main">
+  <p:cSld>
+    <p:spTree>
+      <p:nvGrpSpPr>
+        <p:cNvPr id="1" name=""/>
+        <p:cNvGrpSpPr/>
+        <p:nvPr/>
+      </p:nvGrpSpPr>
+      <p:grpSpPr>
+        <a:xfrm>
+          <a:off x="0" y="0"/>
+          <a:ext cx="0" cy="0"/>
+          <a:chOff x="0" y="0"/>
+          <a:chExt cx="0" cy="0"/>
+        </a:xfrm>
+      </p:grpSpPr>
+      <p:pic>
+        <p:nvPicPr>
+          <p:cNvPr id="8" name="Рисунок 7"/>
+          <p:cNvPicPr>
+            <a:picLocks noChangeAspect="1"/>
+          </p:cNvPicPr>
+          <p:nvPr/>
+        </p:nvPicPr>
+        <p:blipFill>
+          <a:blip r:embed="rId2"/>
+          <a:stretch>
+            <a:fillRect/>
+          </a:stretch>
+        </p:blipFill>
+        <p:spPr>
+          <a:xfrm>
+            <a:off x="2216324" y="202683"/>
+            <a:ext cx="7759351" cy="6452634"/>
+          </a:xfrm>
+          <a:prstGeom prst="rect">
+            <a:avLst/>
+          </a:prstGeom>
+        </p:spPr>
+      </p:pic>
+      <p:sp>
+        <p:nvSpPr>
+          <p:cNvPr id="9" name="Номер слайда 8"/>
+          <p:cNvSpPr>
+            <a:spLocks noGrp="1"/>
+          </p:cNvSpPr>
+          <p:nvPr>
+            <p:ph type="sldNum" sz="quarter" idx="12"/>
+          </p:nvPr>
+        </p:nvSpPr>
+        <p:spPr/>
+        <p:txBody>
+          <a:bodyPr/>
+          <a:lstStyle/>
+          <a:p>
+            <a:fld id="{1F0A73E7-D28D-4299-9BA6-FD72E53F57ED}" type="slidenum">
+              <a:rPr lang="ru-RU" smtClean="0"/>
+              <a:t>16</a:t>
+            </a:fld>
+            <a:endParaRPr lang="ru-RU"/>
+          </a:p>
+        </p:txBody>
+      </p:sp>
+    </p:spTree>
+    <p:extLst>
+      <p:ext uri="{BB962C8B-B14F-4D97-AF65-F5344CB8AC3E}">
+        <p14:creationId xmlns:p14="http://schemas.microsoft.com/office/powerpoint/2010/main" val="441409278"/>
+      </p:ext>
+    </p:extLst>
+  </p:cSld>
+  <p:clrMapOvr>
+    <a:masterClrMapping/>
+  </p:clrMapOvr>
+  <p:timing>
+    <p:tnLst>
+      <p:par>
+        <p:cTn id="1" dur="indefinite" restart="never" nodeType="tmRoot"/>
+      </p:par>
+    </p:tnLst>
+  </p:timing>
+</p:sld>
+</file>
+
+<file path=ppt/slides/slide17.xml><?xml version="1.0" encoding="utf-8"?>
+<p:sld xmlns:a="http://schemas.openxmlformats.org/drawingml/2006/main" xmlns:r="http://schemas.openxmlformats.org/officeDocument/2006/relationships" xmlns:p="http://schemas.openxmlformats.org/presentationml/2006/main">
+  <p:cSld>
+    <p:spTree>
+      <p:nvGrpSpPr>
+        <p:cNvPr id="1" name=""/>
+        <p:cNvGrpSpPr/>
+        <p:nvPr/>
+      </p:nvGrpSpPr>
+      <p:grpSpPr>
+        <a:xfrm>
+          <a:off x="0" y="0"/>
+          <a:ext cx="0" cy="0"/>
+          <a:chOff x="0" y="0"/>
+          <a:chExt cx="0" cy="0"/>
+        </a:xfrm>
+      </p:grpSpPr>
+      <p:sp>
+        <p:nvSpPr>
+          <p:cNvPr id="5" name="Прямоугольник 4"/>
+          <p:cNvSpPr/>
+          <p:nvPr/>
+        </p:nvSpPr>
+        <p:spPr>
+          <a:xfrm>
+            <a:off x="338623" y="111668"/>
+            <a:ext cx="6151043" cy="461665"/>
+          </a:xfrm>
+          <a:prstGeom prst="rect">
+            <a:avLst/>
+          </a:prstGeom>
+        </p:spPr>
+        <p:txBody>
+          <a:bodyPr wrap="none">
+            <a:spAutoFit/>
+          </a:bodyPr>
+          <a:lstStyle/>
+          <a:p>
+            <a:r>
+              <a:rPr lang="ru-RU" sz="2400" b="1" dirty="0">
+                <a:solidFill>
+                  <a:srgbClr val="000000"/>
+                </a:solidFill>
+                <a:latin typeface="Verdana" panose="020B0604030504040204" pitchFamily="34" charset="0"/>
+              </a:rPr>
+              <a:t>Диаграмма последовательностей</a:t>
+            </a:r>
+          </a:p>
+        </p:txBody>
+      </p:sp>
+      <p:pic>
+        <p:nvPicPr>
+          <p:cNvPr id="7" name="Рисунок 6"/>
+          <p:cNvPicPr>
+            <a:picLocks noChangeAspect="1"/>
+          </p:cNvPicPr>
+          <p:nvPr/>
+        </p:nvPicPr>
+        <p:blipFill>
+          <a:blip r:embed="rId2"/>
+          <a:stretch>
+            <a:fillRect/>
+          </a:stretch>
+        </p:blipFill>
+        <p:spPr>
+          <a:xfrm>
+            <a:off x="338623" y="776016"/>
+            <a:ext cx="11678241" cy="5672909"/>
+          </a:xfrm>
+          <a:prstGeom prst="rect">
+            <a:avLst/>
+          </a:prstGeom>
+        </p:spPr>
+      </p:pic>
+      <p:sp>
+        <p:nvSpPr>
+          <p:cNvPr id="8" name="Номер слайда 7"/>
+          <p:cNvSpPr>
+            <a:spLocks noGrp="1"/>
+          </p:cNvSpPr>
+          <p:nvPr>
+            <p:ph type="sldNum" sz="quarter" idx="12"/>
+          </p:nvPr>
+        </p:nvSpPr>
+        <p:spPr/>
+        <p:txBody>
+          <a:bodyPr/>
+          <a:lstStyle/>
+          <a:p>
+            <a:fld id="{1F0A73E7-D28D-4299-9BA6-FD72E53F57ED}" type="slidenum">
+              <a:rPr lang="ru-RU" smtClean="0"/>
+              <a:t>17</a:t>
+            </a:fld>
+            <a:endParaRPr lang="ru-RU"/>
+          </a:p>
+        </p:txBody>
+      </p:sp>
+    </p:spTree>
+    <p:extLst>
+      <p:ext uri="{BB962C8B-B14F-4D97-AF65-F5344CB8AC3E}">
+        <p14:creationId xmlns:p14="http://schemas.microsoft.com/office/powerpoint/2010/main" val="3015968921"/>
+      </p:ext>
+    </p:extLst>
+  </p:cSld>
+  <p:clrMapOvr>
+    <a:masterClrMapping/>
+  </p:clrMapOvr>
+  <p:timing>
+    <p:tnLst>
+      <p:par>
+        <p:cTn id="1" dur="indefinite" restart="never" nodeType="tmRoot"/>
+      </p:par>
+    </p:tnLst>
+  </p:timing>
+</p:sld>
+</file>
+
+<file path=ppt/slides/slide18.xml><?xml version="1.0" encoding="utf-8"?>
+<p:sld xmlns:a="http://schemas.openxmlformats.org/drawingml/2006/main" xmlns:r="http://schemas.openxmlformats.org/officeDocument/2006/relationships" xmlns:p="http://schemas.openxmlformats.org/presentationml/2006/main">
+  <p:cSld>
+    <p:spTree>
+      <p:nvGrpSpPr>
+        <p:cNvPr id="1" name=""/>
+        <p:cNvGrpSpPr/>
+        <p:nvPr/>
+      </p:nvGrpSpPr>
+      <p:grpSpPr>
+        <a:xfrm>
+          <a:off x="0" y="0"/>
+          <a:ext cx="0" cy="0"/>
+          <a:chOff x="0" y="0"/>
+          <a:chExt cx="0" cy="0"/>
+        </a:xfrm>
+      </p:grpSpPr>
+      <p:sp>
+        <p:nvSpPr>
+          <p:cNvPr id="2" name="Заголовок 1"/>
+          <p:cNvSpPr>
+            <a:spLocks noGrp="1"/>
+          </p:cNvSpPr>
+          <p:nvPr>
+            <p:ph type="title"/>
+          </p:nvPr>
+        </p:nvSpPr>
+        <p:spPr>
+          <a:xfrm>
+            <a:off x="203200" y="0"/>
+            <a:ext cx="7069667" cy="591608"/>
+          </a:xfrm>
+        </p:spPr>
+        <p:txBody>
+          <a:bodyPr>
+            <a:normAutofit/>
+          </a:bodyPr>
+          <a:lstStyle/>
+          <a:p>
+            <a:r>
+              <a:rPr lang="ru-RU" sz="2400" b="1" dirty="0">
+                <a:solidFill>
+                  <a:srgbClr val="000000"/>
+                </a:solidFill>
+                <a:latin typeface="Verdana" panose="020B0604030504040204" pitchFamily="34" charset="0"/>
+                <a:ea typeface="+mn-ea"/>
+                <a:cs typeface="+mn-cs"/>
+              </a:rPr>
+              <a:t>Обзорная диаграмма взаимодействия</a:t>
+            </a:r>
+          </a:p>
+        </p:txBody>
+      </p:sp>
+      <p:sp>
+        <p:nvSpPr>
+          <p:cNvPr id="3" name="Номер слайда 2"/>
+          <p:cNvSpPr>
+            <a:spLocks noGrp="1"/>
+          </p:cNvSpPr>
+          <p:nvPr>
+            <p:ph type="sldNum" sz="quarter" idx="12"/>
+          </p:nvPr>
+        </p:nvSpPr>
+        <p:spPr/>
+        <p:txBody>
+          <a:bodyPr/>
+          <a:lstStyle/>
+          <a:p>
+            <a:fld id="{1F0A73E7-D28D-4299-9BA6-FD72E53F57ED}" type="slidenum">
+              <a:rPr lang="ru-RU" smtClean="0"/>
+              <a:t>18</a:t>
+            </a:fld>
+            <a:endParaRPr lang="ru-RU"/>
+          </a:p>
+        </p:txBody>
+      </p:sp>
+    </p:spTree>
+    <p:extLst>
+      <p:ext uri="{BB962C8B-B14F-4D97-AF65-F5344CB8AC3E}">
+        <p14:creationId xmlns:p14="http://schemas.microsoft.com/office/powerpoint/2010/main" val="455832565"/>
+      </p:ext>
+    </p:extLst>
+  </p:cSld>
+  <p:clrMapOvr>
+    <a:masterClrMapping/>
+  </p:clrMapOvr>
+  <p:timing>
+    <p:tnLst>
+      <p:par>
+        <p:cTn id="1" dur="indefinite" restart="never" nodeType="tmRoot"/>
+      </p:par>
+    </p:tnLst>
+  </p:timing>
+</p:sld>
+</file>
+
+<file path=ppt/slides/slide19.xml><?xml version="1.0" encoding="utf-8"?>
+<p:sld xmlns:a="http://schemas.openxmlformats.org/drawingml/2006/main" xmlns:r="http://schemas.openxmlformats.org/officeDocument/2006/relationships" xmlns:p="http://schemas.openxmlformats.org/presentationml/2006/main">
+  <p:cSld>
+    <p:spTree>
+      <p:nvGrpSpPr>
+        <p:cNvPr id="1" name=""/>
+        <p:cNvGrpSpPr/>
+        <p:nvPr/>
+      </p:nvGrpSpPr>
+      <p:grpSpPr>
+        <a:xfrm>
+          <a:off x="0" y="0"/>
+          <a:ext cx="0" cy="0"/>
+          <a:chOff x="0" y="0"/>
+          <a:chExt cx="0" cy="0"/>
+        </a:xfrm>
+      </p:grpSpPr>
+      <p:sp>
+        <p:nvSpPr>
+          <p:cNvPr id="2" name="Заголовок 1"/>
+          <p:cNvSpPr>
+            <a:spLocks noGrp="1"/>
+          </p:cNvSpPr>
+          <p:nvPr>
+            <p:ph type="title"/>
+          </p:nvPr>
+        </p:nvSpPr>
+        <p:spPr/>
+        <p:txBody>
+          <a:bodyPr/>
+          <a:lstStyle/>
+          <a:p>
+            <a:pPr algn="ctr"/>
+            <a:r>
+              <a:rPr lang="ru-RU" dirty="0" smtClean="0"/>
+              <a:t>Ссылка на </a:t>
+            </a:r>
+            <a:r>
+              <a:rPr lang="ru-RU" dirty="0" err="1" smtClean="0"/>
+              <a:t>репозиторий</a:t>
+            </a:r>
+            <a:endParaRPr lang="ru-RU" dirty="0"/>
+          </a:p>
+        </p:txBody>
+      </p:sp>
+      <p:sp>
+        <p:nvSpPr>
+          <p:cNvPr id="3" name="Прямоугольник 2"/>
+          <p:cNvSpPr/>
+          <p:nvPr/>
+        </p:nvSpPr>
+        <p:spPr>
+          <a:xfrm>
+            <a:off x="1565465" y="2066148"/>
+            <a:ext cx="9061070" cy="830997"/>
+          </a:xfrm>
+          <a:prstGeom prst="rect">
+            <a:avLst/>
+          </a:prstGeom>
+        </p:spPr>
+        <p:txBody>
+          <a:bodyPr wrap="none">
+            <a:spAutoFit/>
+          </a:bodyPr>
+          <a:lstStyle/>
+          <a:p>
+            <a:r>
+              <a:rPr lang="ru-RU" sz="4800" dirty="0">
+                <a:hlinkClick r:id="rId2"/>
+              </a:rPr>
+              <a:t>https://</a:t>
+            </a:r>
+            <a:r>
+              <a:rPr lang="ru-RU" sz="4800" dirty="0" smtClean="0">
+                <a:hlinkClick r:id="rId2"/>
+              </a:rPr>
+              <a:t>github.com/nans1996/GAR</a:t>
+            </a:r>
+            <a:r>
+              <a:rPr lang="ru-RU" sz="4800" dirty="0" smtClean="0"/>
+              <a:t> </a:t>
+            </a:r>
+            <a:endParaRPr lang="ru-RU" sz="4800" dirty="0"/>
+          </a:p>
+        </p:txBody>
+      </p:sp>
+      <p:sp>
+        <p:nvSpPr>
+          <p:cNvPr id="4" name="Номер слайда 3"/>
+          <p:cNvSpPr>
+            <a:spLocks noGrp="1"/>
+          </p:cNvSpPr>
+          <p:nvPr>
+            <p:ph type="sldNum" sz="quarter" idx="12"/>
+          </p:nvPr>
+        </p:nvSpPr>
+        <p:spPr/>
+        <p:txBody>
+          <a:bodyPr/>
+          <a:lstStyle/>
+          <a:p>
+            <a:fld id="{1F0A73E7-D28D-4299-9BA6-FD72E53F57ED}" type="slidenum">
+              <a:rPr lang="ru-RU" smtClean="0"/>
+              <a:t>19</a:t>
+            </a:fld>
+            <a:endParaRPr lang="ru-RU"/>
+          </a:p>
+        </p:txBody>
+      </p:sp>
+    </p:spTree>
+    <p:extLst>
+      <p:ext uri="{BB962C8B-B14F-4D97-AF65-F5344CB8AC3E}">
+        <p14:creationId xmlns:p14="http://schemas.microsoft.com/office/powerpoint/2010/main" val="3679326354"/>
+      </p:ext>
+    </p:extLst>
+  </p:cSld>
+  <p:clrMapOvr>
+    <a:masterClrMapping/>
+  </p:clrMapOvr>
+  <p:timing>
+    <p:tnLst>
+      <p:par>
+        <p:cTn id="1" dur="indefinite" restart="never" nodeType="tmRoot"/>
+      </p:par>
+    </p:tnLst>
+  </p:timing>
+</p:sld>
+</file>
+
+<file path=ppt/slides/slide2.xml><?xml version="1.0" encoding="utf-8"?>
+<p:sld xmlns:a="http://schemas.openxmlformats.org/drawingml/2006/main" xmlns:r="http://schemas.openxmlformats.org/officeDocument/2006/relationships" xmlns:p="http://schemas.openxmlformats.org/presentationml/2006/main">
+  <p:cSld>
+    <p:spTree>
+      <p:nvGrpSpPr>
+        <p:cNvPr id="1" name=""/>
+        <p:cNvGrpSpPr/>
+        <p:nvPr/>
+      </p:nvGrpSpPr>
+      <p:grpSpPr>
+        <a:xfrm>
+          <a:off x="0" y="0"/>
+          <a:ext cx="0" cy="0"/>
+          <a:chOff x="0" y="0"/>
+          <a:chExt cx="0" cy="0"/>
+        </a:xfrm>
+      </p:grpSpPr>
+      <p:sp>
+        <p:nvSpPr>
+          <p:cNvPr id="2" name="Заголовок 1"/>
+          <p:cNvSpPr>
+            <a:spLocks noGrp="1"/>
+          </p:cNvSpPr>
+          <p:nvPr>
+            <p:ph type="title"/>
+          </p:nvPr>
+        </p:nvSpPr>
+        <p:spPr/>
+        <p:txBody>
+          <a:bodyPr/>
+          <a:lstStyle/>
+          <a:p>
+            <a:pPr algn="ctr"/>
+            <a:r>
+              <a:rPr lang="ru-RU" dirty="0" smtClean="0"/>
+              <a:t>Описание предметной области</a:t>
+            </a:r>
+            <a:endParaRPr lang="ru-RU" dirty="0"/>
+          </a:p>
+        </p:txBody>
+      </p:sp>
+      <p:sp>
+        <p:nvSpPr>
+          <p:cNvPr id="3" name="TextBox 2"/>
+          <p:cNvSpPr txBox="1"/>
+          <p:nvPr/>
+        </p:nvSpPr>
+        <p:spPr>
+          <a:xfrm>
+            <a:off x="838200" y="1604513"/>
+            <a:ext cx="10515600" cy="3785652"/>
+          </a:xfrm>
+          <a:prstGeom prst="rect">
+            <a:avLst/>
+          </a:prstGeom>
+          <a:noFill/>
+        </p:spPr>
+        <p:txBody>
+          <a:bodyPr wrap="square" rtlCol="0">
+            <a:spAutoFit/>
+          </a:bodyPr>
+          <a:lstStyle/>
+          <a:p>
+            <a:pPr algn="just"/>
+            <a:r>
+              <a:rPr lang="ru-RU" sz="2400" dirty="0" smtClean="0">
+                <a:latin typeface="Times New Roman" panose="02020603050405020304" pitchFamily="18" charset="0"/>
+                <a:cs typeface="Times New Roman" panose="02020603050405020304" pitchFamily="18" charset="0"/>
+              </a:rPr>
+              <a:t>В теории добиться успеха просто, нужно лишь отказаться от того, что мешает начать работать над собой.</a:t>
+            </a:r>
+          </a:p>
+          <a:p>
+            <a:pPr algn="just"/>
+            <a:r>
+              <a:rPr lang="ru-RU" sz="2400" dirty="0" smtClean="0">
+                <a:latin typeface="Times New Roman" panose="02020603050405020304" pitchFamily="18" charset="0"/>
+                <a:cs typeface="Times New Roman" panose="02020603050405020304" pitchFamily="18" charset="0"/>
+              </a:rPr>
+              <a:t>На практике же мотивировать себя на достижение целей крайне сложно. Помочь справится с этой задачей призвано приложение </a:t>
+            </a:r>
+            <a:r>
+              <a:rPr lang="en-US" sz="2400" dirty="0" smtClean="0">
+                <a:latin typeface="Times New Roman" panose="02020603050405020304" pitchFamily="18" charset="0"/>
+                <a:cs typeface="Times New Roman" panose="02020603050405020304" pitchFamily="18" charset="0"/>
+              </a:rPr>
+              <a:t>GAR.</a:t>
+            </a:r>
+          </a:p>
+          <a:p>
+            <a:pPr algn="just"/>
+            <a:endParaRPr lang="en-US" sz="2400" dirty="0">
+              <a:latin typeface="Times New Roman" panose="02020603050405020304" pitchFamily="18" charset="0"/>
+              <a:cs typeface="Times New Roman" panose="02020603050405020304" pitchFamily="18" charset="0"/>
+            </a:endParaRPr>
+          </a:p>
+          <a:p>
+            <a:pPr marL="342900" indent="-342900" algn="just">
+              <a:buFont typeface="+mj-lt"/>
+              <a:buAutoNum type="arabicPeriod"/>
+            </a:pPr>
+            <a:r>
+              <a:rPr lang="ru-RU" sz="2400" dirty="0" smtClean="0">
+                <a:latin typeface="Times New Roman" panose="02020603050405020304" pitchFamily="18" charset="0"/>
+                <a:cs typeface="Times New Roman" panose="02020603050405020304" pitchFamily="18" charset="0"/>
+              </a:rPr>
+              <a:t>Достижение цели с помощью игры</a:t>
+            </a:r>
+          </a:p>
+          <a:p>
+            <a:pPr marL="342900" indent="-342900" algn="just">
+              <a:buFont typeface="+mj-lt"/>
+              <a:buAutoNum type="arabicPeriod"/>
+            </a:pPr>
+            <a:r>
+              <a:rPr lang="ru-RU" sz="2400" dirty="0" smtClean="0">
+                <a:latin typeface="Times New Roman" panose="02020603050405020304" pitchFamily="18" charset="0"/>
+                <a:cs typeface="Times New Roman" panose="02020603050405020304" pitchFamily="18" charset="0"/>
+              </a:rPr>
+              <a:t>Соревновательный характер</a:t>
+            </a:r>
+          </a:p>
+          <a:p>
+            <a:pPr marL="342900" indent="-342900" algn="just">
+              <a:buFont typeface="+mj-lt"/>
+              <a:buAutoNum type="arabicPeriod"/>
+            </a:pPr>
+            <a:r>
+              <a:rPr lang="ru-RU" sz="2400" dirty="0" smtClean="0">
+                <a:latin typeface="Times New Roman" panose="02020603050405020304" pitchFamily="18" charset="0"/>
+                <a:cs typeface="Times New Roman" panose="02020603050405020304" pitchFamily="18" charset="0"/>
+              </a:rPr>
+              <a:t>Система поощрения</a:t>
+            </a:r>
+          </a:p>
+          <a:p>
+            <a:pPr marL="342900" indent="-342900" algn="just">
+              <a:buFont typeface="+mj-lt"/>
+              <a:buAutoNum type="arabicPeriod"/>
+            </a:pPr>
+            <a:r>
+              <a:rPr lang="ru-RU" sz="2400" dirty="0" smtClean="0">
+                <a:latin typeface="Times New Roman" panose="02020603050405020304" pitchFamily="18" charset="0"/>
+                <a:cs typeface="Times New Roman" panose="02020603050405020304" pitchFamily="18" charset="0"/>
+              </a:rPr>
+              <a:t>Возможность добавления одной или нескольких целей</a:t>
+            </a:r>
+          </a:p>
+          <a:p>
+            <a:pPr marL="342900" indent="-342900" algn="just">
+              <a:buFont typeface="+mj-lt"/>
+              <a:buAutoNum type="arabicPeriod"/>
+            </a:pPr>
+            <a:r>
+              <a:rPr lang="ru-RU" sz="2400" dirty="0" smtClean="0">
+                <a:latin typeface="Times New Roman" panose="02020603050405020304" pitchFamily="18" charset="0"/>
+                <a:cs typeface="Times New Roman" panose="02020603050405020304" pitchFamily="18" charset="0"/>
+              </a:rPr>
+              <a:t>Анализ результатов</a:t>
+            </a:r>
+            <a:endParaRPr lang="ru-RU" sz="2400" dirty="0">
+              <a:latin typeface="Times New Roman" panose="02020603050405020304" pitchFamily="18" charset="0"/>
+              <a:cs typeface="Times New Roman" panose="02020603050405020304" pitchFamily="18" charset="0"/>
+            </a:endParaRPr>
+          </a:p>
+        </p:txBody>
+      </p:sp>
+      <p:sp>
+        <p:nvSpPr>
+          <p:cNvPr id="4" name="Номер слайда 3"/>
+          <p:cNvSpPr>
+            <a:spLocks noGrp="1"/>
+          </p:cNvSpPr>
+          <p:nvPr>
+            <p:ph type="sldNum" sz="quarter" idx="12"/>
+          </p:nvPr>
+        </p:nvSpPr>
+        <p:spPr/>
+        <p:txBody>
+          <a:bodyPr/>
+          <a:lstStyle/>
+          <a:p>
+            <a:fld id="{1F0A73E7-D28D-4299-9BA6-FD72E53F57ED}" type="slidenum">
+              <a:rPr lang="ru-RU" smtClean="0"/>
+              <a:t>2</a:t>
+            </a:fld>
+            <a:endParaRPr lang="ru-RU"/>
+          </a:p>
+        </p:txBody>
+      </p:sp>
+    </p:spTree>
+    <p:extLst>
+      <p:ext uri="{BB962C8B-B14F-4D97-AF65-F5344CB8AC3E}">
+        <p14:creationId xmlns:p14="http://schemas.microsoft.com/office/powerpoint/2010/main" val="774529018"/>
+      </p:ext>
+    </p:extLst>
+  </p:cSld>
+  <p:clrMapOvr>
+    <a:masterClrMapping/>
+  </p:clrMapOvr>
+  <p:timing>
+    <p:tnLst>
+      <p:par>
+        <p:cTn id="1" dur="indefinite" restart="never" nodeType="tmRoot"/>
+      </p:par>
+    </p:tnLst>
+  </p:timing>
+</p:sld>
+</file>
+
+<file path=ppt/slides/slide3.xml><?xml version="1.0" encoding="utf-8"?>
+<p:sld xmlns:a="http://schemas.openxmlformats.org/drawingml/2006/main" xmlns:r="http://schemas.openxmlformats.org/officeDocument/2006/relationships" xmlns:p="http://schemas.openxmlformats.org/presentationml/2006/main">
+  <p:cSld>
+    <p:spTree>
+      <p:nvGrpSpPr>
+        <p:cNvPr id="1" name=""/>
+        <p:cNvGrpSpPr/>
+        <p:nvPr/>
+      </p:nvGrpSpPr>
+      <p:grpSpPr>
+        <a:xfrm>
+          <a:off x="0" y="0"/>
+          <a:ext cx="0" cy="0"/>
+          <a:chOff x="0" y="0"/>
+          <a:chExt cx="0" cy="0"/>
+        </a:xfrm>
+      </p:grpSpPr>
+      <p:sp>
+        <p:nvSpPr>
+          <p:cNvPr id="11" name="Номер слайда 10"/>
+          <p:cNvSpPr>
+            <a:spLocks noGrp="1"/>
+          </p:cNvSpPr>
+          <p:nvPr>
+            <p:ph type="sldNum" sz="quarter" idx="12"/>
+          </p:nvPr>
+        </p:nvSpPr>
+        <p:spPr/>
+        <p:txBody>
+          <a:bodyPr/>
+          <a:lstStyle/>
+          <a:p>
+            <a:fld id="{1F0A73E7-D28D-4299-9BA6-FD72E53F57ED}" type="slidenum">
+              <a:rPr lang="ru-RU" smtClean="0"/>
+              <a:t>3</a:t>
+            </a:fld>
+            <a:endParaRPr lang="ru-RU"/>
+          </a:p>
+        </p:txBody>
+      </p:sp>
+      <p:pic>
+        <p:nvPicPr>
+          <p:cNvPr id="2" name="Рисунок 1"/>
+          <p:cNvPicPr>
+            <a:picLocks noChangeAspect="1"/>
+          </p:cNvPicPr>
+          <p:nvPr/>
+        </p:nvPicPr>
+        <p:blipFill>
+          <a:blip r:embed="rId2"/>
+          <a:stretch>
+            <a:fillRect/>
+          </a:stretch>
+        </p:blipFill>
+        <p:spPr>
+          <a:xfrm>
+            <a:off x="685800" y="127528"/>
+            <a:ext cx="10893458" cy="6730472"/>
+          </a:xfrm>
+          <a:prstGeom prst="rect">
+            <a:avLst/>
+          </a:prstGeom>
+        </p:spPr>
+      </p:pic>
+    </p:spTree>
+    <p:extLst>
+      <p:ext uri="{BB962C8B-B14F-4D97-AF65-F5344CB8AC3E}">
+        <p14:creationId xmlns:p14="http://schemas.microsoft.com/office/powerpoint/2010/main" val="320412425"/>
+      </p:ext>
+    </p:extLst>
+  </p:cSld>
+  <p:clrMapOvr>
+    <a:masterClrMapping/>
+  </p:clrMapOvr>
+  <p:timing>
+    <p:tnLst>
+      <p:par>
+        <p:cTn id="1" dur="indefinite" restart="never" nodeType="tmRoot"/>
+      </p:par>
+    </p:tnLst>
+  </p:timing>
+</p:sld>
+</file>
+
+<file path=ppt/slides/slide4.xml><?xml version="1.0" encoding="utf-8"?>
+<p:sld xmlns:a="http://schemas.openxmlformats.org/drawingml/2006/main" xmlns:r="http://schemas.openxmlformats.org/officeDocument/2006/relationships" xmlns:p="http://schemas.openxmlformats.org/presentationml/2006/main">
+  <p:cSld>
+    <p:spTree>
+      <p:nvGrpSpPr>
+        <p:cNvPr id="1" name=""/>
+        <p:cNvGrpSpPr/>
+        <p:nvPr/>
+      </p:nvGrpSpPr>
+      <p:grpSpPr>
+        <a:xfrm>
+          <a:off x="0" y="0"/>
+          <a:ext cx="0" cy="0"/>
+          <a:chOff x="0" y="0"/>
+          <a:chExt cx="0" cy="0"/>
+        </a:xfrm>
+      </p:grpSpPr>
+      <p:sp>
+        <p:nvSpPr>
+          <p:cNvPr id="2" name="Номер слайда 1"/>
+          <p:cNvSpPr>
+            <a:spLocks noGrp="1"/>
+          </p:cNvSpPr>
+          <p:nvPr>
+            <p:ph type="sldNum" sz="quarter" idx="12"/>
+          </p:nvPr>
+        </p:nvSpPr>
+        <p:spPr/>
+        <p:txBody>
+          <a:bodyPr/>
+          <a:lstStyle/>
+          <a:p>
+            <a:fld id="{1F0A73E7-D28D-4299-9BA6-FD72E53F57ED}" type="slidenum">
+              <a:rPr lang="ru-RU" smtClean="0"/>
+              <a:t>4</a:t>
+            </a:fld>
+            <a:endParaRPr lang="ru-RU"/>
+          </a:p>
+        </p:txBody>
+      </p:sp>
+      <p:pic>
+        <p:nvPicPr>
+          <p:cNvPr id="3" name="Рисунок 2"/>
+          <p:cNvPicPr>
+            <a:picLocks noChangeAspect="1"/>
+          </p:cNvPicPr>
+          <p:nvPr/>
+        </p:nvPicPr>
+        <p:blipFill>
+          <a:blip r:embed="rId2"/>
+          <a:stretch>
+            <a:fillRect/>
+          </a:stretch>
+        </p:blipFill>
+        <p:spPr>
+          <a:xfrm>
+            <a:off x="417588" y="981075"/>
+            <a:ext cx="11279788" cy="4398342"/>
+          </a:xfrm>
+          <a:prstGeom prst="rect">
+            <a:avLst/>
+          </a:prstGeom>
+        </p:spPr>
+      </p:pic>
+    </p:spTree>
+    <p:extLst>
+      <p:ext uri="{BB962C8B-B14F-4D97-AF65-F5344CB8AC3E}">
+        <p14:creationId xmlns:p14="http://schemas.microsoft.com/office/powerpoint/2010/main" val="1401701254"/>
+      </p:ext>
+    </p:extLst>
+  </p:cSld>
+  <p:clrMapOvr>
+    <a:masterClrMapping/>
+  </p:clrMapOvr>
+</p:sld>
+</file>
+
+<file path=ppt/slides/slide5.xml><?xml version="1.0" encoding="utf-8"?>
+<p:sld xmlns:a="http://schemas.openxmlformats.org/drawingml/2006/main" xmlns:r="http://schemas.openxmlformats.org/officeDocument/2006/relationships" xmlns:p="http://schemas.openxmlformats.org/presentationml/2006/main">
+  <p:cSld>
+    <p:spTree>
+      <p:nvGrpSpPr>
+        <p:cNvPr id="1" name=""/>
+        <p:cNvGrpSpPr/>
+        <p:nvPr/>
+      </p:nvGrpSpPr>
+      <p:grpSpPr>
+        <a:xfrm>
+          <a:off x="0" y="0"/>
+          <a:ext cx="0" cy="0"/>
+          <a:chOff x="0" y="0"/>
+          <a:chExt cx="0" cy="0"/>
+        </a:xfrm>
+      </p:grpSpPr>
+      <p:sp>
+        <p:nvSpPr>
+          <p:cNvPr id="2" name="Номер слайда 1"/>
+          <p:cNvSpPr>
+            <a:spLocks noGrp="1"/>
+          </p:cNvSpPr>
+          <p:nvPr>
+            <p:ph type="sldNum" sz="quarter" idx="12"/>
+          </p:nvPr>
+        </p:nvSpPr>
+        <p:spPr/>
+        <p:txBody>
+          <a:bodyPr/>
+          <a:lstStyle/>
+          <a:p>
+            <a:fld id="{1F0A73E7-D28D-4299-9BA6-FD72E53F57ED}" type="slidenum">
+              <a:rPr lang="ru-RU" smtClean="0"/>
+              <a:t>5</a:t>
+            </a:fld>
+            <a:endParaRPr lang="ru-RU"/>
+          </a:p>
+        </p:txBody>
+      </p:sp>
+      <p:pic>
+        <p:nvPicPr>
+          <p:cNvPr id="3" name="Рисунок 2"/>
+          <p:cNvPicPr>
+            <a:picLocks noChangeAspect="1"/>
+          </p:cNvPicPr>
+          <p:nvPr/>
+        </p:nvPicPr>
+        <p:blipFill>
+          <a:blip r:embed="rId2"/>
+          <a:stretch>
+            <a:fillRect/>
+          </a:stretch>
+        </p:blipFill>
+        <p:spPr>
+          <a:xfrm>
+            <a:off x="2057401" y="236904"/>
+            <a:ext cx="8615772" cy="6484571"/>
+          </a:xfrm>
+          <a:prstGeom prst="rect">
+            <a:avLst/>
+          </a:prstGeom>
+        </p:spPr>
+      </p:pic>
+    </p:spTree>
+    <p:extLst>
+      <p:ext uri="{BB962C8B-B14F-4D97-AF65-F5344CB8AC3E}">
+        <p14:creationId xmlns:p14="http://schemas.microsoft.com/office/powerpoint/2010/main" val="1763389041"/>
+      </p:ext>
+    </p:extLst>
+  </p:cSld>
+  <p:clrMapOvr>
+    <a:masterClrMapping/>
+  </p:clrMapOvr>
+</p:sld>
+</file>
+
+<file path=ppt/slides/slide6.xml><?xml version="1.0" encoding="utf-8"?>
+<p:sld xmlns:a="http://schemas.openxmlformats.org/drawingml/2006/main" xmlns:r="http://schemas.openxmlformats.org/officeDocument/2006/relationships" xmlns:p="http://schemas.openxmlformats.org/presentationml/2006/main">
+  <p:cSld>
+    <p:spTree>
+      <p:nvGrpSpPr>
+        <p:cNvPr id="1" name=""/>
+        <p:cNvGrpSpPr/>
+        <p:nvPr/>
+      </p:nvGrpSpPr>
+      <p:grpSpPr>
+        <a:xfrm>
+          <a:off x="0" y="0"/>
+          <a:ext cx="0" cy="0"/>
+          <a:chOff x="0" y="0"/>
+          <a:chExt cx="0" cy="0"/>
+        </a:xfrm>
+      </p:grpSpPr>
+      <p:sp>
+        <p:nvSpPr>
+          <p:cNvPr id="2" name="Номер слайда 1"/>
+          <p:cNvSpPr>
+            <a:spLocks noGrp="1"/>
+          </p:cNvSpPr>
+          <p:nvPr>
+            <p:ph type="sldNum" sz="quarter" idx="12"/>
+          </p:nvPr>
+        </p:nvSpPr>
+        <p:spPr/>
+        <p:txBody>
+          <a:bodyPr/>
+          <a:lstStyle/>
+          <a:p>
+            <a:fld id="{1F0A73E7-D28D-4299-9BA6-FD72E53F57ED}" type="slidenum">
+              <a:rPr lang="ru-RU" smtClean="0"/>
+              <a:t>6</a:t>
+            </a:fld>
+            <a:endParaRPr lang="ru-RU"/>
+          </a:p>
+        </p:txBody>
+      </p:sp>
+      <p:pic>
+        <p:nvPicPr>
+          <p:cNvPr id="3" name="Рисунок 2"/>
+          <p:cNvPicPr>
+            <a:picLocks noChangeAspect="1"/>
+          </p:cNvPicPr>
+          <p:nvPr/>
+        </p:nvPicPr>
+        <p:blipFill>
+          <a:blip r:embed="rId2"/>
+          <a:stretch>
+            <a:fillRect/>
+          </a:stretch>
+        </p:blipFill>
+        <p:spPr>
+          <a:xfrm>
+            <a:off x="803853" y="1104901"/>
+            <a:ext cx="10366947" cy="4662950"/>
+          </a:xfrm>
+          <a:prstGeom prst="rect">
+            <a:avLst/>
+          </a:prstGeom>
+        </p:spPr>
+      </p:pic>
+    </p:spTree>
+    <p:extLst>
+      <p:ext uri="{BB962C8B-B14F-4D97-AF65-F5344CB8AC3E}">
+        <p14:creationId xmlns:p14="http://schemas.microsoft.com/office/powerpoint/2010/main" val="2046286747"/>
+      </p:ext>
+    </p:extLst>
+  </p:cSld>
+  <p:clrMapOvr>
+    <a:masterClrMapping/>
+  </p:clrMapOvr>
+</p:sld>
+</file>
+
+<file path=ppt/slides/slide7.xml><?xml version="1.0" encoding="utf-8"?>
+<p:sld xmlns:a="http://schemas.openxmlformats.org/drawingml/2006/main" xmlns:r="http://schemas.openxmlformats.org/officeDocument/2006/relationships" xmlns:p="http://schemas.openxmlformats.org/presentationml/2006/main">
+  <p:cSld>
+    <p:spTree>
+      <p:nvGrpSpPr>
+        <p:cNvPr id="1" name=""/>
+        <p:cNvGrpSpPr/>
+        <p:nvPr/>
+      </p:nvGrpSpPr>
+      <p:grpSpPr>
+        <a:xfrm>
+          <a:off x="0" y="0"/>
+          <a:ext cx="0" cy="0"/>
+          <a:chOff x="0" y="0"/>
+          <a:chExt cx="0" cy="0"/>
+        </a:xfrm>
+      </p:grpSpPr>
+      <p:pic>
+        <p:nvPicPr>
+          <p:cNvPr id="6" name="Рисунок 5"/>
+          <p:cNvPicPr>
+            <a:picLocks noChangeAspect="1"/>
+          </p:cNvPicPr>
+          <p:nvPr/>
+        </p:nvPicPr>
+        <p:blipFill>
+          <a:blip r:embed="rId2">
+            <a:extLst>
+              <a:ext uri="{28A0092B-C50C-407E-A947-70E740481C1C}">
+                <a14:useLocalDpi xmlns:a14="http://schemas.microsoft.com/office/drawing/2010/main" val="0"/>
+              </a:ext>
+            </a:extLst>
+          </a:blip>
+          <a:stretch>
+            <a:fillRect/>
+          </a:stretch>
+        </p:blipFill>
+        <p:spPr>
+          <a:xfrm>
+            <a:off x="0" y="1065844"/>
+            <a:ext cx="12192000" cy="4726311"/>
+          </a:xfrm>
+          <a:prstGeom prst="rect">
+            <a:avLst/>
+          </a:prstGeom>
+        </p:spPr>
+      </p:pic>
+      <p:sp>
+        <p:nvSpPr>
+          <p:cNvPr id="7" name="Номер слайда 6"/>
+          <p:cNvSpPr>
+            <a:spLocks noGrp="1"/>
+          </p:cNvSpPr>
+          <p:nvPr>
+            <p:ph type="sldNum" sz="quarter" idx="12"/>
+          </p:nvPr>
+        </p:nvSpPr>
+        <p:spPr/>
+        <p:txBody>
+          <a:bodyPr/>
+          <a:lstStyle/>
+          <a:p>
+            <a:fld id="{1F0A73E7-D28D-4299-9BA6-FD72E53F57ED}" type="slidenum">
+              <a:rPr lang="ru-RU" smtClean="0"/>
+              <a:t>7</a:t>
+            </a:fld>
+            <a:endParaRPr lang="ru-RU"/>
+          </a:p>
+        </p:txBody>
+      </p:sp>
+    </p:spTree>
+    <p:extLst>
+      <p:ext uri="{BB962C8B-B14F-4D97-AF65-F5344CB8AC3E}">
+        <p14:creationId xmlns:p14="http://schemas.microsoft.com/office/powerpoint/2010/main" val="1460493786"/>
+      </p:ext>
+    </p:extLst>
+  </p:cSld>
+  <p:clrMapOvr>
+    <a:masterClrMapping/>
+  </p:clrMapOvr>
+  <p:timing>
+    <p:tnLst>
+      <p:par>
+        <p:cTn id="1" dur="indefinite" restart="never" nodeType="tmRoot"/>
+      </p:par>
+    </p:tnLst>
+  </p:timing>
+</p:sld>
+</file>
+
+<file path=ppt/slides/slide8.xml><?xml version="1.0" encoding="utf-8"?>
+<p:sld xmlns:a="http://schemas.openxmlformats.org/drawingml/2006/main" xmlns:r="http://schemas.openxmlformats.org/officeDocument/2006/relationships" xmlns:p="http://schemas.openxmlformats.org/presentationml/2006/main">
+  <p:cSld>
+    <p:spTree>
+      <p:nvGrpSpPr>
+        <p:cNvPr id="1" name=""/>
+        <p:cNvGrpSpPr/>
+        <p:nvPr/>
+      </p:nvGrpSpPr>
+      <p:grpSpPr>
+        <a:xfrm>
+          <a:off x="0" y="0"/>
+          <a:ext cx="0" cy="0"/>
+          <a:chOff x="0" y="0"/>
+          <a:chExt cx="0" cy="0"/>
+        </a:xfrm>
+      </p:grpSpPr>
+      <p:sp>
+        <p:nvSpPr>
+          <p:cNvPr id="2" name="Заголовок 1"/>
+          <p:cNvSpPr>
+            <a:spLocks noGrp="1"/>
+          </p:cNvSpPr>
+          <p:nvPr>
+            <p:ph type="title"/>
+          </p:nvPr>
+        </p:nvSpPr>
+        <p:spPr>
+          <a:xfrm>
+            <a:off x="200025" y="0"/>
+            <a:ext cx="10477500" cy="1325563"/>
+          </a:xfrm>
+        </p:spPr>
+        <p:txBody>
+          <a:bodyPr>
+            <a:normAutofit/>
+          </a:bodyPr>
+          <a:lstStyle/>
+          <a:p>
+            <a:r>
+              <a:rPr lang="ru-RU" sz="2400" b="1" dirty="0" smtClean="0">
+                <a:solidFill>
+                  <a:srgbClr val="000000"/>
+                </a:solidFill>
+                <a:latin typeface="Verdana" panose="020B0604030504040204" pitchFamily="34" charset="0"/>
+              </a:rPr>
+              <a:t>Диаграмма бизнес процесса</a:t>
+            </a:r>
+            <a:endParaRPr lang="ru-RU" sz="2400" dirty="0"/>
+          </a:p>
+        </p:txBody>
+      </p:sp>
+      <p:pic>
+        <p:nvPicPr>
+          <p:cNvPr id="3" name="Рисунок 2"/>
+          <p:cNvPicPr>
+            <a:picLocks noChangeAspect="1"/>
+          </p:cNvPicPr>
+          <p:nvPr/>
+        </p:nvPicPr>
+        <p:blipFill>
+          <a:blip r:embed="rId2"/>
+          <a:stretch>
+            <a:fillRect/>
+          </a:stretch>
+        </p:blipFill>
+        <p:spPr>
+          <a:xfrm>
+            <a:off x="6024267" y="252363"/>
+            <a:ext cx="5583675" cy="6469112"/>
+          </a:xfrm>
+          <a:prstGeom prst="rect">
+            <a:avLst/>
+          </a:prstGeom>
+        </p:spPr>
+      </p:pic>
+      <p:sp>
+        <p:nvSpPr>
+          <p:cNvPr id="4" name="Номер слайда 3"/>
+          <p:cNvSpPr>
+            <a:spLocks noGrp="1"/>
+          </p:cNvSpPr>
+          <p:nvPr>
+            <p:ph type="sldNum" sz="quarter" idx="12"/>
+          </p:nvPr>
+        </p:nvSpPr>
+        <p:spPr/>
+        <p:txBody>
+          <a:bodyPr/>
+          <a:lstStyle/>
+          <a:p>
+            <a:fld id="{1F0A73E7-D28D-4299-9BA6-FD72E53F57ED}" type="slidenum">
+              <a:rPr lang="ru-RU" smtClean="0"/>
+              <a:t>8</a:t>
+            </a:fld>
+            <a:endParaRPr lang="ru-RU"/>
+          </a:p>
+        </p:txBody>
+      </p:sp>
+    </p:spTree>
+    <p:extLst>
+      <p:ext uri="{BB962C8B-B14F-4D97-AF65-F5344CB8AC3E}">
+        <p14:creationId xmlns:p14="http://schemas.microsoft.com/office/powerpoint/2010/main" val="3454666868"/>
+      </p:ext>
+    </p:extLst>
+  </p:cSld>
+  <p:clrMapOvr>
+    <a:masterClrMapping/>
+  </p:clrMapOvr>
+  <p:timing>
+    <p:tnLst>
+      <p:par>
+        <p:cTn id="1" dur="indefinite" restart="never" nodeType="tmRoot"/>
+      </p:par>
+    </p:tnLst>
+  </p:timing>
+</p:sld>
+</file>
+
+<file path=ppt/slides/slide9.xml><?xml version="1.0" encoding="utf-8"?>
+<p:sld xmlns:a="http://schemas.openxmlformats.org/drawingml/2006/main" xmlns:r="http://schemas.openxmlformats.org/officeDocument/2006/relationships" xmlns:p="http://schemas.openxmlformats.org/presentationml/2006/main">
+  <p:cSld>
+    <p:spTree>
+      <p:nvGrpSpPr>
+        <p:cNvPr id="1" name=""/>
+        <p:cNvGrpSpPr/>
+        <p:nvPr/>
+      </p:nvGrpSpPr>
+      <p:grpSpPr>
+        <a:xfrm>
+          <a:off x="0" y="0"/>
+          <a:ext cx="0" cy="0"/>
+          <a:chOff x="0" y="0"/>
+          <a:chExt cx="0" cy="0"/>
+        </a:xfrm>
+      </p:grpSpPr>
+      <p:sp>
+        <p:nvSpPr>
+          <p:cNvPr id="6" name="Прямоугольник 5"/>
+          <p:cNvSpPr/>
+          <p:nvPr/>
+        </p:nvSpPr>
+        <p:spPr>
+          <a:xfrm>
+            <a:off x="0" y="0"/>
+            <a:ext cx="7681911" cy="461665"/>
+          </a:xfrm>
+          <a:prstGeom prst="rect">
+            <a:avLst/>
+          </a:prstGeom>
+        </p:spPr>
+        <p:txBody>
+          <a:bodyPr wrap="none">
+            <a:spAutoFit/>
+          </a:bodyPr>
+          <a:lstStyle/>
+          <a:p>
+            <a:r>
+              <a:rPr lang="ru-RU" sz="2400" b="1" dirty="0">
+                <a:solidFill>
+                  <a:srgbClr val="000000"/>
+                </a:solidFill>
+                <a:latin typeface="Verdana" panose="020B0604030504040204" pitchFamily="34" charset="0"/>
+              </a:rPr>
+              <a:t>Структурная схема программной системы</a:t>
+            </a:r>
+          </a:p>
+        </p:txBody>
+      </p:sp>
+      <p:pic>
+        <p:nvPicPr>
+          <p:cNvPr id="8" name="Рисунок 7"/>
+          <p:cNvPicPr>
+            <a:picLocks noChangeAspect="1"/>
+          </p:cNvPicPr>
+          <p:nvPr/>
+        </p:nvPicPr>
+        <p:blipFill>
+          <a:blip r:embed="rId2"/>
+          <a:stretch>
+            <a:fillRect/>
+          </a:stretch>
+        </p:blipFill>
+        <p:spPr>
+          <a:xfrm>
+            <a:off x="389123" y="804073"/>
+            <a:ext cx="11331472" cy="5471598"/>
+          </a:xfrm>
+          <a:prstGeom prst="rect">
+            <a:avLst/>
+          </a:prstGeom>
+        </p:spPr>
+      </p:pic>
+      <p:sp>
+        <p:nvSpPr>
+          <p:cNvPr id="9" name="Номер слайда 8"/>
+          <p:cNvSpPr>
+            <a:spLocks noGrp="1"/>
+          </p:cNvSpPr>
+          <p:nvPr>
+            <p:ph type="sldNum" sz="quarter" idx="12"/>
+          </p:nvPr>
+        </p:nvSpPr>
+        <p:spPr/>
+        <p:txBody>
+          <a:bodyPr/>
+          <a:lstStyle/>
+          <a:p>
+            <a:fld id="{1F0A73E7-D28D-4299-9BA6-FD72E53F57ED}" type="slidenum">
+              <a:rPr lang="ru-RU" smtClean="0"/>
+              <a:t>9</a:t>
+            </a:fld>
+            <a:endParaRPr lang="ru-RU"/>
+          </a:p>
+        </p:txBody>
+      </p:sp>
+    </p:spTree>
+    <p:extLst>
+      <p:ext uri="{BB962C8B-B14F-4D97-AF65-F5344CB8AC3E}">
+        <p14:creationId xmlns:p14="http://schemas.microsoft.com/office/powerpoint/2010/main" val="2985213565"/>
       </p:ext>
     </p:extLst>
   </p:cSld>

--- a/ПРИ115-РПС-КП_03.pptx
+++ b/ПРИ115-РПС-КП_03.pptx
@@ -5,7 +5,7 @@
     <p:sldMasterId id="2147483648" r:id="rId1"/>
   </p:sldMasterIdLst>
   <p:notesMasterIdLst>
-    <p:notesMasterId r:id="rId21"/>
+    <p:notesMasterId r:id="rId22"/>
   </p:notesMasterIdLst>
   <p:sldIdLst>
     <p:sldId id="256" r:id="rId2"/>
@@ -25,8 +25,9 @@
     <p:sldId id="263" r:id="rId16"/>
     <p:sldId id="273" r:id="rId17"/>
     <p:sldId id="266" r:id="rId18"/>
-    <p:sldId id="272" r:id="rId19"/>
-    <p:sldId id="268" r:id="rId20"/>
+    <p:sldId id="277" r:id="rId19"/>
+    <p:sldId id="272" r:id="rId20"/>
+    <p:sldId id="268" r:id="rId21"/>
   </p:sldIdLst>
   <p:sldSz cx="12192000" cy="6858000"/>
   <p:notesSz cx="6858000" cy="9144000"/>
@@ -215,7 +216,7 @@
           <a:p>
             <a:fld id="{C71DBBF6-6254-4642-B767-D9A3061A91A5}" type="datetimeFigureOut">
               <a:rPr lang="ru-RU" smtClean="0"/>
-              <a:t>25.12.2017</a:t>
+              <a:t>10.02.2018</a:t>
             </a:fld>
             <a:endParaRPr lang="ru-RU"/>
           </a:p>
@@ -548,7 +549,7 @@
           <a:p>
             <a:fld id="{8AA3D287-24DE-4FAE-8D47-B8B737F3E13A}" type="slidenum">
               <a:rPr lang="ru-RU" smtClean="0"/>
-              <a:t>18</a:t>
+              <a:t>19</a:t>
             </a:fld>
             <a:endParaRPr lang="ru-RU"/>
           </a:p>
@@ -698,7 +699,7 @@
           <a:p>
             <a:fld id="{4C8250DA-7E40-49FF-B948-D72DB3FEE17C}" type="datetime1">
               <a:rPr lang="ru-RU" smtClean="0"/>
-              <a:t>25.12.2017</a:t>
+              <a:t>10.02.2018</a:t>
             </a:fld>
             <a:endParaRPr lang="ru-RU"/>
           </a:p>
@@ -868,7 +869,7 @@
           <a:p>
             <a:fld id="{E806397E-734D-4271-B3C7-B5AE8CC20643}" type="datetime1">
               <a:rPr lang="ru-RU" smtClean="0"/>
-              <a:t>25.12.2017</a:t>
+              <a:t>10.02.2018</a:t>
             </a:fld>
             <a:endParaRPr lang="ru-RU"/>
           </a:p>
@@ -1048,7 +1049,7 @@
           <a:p>
             <a:fld id="{DDC93129-3A8D-419F-9D02-85B0E173B5D4}" type="datetime1">
               <a:rPr lang="ru-RU" smtClean="0"/>
-              <a:t>25.12.2017</a:t>
+              <a:t>10.02.2018</a:t>
             </a:fld>
             <a:endParaRPr lang="ru-RU"/>
           </a:p>
@@ -1218,7 +1219,7 @@
           <a:p>
             <a:fld id="{3691798D-5CC2-443C-B2E4-AC303640E9DB}" type="datetime1">
               <a:rPr lang="ru-RU" smtClean="0"/>
-              <a:t>25.12.2017</a:t>
+              <a:t>10.02.2018</a:t>
             </a:fld>
             <a:endParaRPr lang="ru-RU"/>
           </a:p>
@@ -1464,7 +1465,7 @@
           <a:p>
             <a:fld id="{014898AD-2E09-46C9-AEA0-1459A9929F70}" type="datetime1">
               <a:rPr lang="ru-RU" smtClean="0"/>
-              <a:t>25.12.2017</a:t>
+              <a:t>10.02.2018</a:t>
             </a:fld>
             <a:endParaRPr lang="ru-RU"/>
           </a:p>
@@ -1696,7 +1697,7 @@
           <a:p>
             <a:fld id="{97D0E5F6-A9CF-403A-B2CB-A5245FBC6114}" type="datetime1">
               <a:rPr lang="ru-RU" smtClean="0"/>
-              <a:t>25.12.2017</a:t>
+              <a:t>10.02.2018</a:t>
             </a:fld>
             <a:endParaRPr lang="ru-RU"/>
           </a:p>
@@ -2063,7 +2064,7 @@
           <a:p>
             <a:fld id="{2F3CCD84-59D7-4EBF-8D67-0096F38EC6A0}" type="datetime1">
               <a:rPr lang="ru-RU" smtClean="0"/>
-              <a:t>25.12.2017</a:t>
+              <a:t>10.02.2018</a:t>
             </a:fld>
             <a:endParaRPr lang="ru-RU"/>
           </a:p>
@@ -2181,7 +2182,7 @@
           <a:p>
             <a:fld id="{24FB419C-555D-4776-9914-C0E2BE32D0D3}" type="datetime1">
               <a:rPr lang="ru-RU" smtClean="0"/>
-              <a:t>25.12.2017</a:t>
+              <a:t>10.02.2018</a:t>
             </a:fld>
             <a:endParaRPr lang="ru-RU"/>
           </a:p>
@@ -2276,7 +2277,7 @@
           <a:p>
             <a:fld id="{BF14ABA8-3EF1-48FE-8051-2EA5A97E6791}" type="datetime1">
               <a:rPr lang="ru-RU" smtClean="0"/>
-              <a:t>25.12.2017</a:t>
+              <a:t>10.02.2018</a:t>
             </a:fld>
             <a:endParaRPr lang="ru-RU"/>
           </a:p>
@@ -2553,7 +2554,7 @@
           <a:p>
             <a:fld id="{8C2BEA58-CBF2-4E81-B2C8-C466CCBA0588}" type="datetime1">
               <a:rPr lang="ru-RU" smtClean="0"/>
-              <a:t>25.12.2017</a:t>
+              <a:t>10.02.2018</a:t>
             </a:fld>
             <a:endParaRPr lang="ru-RU"/>
           </a:p>
@@ -2806,7 +2807,7 @@
           <a:p>
             <a:fld id="{801534E6-1148-4821-AEBF-378E76902D1F}" type="datetime1">
               <a:rPr lang="ru-RU" smtClean="0"/>
-              <a:t>25.12.2017</a:t>
+              <a:t>10.02.2018</a:t>
             </a:fld>
             <a:endParaRPr lang="ru-RU"/>
           </a:p>
@@ -3019,7 +3020,7 @@
           <a:p>
             <a:fld id="{8267556D-928A-405D-8213-123659AFD8C6}" type="datetime1">
               <a:rPr lang="ru-RU" smtClean="0"/>
-              <a:t>25.12.2017</a:t>
+              <a:t>10.02.2018</a:t>
             </a:fld>
             <a:endParaRPr lang="ru-RU"/>
           </a:p>
@@ -3925,36 +3926,6 @@
           </a:p>
         </p:txBody>
       </p:sp>
-      <p:pic>
-        <p:nvPicPr>
-          <p:cNvPr id="5" name="Рисунок 4"/>
-          <p:cNvPicPr>
-            <a:picLocks noChangeAspect="1"/>
-          </p:cNvPicPr>
-          <p:nvPr/>
-        </p:nvPicPr>
-        <p:blipFill>
-          <a:blip r:embed="rId2">
-            <a:extLst>
-              <a:ext uri="{28A0092B-C50C-407E-A947-70E740481C1C}">
-                <a14:useLocalDpi xmlns:a14="http://schemas.microsoft.com/office/drawing/2010/main" val="0"/>
-              </a:ext>
-            </a:extLst>
-          </a:blip>
-          <a:stretch>
-            <a:fillRect/>
-          </a:stretch>
-        </p:blipFill>
-        <p:spPr>
-          <a:xfrm>
-            <a:off x="1412961" y="855634"/>
-            <a:ext cx="9666731" cy="6087032"/>
-          </a:xfrm>
-          <a:prstGeom prst="rect">
-            <a:avLst/>
-          </a:prstGeom>
-        </p:spPr>
-      </p:pic>
       <p:sp>
         <p:nvSpPr>
           <p:cNvPr id="6" name="Номер слайда 5"/>
@@ -4123,54 +4094,6 @@
           </a:p>
         </p:txBody>
       </p:sp>
-      <p:pic>
-        <p:nvPicPr>
-          <p:cNvPr id="13" name="Рисунок 12"/>
-          <p:cNvPicPr>
-            <a:picLocks noChangeAspect="1"/>
-          </p:cNvPicPr>
-          <p:nvPr/>
-        </p:nvPicPr>
-        <p:blipFill>
-          <a:blip r:embed="rId2"/>
-          <a:stretch>
-            <a:fillRect/>
-          </a:stretch>
-        </p:blipFill>
-        <p:spPr>
-          <a:xfrm>
-            <a:off x="50153" y="2580923"/>
-            <a:ext cx="5947422" cy="3345424"/>
-          </a:xfrm>
-          <a:prstGeom prst="rect">
-            <a:avLst/>
-          </a:prstGeom>
-        </p:spPr>
-      </p:pic>
-      <p:pic>
-        <p:nvPicPr>
-          <p:cNvPr id="4" name="Рисунок 3"/>
-          <p:cNvPicPr>
-            <a:picLocks noChangeAspect="1"/>
-          </p:cNvPicPr>
-          <p:nvPr/>
-        </p:nvPicPr>
-        <p:blipFill>
-          <a:blip r:embed="rId3"/>
-          <a:stretch>
-            <a:fillRect/>
-          </a:stretch>
-        </p:blipFill>
-        <p:spPr>
-          <a:xfrm>
-            <a:off x="6095999" y="2580923"/>
-            <a:ext cx="5947419" cy="3345424"/>
-          </a:xfrm>
-          <a:prstGeom prst="rect">
-            <a:avLst/>
-          </a:prstGeom>
-        </p:spPr>
-      </p:pic>
       <p:sp>
         <p:nvSpPr>
           <p:cNvPr id="6" name="Номер слайда 5"/>
@@ -4255,7 +4178,7 @@
             <a:r>
               <a:rPr lang="ru-RU" sz="2400" b="1" dirty="0">
                 <a:solidFill>
-                  <a:srgbClr val="000000"/>
+                  <a:srgbClr val="FF0000"/>
                 </a:solidFill>
                 <a:latin typeface="Verdana" panose="020B0604030504040204" pitchFamily="34" charset="0"/>
               </a:rPr>
@@ -4280,7 +4203,7 @@
         </p:blipFill>
         <p:spPr>
           <a:xfrm>
-            <a:off x="2036091" y="656399"/>
+            <a:off x="2102766" y="569854"/>
             <a:ext cx="6921643" cy="5969058"/>
           </a:xfrm>
           <a:prstGeom prst="rect">
@@ -4381,9 +4304,32 @@
           </a:p>
         </p:txBody>
       </p:sp>
+      <p:sp>
+        <p:nvSpPr>
+          <p:cNvPr id="10" name="Номер слайда 9"/>
+          <p:cNvSpPr>
+            <a:spLocks noGrp="1"/>
+          </p:cNvSpPr>
+          <p:nvPr>
+            <p:ph type="sldNum" sz="quarter" idx="12"/>
+          </p:nvPr>
+        </p:nvSpPr>
+        <p:spPr/>
+        <p:txBody>
+          <a:bodyPr/>
+          <a:lstStyle/>
+          <a:p>
+            <a:fld id="{1F0A73E7-D28D-4299-9BA6-FD72E53F57ED}" type="slidenum">
+              <a:rPr lang="ru-RU" smtClean="0"/>
+              <a:t>14</a:t>
+            </a:fld>
+            <a:endParaRPr lang="ru-RU"/>
+          </a:p>
+        </p:txBody>
+      </p:sp>
       <p:pic>
         <p:nvPicPr>
-          <p:cNvPr id="9" name="Рисунок 8"/>
+          <p:cNvPr id="4" name="Рисунок 3"/>
           <p:cNvPicPr>
             <a:picLocks noChangeAspect="1"/>
           </p:cNvPicPr>
@@ -4397,37 +4343,14 @@
         </p:blipFill>
         <p:spPr>
           <a:xfrm>
-            <a:off x="169459" y="795868"/>
-            <a:ext cx="12022542" cy="5874366"/>
+            <a:off x="364949" y="1356797"/>
+            <a:ext cx="11641585" cy="3434277"/>
           </a:xfrm>
           <a:prstGeom prst="rect">
             <a:avLst/>
           </a:prstGeom>
         </p:spPr>
       </p:pic>
-      <p:sp>
-        <p:nvSpPr>
-          <p:cNvPr id="10" name="Номер слайда 9"/>
-          <p:cNvSpPr>
-            <a:spLocks noGrp="1"/>
-          </p:cNvSpPr>
-          <p:nvPr>
-            <p:ph type="sldNum" sz="quarter" idx="12"/>
-          </p:nvPr>
-        </p:nvSpPr>
-        <p:spPr/>
-        <p:txBody>
-          <a:bodyPr/>
-          <a:lstStyle/>
-          <a:p>
-            <a:fld id="{1F0A73E7-D28D-4299-9BA6-FD72E53F57ED}" type="slidenum">
-              <a:rPr lang="ru-RU" smtClean="0"/>
-              <a:t>14</a:t>
-            </a:fld>
-            <a:endParaRPr lang="ru-RU"/>
-          </a:p>
-        </p:txBody>
-      </p:sp>
     </p:spTree>
     <p:extLst>
       <p:ext uri="{BB962C8B-B14F-4D97-AF65-F5344CB8AC3E}">
@@ -4473,7 +4396,7 @@
         </p:nvSpPr>
         <p:spPr>
           <a:xfrm>
-            <a:off x="166083" y="137067"/>
+            <a:off x="2507343" y="0"/>
             <a:ext cx="7146508" cy="461665"/>
           </a:xfrm>
           <a:prstGeom prst="rect">
@@ -4489,7 +4412,7 @@
             <a:r>
               <a:rPr lang="ru-RU" sz="2400" b="1" dirty="0">
                 <a:solidFill>
-                  <a:srgbClr val="000000"/>
+                  <a:srgbClr val="FF0000"/>
                 </a:solidFill>
                 <a:latin typeface="Verdana" panose="020B0604030504040204" pitchFamily="34" charset="0"/>
               </a:rPr>
@@ -4498,9 +4421,32 @@
           </a:p>
         </p:txBody>
       </p:sp>
+      <p:sp>
+        <p:nvSpPr>
+          <p:cNvPr id="14" name="Номер слайда 13"/>
+          <p:cNvSpPr>
+            <a:spLocks noGrp="1"/>
+          </p:cNvSpPr>
+          <p:nvPr>
+            <p:ph type="sldNum" sz="quarter" idx="12"/>
+          </p:nvPr>
+        </p:nvSpPr>
+        <p:spPr/>
+        <p:txBody>
+          <a:bodyPr/>
+          <a:lstStyle/>
+          <a:p>
+            <a:fld id="{1F0A73E7-D28D-4299-9BA6-FD72E53F57ED}" type="slidenum">
+              <a:rPr lang="ru-RU" smtClean="0"/>
+              <a:t>15</a:t>
+            </a:fld>
+            <a:endParaRPr lang="ru-RU" dirty="0"/>
+          </a:p>
+        </p:txBody>
+      </p:sp>
       <p:pic>
         <p:nvPicPr>
-          <p:cNvPr id="12" name="Рисунок 11"/>
+          <p:cNvPr id="3" name="Рисунок 2"/>
           <p:cNvPicPr>
             <a:picLocks noChangeAspect="1"/>
           </p:cNvPicPr>
@@ -4514,37 +4460,14 @@
         </p:blipFill>
         <p:spPr>
           <a:xfrm>
-            <a:off x="2099584" y="743110"/>
-            <a:ext cx="8728837" cy="5943402"/>
+            <a:off x="1765910" y="845796"/>
+            <a:ext cx="8629375" cy="5875679"/>
           </a:xfrm>
           <a:prstGeom prst="rect">
             <a:avLst/>
           </a:prstGeom>
         </p:spPr>
       </p:pic>
-      <p:sp>
-        <p:nvSpPr>
-          <p:cNvPr id="14" name="Номер слайда 13"/>
-          <p:cNvSpPr>
-            <a:spLocks noGrp="1"/>
-          </p:cNvSpPr>
-          <p:nvPr>
-            <p:ph type="sldNum" sz="quarter" idx="12"/>
-          </p:nvPr>
-        </p:nvSpPr>
-        <p:spPr/>
-        <p:txBody>
-          <a:bodyPr/>
-          <a:lstStyle/>
-          <a:p>
-            <a:fld id="{1F0A73E7-D28D-4299-9BA6-FD72E53F57ED}" type="slidenum">
-              <a:rPr lang="ru-RU" smtClean="0"/>
-              <a:t>15</a:t>
-            </a:fld>
-            <a:endParaRPr lang="ru-RU" dirty="0"/>
-          </a:p>
-        </p:txBody>
-      </p:sp>
     </p:spTree>
     <p:extLst>
       <p:ext uri="{BB962C8B-B14F-4D97-AF65-F5344CB8AC3E}">
@@ -4582,9 +4505,32 @@
           <a:chExt cx="0" cy="0"/>
         </a:xfrm>
       </p:grpSpPr>
+      <p:sp>
+        <p:nvSpPr>
+          <p:cNvPr id="9" name="Номер слайда 8"/>
+          <p:cNvSpPr>
+            <a:spLocks noGrp="1"/>
+          </p:cNvSpPr>
+          <p:nvPr>
+            <p:ph type="sldNum" sz="quarter" idx="12"/>
+          </p:nvPr>
+        </p:nvSpPr>
+        <p:spPr/>
+        <p:txBody>
+          <a:bodyPr/>
+          <a:lstStyle/>
+          <a:p>
+            <a:fld id="{1F0A73E7-D28D-4299-9BA6-FD72E53F57ED}" type="slidenum">
+              <a:rPr lang="ru-RU" smtClean="0"/>
+              <a:t>16</a:t>
+            </a:fld>
+            <a:endParaRPr lang="ru-RU"/>
+          </a:p>
+        </p:txBody>
+      </p:sp>
       <p:pic>
         <p:nvPicPr>
-          <p:cNvPr id="8" name="Рисунок 7"/>
+          <p:cNvPr id="2" name="Рисунок 1"/>
           <p:cNvPicPr>
             <a:picLocks noChangeAspect="1"/>
           </p:cNvPicPr>
@@ -4598,8 +4544,8 @@
         </p:blipFill>
         <p:spPr>
           <a:xfrm>
-            <a:off x="2216324" y="202683"/>
-            <a:ext cx="7759351" cy="6452634"/>
+            <a:off x="4671299" y="268841"/>
+            <a:ext cx="7520701" cy="6452634"/>
           </a:xfrm>
           <a:prstGeom prst="rect">
             <a:avLst/>
@@ -4608,24 +4554,60 @@
       </p:pic>
       <p:sp>
         <p:nvSpPr>
-          <p:cNvPr id="9" name="Номер слайда 8"/>
-          <p:cNvSpPr>
-            <a:spLocks noGrp="1"/>
-          </p:cNvSpPr>
-          <p:nvPr>
-            <p:ph type="sldNum" sz="quarter" idx="12"/>
-          </p:nvPr>
-        </p:nvSpPr>
-        <p:spPr/>
-        <p:txBody>
-          <a:bodyPr/>
-          <a:lstStyle/>
-          <a:p>
-            <a:fld id="{1F0A73E7-D28D-4299-9BA6-FD72E53F57ED}" type="slidenum">
-              <a:rPr lang="ru-RU" smtClean="0"/>
-              <a:t>16</a:t>
-            </a:fld>
-            <a:endParaRPr lang="ru-RU"/>
+          <p:cNvPr id="5" name="Прямоугольник 4"/>
+          <p:cNvSpPr/>
+          <p:nvPr/>
+        </p:nvSpPr>
+        <p:spPr>
+          <a:xfrm>
+            <a:off x="166083" y="137067"/>
+            <a:ext cx="7146508" cy="830997"/>
+          </a:xfrm>
+          <a:prstGeom prst="rect">
+            <a:avLst/>
+          </a:prstGeom>
+        </p:spPr>
+        <p:txBody>
+          <a:bodyPr wrap="none">
+            <a:spAutoFit/>
+          </a:bodyPr>
+          <a:lstStyle/>
+          <a:p>
+            <a:r>
+              <a:rPr lang="ru-RU" sz="2400" b="1" dirty="0">
+                <a:solidFill>
+                  <a:srgbClr val="FF0000"/>
+                </a:solidFill>
+                <a:latin typeface="Verdana" panose="020B0604030504040204" pitchFamily="34" charset="0"/>
+              </a:rPr>
+              <a:t>Схема алгоритмов основных </a:t>
+            </a:r>
+            <a:r>
+              <a:rPr lang="ru-RU" sz="2400" b="1" dirty="0" smtClean="0">
+                <a:solidFill>
+                  <a:srgbClr val="FF0000"/>
+                </a:solidFill>
+                <a:latin typeface="Verdana" panose="020B0604030504040204" pitchFamily="34" charset="0"/>
+              </a:rPr>
+              <a:t>операций</a:t>
+            </a:r>
+          </a:p>
+          <a:p>
+            <a:r>
+              <a:rPr lang="ru-RU" sz="2400" b="1" dirty="0" smtClean="0">
+                <a:solidFill>
+                  <a:srgbClr val="FF0000"/>
+                </a:solidFill>
+                <a:latin typeface="Verdana" panose="020B0604030504040204" pitchFamily="34" charset="0"/>
+              </a:rPr>
+              <a:t>(продолжение)</a:t>
+            </a:r>
+            <a:endParaRPr lang="ru-RU" sz="2400" b="1" dirty="0">
+              <a:solidFill>
+                <a:srgbClr val="FF0000"/>
+              </a:solidFill>
+              <a:latin typeface="Verdana" panose="020B0604030504040204" pitchFamily="34" charset="0"/>
+            </a:endParaRPr>
           </a:p>
         </p:txBody>
       </p:sp>
@@ -4675,7 +4657,7 @@
         <p:spPr>
           <a:xfrm>
             <a:off x="338623" y="111668"/>
-            <a:ext cx="6151043" cy="461665"/>
+            <a:ext cx="11381642" cy="461665"/>
           </a:xfrm>
           <a:prstGeom prst="rect">
             <a:avLst/>
@@ -4689,13 +4671,55 @@
           <a:p>
             <a:r>
               <a:rPr lang="ru-RU" sz="2400" b="1" dirty="0">
+                <a:latin typeface="Verdana" panose="020B0604030504040204" pitchFamily="34" charset="0"/>
+              </a:rPr>
+              <a:t>Диаграмма </a:t>
+            </a:r>
+            <a:r>
+              <a:rPr lang="ru-RU" sz="2400" b="1" dirty="0" smtClean="0">
+                <a:latin typeface="Verdana" panose="020B0604030504040204" pitchFamily="34" charset="0"/>
+              </a:rPr>
+              <a:t>последовательностей</a:t>
+            </a:r>
+            <a:r>
+              <a:rPr lang="en-US" sz="2400" b="1" dirty="0" smtClean="0">
+                <a:latin typeface="Verdana" panose="020B0604030504040204" pitchFamily="34" charset="0"/>
+              </a:rPr>
+              <a:t> </a:t>
+            </a:r>
+            <a:r>
+              <a:rPr lang="en-US" sz="2400" b="1" dirty="0" smtClean="0">
                 <a:solidFill>
-                  <a:srgbClr val="000000"/>
+                  <a:srgbClr val="FF0000"/>
                 </a:solidFill>
                 <a:latin typeface="Verdana" panose="020B0604030504040204" pitchFamily="34" charset="0"/>
               </a:rPr>
-              <a:t>Диаграмма последовательностей</a:t>
-            </a:r>
+              <a:t>(</a:t>
+            </a:r>
+            <a:r>
+              <a:rPr lang="ru-RU" sz="2400" b="1" dirty="0" smtClean="0">
+                <a:solidFill>
+                  <a:srgbClr val="FF0000"/>
+                </a:solidFill>
+                <a:latin typeface="Verdana" panose="020B0604030504040204" pitchFamily="34" charset="0"/>
+              </a:rPr>
+              <a:t>возможно разделить стоит</a:t>
+            </a:r>
+            <a:r>
+              <a:rPr lang="en-US" sz="2400" b="1" dirty="0" smtClean="0">
+                <a:solidFill>
+                  <a:srgbClr val="FF0000"/>
+                </a:solidFill>
+                <a:latin typeface="Verdana" panose="020B0604030504040204" pitchFamily="34" charset="0"/>
+              </a:rPr>
+              <a:t>)</a:t>
+            </a:r>
+            <a:endParaRPr lang="ru-RU" sz="2400" b="1" dirty="0">
+              <a:solidFill>
+                <a:srgbClr val="FF0000"/>
+              </a:solidFill>
+              <a:latin typeface="Verdana" panose="020B0604030504040204" pitchFamily="34" charset="0"/>
+            </a:endParaRPr>
           </a:p>
         </p:txBody>
       </p:sp>
@@ -4785,80 +4809,112 @@
       </p:grpSpPr>
       <p:sp>
         <p:nvSpPr>
-          <p:cNvPr id="2" name="Заголовок 1"/>
-          <p:cNvSpPr>
-            <a:spLocks noGrp="1"/>
-          </p:cNvSpPr>
-          <p:nvPr>
-            <p:ph type="title"/>
-          </p:nvPr>
+          <p:cNvPr id="3" name="Номер слайда 2"/>
+          <p:cNvSpPr>
+            <a:spLocks noGrp="1"/>
+          </p:cNvSpPr>
+          <p:nvPr>
+            <p:ph type="sldNum" sz="quarter" idx="12"/>
+          </p:nvPr>
+        </p:nvSpPr>
+        <p:spPr/>
+        <p:txBody>
+          <a:bodyPr/>
+          <a:lstStyle/>
+          <a:p>
+            <a:fld id="{1F0A73E7-D28D-4299-9BA6-FD72E53F57ED}" type="slidenum">
+              <a:rPr lang="ru-RU" smtClean="0"/>
+              <a:t>18</a:t>
+            </a:fld>
+            <a:endParaRPr lang="ru-RU"/>
+          </a:p>
+        </p:txBody>
+      </p:sp>
+      <p:sp>
+        <p:nvSpPr>
+          <p:cNvPr id="5" name="Прямоугольник 4"/>
+          <p:cNvSpPr/>
+          <p:nvPr/>
         </p:nvSpPr>
         <p:spPr>
           <a:xfrm>
-            <a:off x="203200" y="0"/>
-            <a:ext cx="7069667" cy="591608"/>
+            <a:off x="338623" y="111668"/>
+            <a:ext cx="8545929" cy="461665"/>
           </a:xfrm>
+          <a:prstGeom prst="rect">
+            <a:avLst/>
+          </a:prstGeom>
         </p:spPr>
         <p:txBody>
-          <a:bodyPr>
-            <a:normAutofit/>
+          <a:bodyPr wrap="none">
+            <a:spAutoFit/>
           </a:bodyPr>
           <a:lstStyle/>
           <a:p>
             <a:r>
               <a:rPr lang="ru-RU" sz="2400" b="1" dirty="0">
+                <a:latin typeface="Verdana" panose="020B0604030504040204" pitchFamily="34" charset="0"/>
+              </a:rPr>
+              <a:t>Диаграмма </a:t>
+            </a:r>
+            <a:r>
+              <a:rPr lang="ru-RU" sz="2400" b="1" dirty="0" smtClean="0">
+                <a:latin typeface="Verdana" panose="020B0604030504040204" pitchFamily="34" charset="0"/>
+              </a:rPr>
+              <a:t>последовательностей</a:t>
+            </a:r>
+            <a:r>
+              <a:rPr lang="en-US" sz="2400" b="1" dirty="0" smtClean="0">
+                <a:latin typeface="Verdana" panose="020B0604030504040204" pitchFamily="34" charset="0"/>
+              </a:rPr>
+              <a:t> </a:t>
+            </a:r>
+            <a:r>
+              <a:rPr lang="en-US" sz="2400" b="1" dirty="0" smtClean="0">
                 <a:solidFill>
-                  <a:srgbClr val="000000"/>
+                  <a:srgbClr val="FF0000"/>
                 </a:solidFill>
                 <a:latin typeface="Verdana" panose="020B0604030504040204" pitchFamily="34" charset="0"/>
-                <a:ea typeface="+mn-ea"/>
-                <a:cs typeface="+mn-cs"/>
               </a:rPr>
-              <a:t>Обзорная диаграмма взаимодействия</a:t>
-            </a:r>
-          </a:p>
-        </p:txBody>
-      </p:sp>
-      <p:sp>
-        <p:nvSpPr>
-          <p:cNvPr id="3" name="Номер слайда 2"/>
-          <p:cNvSpPr>
-            <a:spLocks noGrp="1"/>
-          </p:cNvSpPr>
-          <p:nvPr>
-            <p:ph type="sldNum" sz="quarter" idx="12"/>
-          </p:nvPr>
-        </p:nvSpPr>
-        <p:spPr/>
-        <p:txBody>
-          <a:bodyPr/>
-          <a:lstStyle/>
-          <a:p>
-            <a:fld id="{1F0A73E7-D28D-4299-9BA6-FD72E53F57ED}" type="slidenum">
-              <a:rPr lang="ru-RU" smtClean="0"/>
-              <a:t>18</a:t>
-            </a:fld>
-            <a:endParaRPr lang="ru-RU"/>
+              <a:t>(</a:t>
+            </a:r>
+            <a:r>
+              <a:rPr lang="ru-RU" sz="2400" b="1" dirty="0" smtClean="0">
+                <a:solidFill>
+                  <a:srgbClr val="FF0000"/>
+                </a:solidFill>
+                <a:latin typeface="Verdana" panose="020B0604030504040204" pitchFamily="34" charset="0"/>
+              </a:rPr>
+              <a:t>Подробнее</a:t>
+            </a:r>
+            <a:r>
+              <a:rPr lang="en-US" sz="2400" b="1" dirty="0" smtClean="0">
+                <a:solidFill>
+                  <a:srgbClr val="FF0000"/>
+                </a:solidFill>
+                <a:latin typeface="Verdana" panose="020B0604030504040204" pitchFamily="34" charset="0"/>
+              </a:rPr>
+              <a:t>)</a:t>
+            </a:r>
+            <a:endParaRPr lang="ru-RU" sz="2400" b="1" dirty="0">
+              <a:solidFill>
+                <a:srgbClr val="FF0000"/>
+              </a:solidFill>
+              <a:latin typeface="Verdana" panose="020B0604030504040204" pitchFamily="34" charset="0"/>
+            </a:endParaRPr>
           </a:p>
         </p:txBody>
       </p:sp>
     </p:spTree>
     <p:extLst>
       <p:ext uri="{BB962C8B-B14F-4D97-AF65-F5344CB8AC3E}">
-        <p14:creationId xmlns:p14="http://schemas.microsoft.com/office/powerpoint/2010/main" val="455832565"/>
+        <p14:creationId xmlns:p14="http://schemas.microsoft.com/office/powerpoint/2010/main" val="2942373652"/>
       </p:ext>
     </p:extLst>
   </p:cSld>
   <p:clrMapOvr>
     <a:masterClrMapping/>
   </p:clrMapOvr>
-  <p:timing>
-    <p:tnLst>
-      <p:par>
-        <p:cTn id="1" dur="indefinite" restart="never" nodeType="tmRoot"/>
-      </p:par>
-    </p:tnLst>
-  </p:timing>
 </p:sld>
 </file>
 
@@ -4889,68 +4945,35 @@
             <p:ph type="title"/>
           </p:nvPr>
         </p:nvSpPr>
-        <p:spPr/>
-        <p:txBody>
-          <a:bodyPr/>
-          <a:lstStyle/>
-          <a:p>
-            <a:pPr algn="ctr"/>
-            <a:r>
-              <a:rPr lang="ru-RU" dirty="0" smtClean="0"/>
-              <a:t>Ссылка на </a:t>
-            </a:r>
-            <a:r>
-              <a:rPr lang="ru-RU" dirty="0" err="1" smtClean="0"/>
-              <a:t>репозиторий</a:t>
-            </a:r>
-            <a:endParaRPr lang="ru-RU" dirty="0"/>
-          </a:p>
-        </p:txBody>
-      </p:sp>
-      <p:sp>
-        <p:nvSpPr>
-          <p:cNvPr id="3" name="Прямоугольник 2"/>
-          <p:cNvSpPr/>
-          <p:nvPr/>
-        </p:nvSpPr>
         <p:spPr>
           <a:xfrm>
-            <a:off x="1565465" y="2066148"/>
-            <a:ext cx="9061070" cy="830997"/>
+            <a:off x="203200" y="0"/>
+            <a:ext cx="7069667" cy="591608"/>
           </a:xfrm>
-          <a:prstGeom prst="rect">
-            <a:avLst/>
-          </a:prstGeom>
         </p:spPr>
         <p:txBody>
-          <a:bodyPr wrap="none">
-            <a:spAutoFit/>
+          <a:bodyPr>
+            <a:normAutofit/>
           </a:bodyPr>
           <a:lstStyle/>
           <a:p>
             <a:r>
-              <a:rPr lang="ru-RU" sz="4800" dirty="0">
-                <a:hlinkClick r:id="rId2"/>
+              <a:rPr lang="ru-RU" sz="2400" b="1" dirty="0">
+                <a:solidFill>
+                  <a:srgbClr val="FF0000"/>
+                </a:solidFill>
+                <a:latin typeface="Verdana" panose="020B0604030504040204" pitchFamily="34" charset="0"/>
+                <a:ea typeface="+mn-ea"/>
+                <a:cs typeface="+mn-cs"/>
               </a:rPr>
-              <a:t>https://</a:t>
-            </a:r>
-            <a:r>
-              <a:rPr lang="ru-RU" sz="4800" dirty="0" smtClean="0">
-                <a:hlinkClick r:id="rId2"/>
-              </a:rPr>
-              <a:t>github.com/nans1996/GAR</a:t>
-            </a:r>
-            <a:r>
-              <a:rPr lang="ru-RU" sz="4800" dirty="0" smtClean="0"/>
-              <a:t> </a:t>
-            </a:r>
-            <a:endParaRPr lang="ru-RU" sz="4800" dirty="0"/>
-          </a:p>
-        </p:txBody>
-      </p:sp>
-      <p:sp>
-        <p:nvSpPr>
-          <p:cNvPr id="4" name="Номер слайда 3"/>
+              <a:t>Обзорная диаграмма взаимодействия</a:t>
+            </a:r>
+          </a:p>
+        </p:txBody>
+      </p:sp>
+      <p:sp>
+        <p:nvSpPr>
+          <p:cNvPr id="3" name="Номер слайда 2"/>
           <p:cNvSpPr>
             <a:spLocks noGrp="1"/>
           </p:cNvSpPr>
@@ -4974,7 +4997,7 @@
     </p:spTree>
     <p:extLst>
       <p:ext uri="{BB962C8B-B14F-4D97-AF65-F5344CB8AC3E}">
-        <p14:creationId xmlns:p14="http://schemas.microsoft.com/office/powerpoint/2010/main" val="3679326354"/>
+        <p14:creationId xmlns:p14="http://schemas.microsoft.com/office/powerpoint/2010/main" val="455832565"/>
       </p:ext>
     </p:extLst>
   </p:cSld>
@@ -5201,6 +5224,135 @@
 </p:sld>
 </file>
 
+<file path=ppt/slides/slide20.xml><?xml version="1.0" encoding="utf-8"?>
+<p:sld xmlns:a="http://schemas.openxmlformats.org/drawingml/2006/main" xmlns:r="http://schemas.openxmlformats.org/officeDocument/2006/relationships" xmlns:p="http://schemas.openxmlformats.org/presentationml/2006/main">
+  <p:cSld>
+    <p:spTree>
+      <p:nvGrpSpPr>
+        <p:cNvPr id="1" name=""/>
+        <p:cNvGrpSpPr/>
+        <p:nvPr/>
+      </p:nvGrpSpPr>
+      <p:grpSpPr>
+        <a:xfrm>
+          <a:off x="0" y="0"/>
+          <a:ext cx="0" cy="0"/>
+          <a:chOff x="0" y="0"/>
+          <a:chExt cx="0" cy="0"/>
+        </a:xfrm>
+      </p:grpSpPr>
+      <p:sp>
+        <p:nvSpPr>
+          <p:cNvPr id="2" name="Заголовок 1"/>
+          <p:cNvSpPr>
+            <a:spLocks noGrp="1"/>
+          </p:cNvSpPr>
+          <p:nvPr>
+            <p:ph type="title"/>
+          </p:nvPr>
+        </p:nvSpPr>
+        <p:spPr/>
+        <p:txBody>
+          <a:bodyPr/>
+          <a:lstStyle/>
+          <a:p>
+            <a:pPr algn="ctr"/>
+            <a:r>
+              <a:rPr lang="ru-RU" dirty="0" smtClean="0"/>
+              <a:t>Ссылка на </a:t>
+            </a:r>
+            <a:r>
+              <a:rPr lang="ru-RU" dirty="0" err="1" smtClean="0"/>
+              <a:t>репозиторий</a:t>
+            </a:r>
+            <a:endParaRPr lang="ru-RU" dirty="0"/>
+          </a:p>
+        </p:txBody>
+      </p:sp>
+      <p:sp>
+        <p:nvSpPr>
+          <p:cNvPr id="3" name="Прямоугольник 2"/>
+          <p:cNvSpPr/>
+          <p:nvPr/>
+        </p:nvSpPr>
+        <p:spPr>
+          <a:xfrm>
+            <a:off x="1565465" y="2066148"/>
+            <a:ext cx="9061070" cy="830997"/>
+          </a:xfrm>
+          <a:prstGeom prst="rect">
+            <a:avLst/>
+          </a:prstGeom>
+        </p:spPr>
+        <p:txBody>
+          <a:bodyPr wrap="none">
+            <a:spAutoFit/>
+          </a:bodyPr>
+          <a:lstStyle/>
+          <a:p>
+            <a:r>
+              <a:rPr lang="ru-RU" sz="4800" dirty="0">
+                <a:hlinkClick r:id="rId2"/>
+              </a:rPr>
+              <a:t>https://</a:t>
+            </a:r>
+            <a:r>
+              <a:rPr lang="ru-RU" sz="4800" dirty="0" smtClean="0">
+                <a:hlinkClick r:id="rId2"/>
+              </a:rPr>
+              <a:t>github.com/nans1996/GAR</a:t>
+            </a:r>
+            <a:r>
+              <a:rPr lang="ru-RU" sz="4800" dirty="0" smtClean="0"/>
+              <a:t> </a:t>
+            </a:r>
+            <a:endParaRPr lang="ru-RU" sz="4800" dirty="0"/>
+          </a:p>
+        </p:txBody>
+      </p:sp>
+      <p:sp>
+        <p:nvSpPr>
+          <p:cNvPr id="4" name="Номер слайда 3"/>
+          <p:cNvSpPr>
+            <a:spLocks noGrp="1"/>
+          </p:cNvSpPr>
+          <p:nvPr>
+            <p:ph type="sldNum" sz="quarter" idx="12"/>
+          </p:nvPr>
+        </p:nvSpPr>
+        <p:spPr/>
+        <p:txBody>
+          <a:bodyPr/>
+          <a:lstStyle/>
+          <a:p>
+            <a:fld id="{1F0A73E7-D28D-4299-9BA6-FD72E53F57ED}" type="slidenum">
+              <a:rPr lang="ru-RU" smtClean="0"/>
+              <a:t>20</a:t>
+            </a:fld>
+            <a:endParaRPr lang="ru-RU"/>
+          </a:p>
+        </p:txBody>
+      </p:sp>
+    </p:spTree>
+    <p:extLst>
+      <p:ext uri="{BB962C8B-B14F-4D97-AF65-F5344CB8AC3E}">
+        <p14:creationId xmlns:p14="http://schemas.microsoft.com/office/powerpoint/2010/main" val="3679326354"/>
+      </p:ext>
+    </p:extLst>
+  </p:cSld>
+  <p:clrMapOvr>
+    <a:masterClrMapping/>
+  </p:clrMapOvr>
+  <p:timing>
+    <p:tnLst>
+      <p:par>
+        <p:cTn id="1" dur="indefinite" restart="never" nodeType="tmRoot"/>
+      </p:par>
+    </p:tnLst>
+  </p:timing>
+</p:sld>
+</file>
+
 <file path=ppt/slides/slide3.xml><?xml version="1.0" encoding="utf-8"?>
 <p:sld xmlns:a="http://schemas.openxmlformats.org/drawingml/2006/main" xmlns:r="http://schemas.openxmlformats.org/officeDocument/2006/relationships" xmlns:p="http://schemas.openxmlformats.org/presentationml/2006/main">
   <p:cSld>
@@ -5243,7 +5395,7 @@
       </p:sp>
       <p:pic>
         <p:nvPicPr>
-          <p:cNvPr id="2" name="Рисунок 1"/>
+          <p:cNvPr id="4" name="Рисунок 3"/>
           <p:cNvPicPr>
             <a:picLocks noChangeAspect="1"/>
           </p:cNvPicPr>
@@ -5257,14 +5409,68 @@
         </p:blipFill>
         <p:spPr>
           <a:xfrm>
-            <a:off x="685800" y="127528"/>
-            <a:ext cx="10893458" cy="6730472"/>
+            <a:off x="0" y="-101777"/>
+            <a:ext cx="12192000" cy="6823252"/>
           </a:xfrm>
           <a:prstGeom prst="rect">
             <a:avLst/>
           </a:prstGeom>
         </p:spPr>
       </p:pic>
+      <p:sp>
+        <p:nvSpPr>
+          <p:cNvPr id="6" name="Заголовок 1"/>
+          <p:cNvSpPr txBox="1">
+            <a:spLocks/>
+          </p:cNvSpPr>
+          <p:nvPr/>
+        </p:nvSpPr>
+        <p:spPr>
+          <a:xfrm>
+            <a:off x="200025" y="0"/>
+            <a:ext cx="10477500" cy="1325563"/>
+          </a:xfrm>
+          <a:prstGeom prst="rect">
+            <a:avLst/>
+          </a:prstGeom>
+        </p:spPr>
+        <p:txBody>
+          <a:bodyPr>
+            <a:normAutofit/>
+          </a:bodyPr>
+          <a:lstStyle>
+            <a:lvl1pPr algn="l" defTabSz="914400" rtl="0" eaLnBrk="1" latinLnBrk="0" hangingPunct="1">
+              <a:lnSpc>
+                <a:spcPct val="90000"/>
+              </a:lnSpc>
+              <a:spcBef>
+                <a:spcPct val="0"/>
+              </a:spcBef>
+              <a:buNone/>
+              <a:defRPr sz="4400" kern="1200">
+                <a:solidFill>
+                  <a:schemeClr val="tx1"/>
+                </a:solidFill>
+                <a:latin typeface="+mj-lt"/>
+                <a:ea typeface="+mj-ea"/>
+                <a:cs typeface="+mj-cs"/>
+              </a:defRPr>
+            </a:lvl1pPr>
+          </a:lstStyle>
+          <a:p>
+            <a:r>
+              <a:rPr lang="ru-RU" sz="2400" b="1" dirty="0" smtClean="0">
+                <a:solidFill>
+                  <a:srgbClr val="000000"/>
+                </a:solidFill>
+                <a:latin typeface="Verdana" panose="020B0604030504040204" pitchFamily="34" charset="0"/>
+              </a:rPr>
+              <a:t>Диаграмма классов</a:t>
+            </a:r>
+            <a:endParaRPr lang="ru-RU" sz="2400" dirty="0"/>
+          </a:p>
+        </p:txBody>
+      </p:sp>
     </p:spTree>
     <p:extLst>
       <p:ext uri="{BB962C8B-B14F-4D97-AF65-F5344CB8AC3E}">
@@ -5349,6 +5555,60 @@
           </a:prstGeom>
         </p:spPr>
       </p:pic>
+      <p:sp>
+        <p:nvSpPr>
+          <p:cNvPr id="4" name="Заголовок 1"/>
+          <p:cNvSpPr txBox="1">
+            <a:spLocks/>
+          </p:cNvSpPr>
+          <p:nvPr/>
+        </p:nvSpPr>
+        <p:spPr>
+          <a:xfrm>
+            <a:off x="200025" y="0"/>
+            <a:ext cx="10477500" cy="1325563"/>
+          </a:xfrm>
+          <a:prstGeom prst="rect">
+            <a:avLst/>
+          </a:prstGeom>
+        </p:spPr>
+        <p:txBody>
+          <a:bodyPr>
+            <a:normAutofit/>
+          </a:bodyPr>
+          <a:lstStyle>
+            <a:lvl1pPr algn="l" defTabSz="914400" rtl="0" eaLnBrk="1" latinLnBrk="0" hangingPunct="1">
+              <a:lnSpc>
+                <a:spcPct val="90000"/>
+              </a:lnSpc>
+              <a:spcBef>
+                <a:spcPct val="0"/>
+              </a:spcBef>
+              <a:buNone/>
+              <a:defRPr sz="4400" kern="1200">
+                <a:solidFill>
+                  <a:schemeClr val="tx1"/>
+                </a:solidFill>
+                <a:latin typeface="+mj-lt"/>
+                <a:ea typeface="+mj-ea"/>
+                <a:cs typeface="+mj-cs"/>
+              </a:defRPr>
+            </a:lvl1pPr>
+          </a:lstStyle>
+          <a:p>
+            <a:r>
+              <a:rPr lang="ru-RU" sz="2400" b="1" dirty="0" smtClean="0">
+                <a:solidFill>
+                  <a:srgbClr val="000000"/>
+                </a:solidFill>
+                <a:latin typeface="Verdana" panose="020B0604030504040204" pitchFamily="34" charset="0"/>
+              </a:rPr>
+              <a:t>Диаграмма классов</a:t>
+            </a:r>
+            <a:endParaRPr lang="ru-RU" sz="2400" dirty="0"/>
+          </a:p>
+        </p:txBody>
+      </p:sp>
     </p:spTree>
     <p:extLst>
       <p:ext uri="{BB962C8B-B14F-4D97-AF65-F5344CB8AC3E}">
@@ -5404,28 +5664,81 @@
       </p:sp>
       <p:pic>
         <p:nvPicPr>
-          <p:cNvPr id="3" name="Рисунок 2"/>
+          <p:cNvPr id="4" name="Рисунок 3"/>
           <p:cNvPicPr>
             <a:picLocks noChangeAspect="1"/>
           </p:cNvPicPr>
           <p:nvPr/>
         </p:nvPicPr>
-        <p:blipFill>
+        <p:blipFill rotWithShape="1">
           <a:blip r:embed="rId2"/>
-          <a:stretch>
-            <a:fillRect/>
-          </a:stretch>
+          <a:srcRect l="47860" t="36704" r="-1" b="1"/>
+          <a:stretch/>
         </p:blipFill>
         <p:spPr>
           <a:xfrm>
-            <a:off x="2057401" y="236904"/>
-            <a:ext cx="8615772" cy="6484571"/>
+            <a:off x="1535488" y="618251"/>
+            <a:ext cx="9184392" cy="6239749"/>
           </a:xfrm>
           <a:prstGeom prst="rect">
             <a:avLst/>
           </a:prstGeom>
         </p:spPr>
       </p:pic>
+      <p:sp>
+        <p:nvSpPr>
+          <p:cNvPr id="5" name="Заголовок 1"/>
+          <p:cNvSpPr txBox="1">
+            <a:spLocks/>
+          </p:cNvSpPr>
+          <p:nvPr/>
+        </p:nvSpPr>
+        <p:spPr>
+          <a:xfrm>
+            <a:off x="200025" y="0"/>
+            <a:ext cx="10477500" cy="1325563"/>
+          </a:xfrm>
+          <a:prstGeom prst="rect">
+            <a:avLst/>
+          </a:prstGeom>
+        </p:spPr>
+        <p:txBody>
+          <a:bodyPr>
+            <a:normAutofit/>
+          </a:bodyPr>
+          <a:lstStyle>
+            <a:lvl1pPr algn="l" defTabSz="914400" rtl="0" eaLnBrk="1" latinLnBrk="0" hangingPunct="1">
+              <a:lnSpc>
+                <a:spcPct val="90000"/>
+              </a:lnSpc>
+              <a:spcBef>
+                <a:spcPct val="0"/>
+              </a:spcBef>
+              <a:buNone/>
+              <a:defRPr sz="4400" kern="1200">
+                <a:solidFill>
+                  <a:schemeClr val="tx1"/>
+                </a:solidFill>
+                <a:latin typeface="+mj-lt"/>
+                <a:ea typeface="+mj-ea"/>
+                <a:cs typeface="+mj-cs"/>
+              </a:defRPr>
+            </a:lvl1pPr>
+          </a:lstStyle>
+          <a:p>
+            <a:r>
+              <a:rPr lang="ru-RU" sz="2400" b="1" dirty="0" smtClean="0">
+                <a:solidFill>
+                  <a:srgbClr val="000000"/>
+                </a:solidFill>
+                <a:latin typeface="Verdana" panose="020B0604030504040204" pitchFamily="34" charset="0"/>
+              </a:rPr>
+              <a:t>Диаграмма классов</a:t>
+            </a:r>
+            <a:endParaRPr lang="ru-RU" sz="2400" dirty="0"/>
+          </a:p>
+        </p:txBody>
+      </p:sp>
     </p:spTree>
     <p:extLst>
       <p:ext uri="{BB962C8B-B14F-4D97-AF65-F5344CB8AC3E}">
@@ -5481,28 +5794,81 @@
       </p:sp>
       <p:pic>
         <p:nvPicPr>
-          <p:cNvPr id="3" name="Рисунок 2"/>
+          <p:cNvPr id="4" name="Рисунок 3"/>
           <p:cNvPicPr>
             <a:picLocks noChangeAspect="1"/>
           </p:cNvPicPr>
           <p:nvPr/>
         </p:nvPicPr>
-        <p:blipFill>
+        <p:blipFill rotWithShape="1">
           <a:blip r:embed="rId2"/>
-          <a:stretch>
-            <a:fillRect/>
-          </a:stretch>
+          <a:srcRect t="51651" r="57180"/>
+          <a:stretch/>
         </p:blipFill>
         <p:spPr>
           <a:xfrm>
-            <a:off x="803853" y="1104901"/>
-            <a:ext cx="10366947" cy="4662950"/>
+            <a:off x="244033" y="622570"/>
+            <a:ext cx="11695317" cy="7390552"/>
           </a:xfrm>
           <a:prstGeom prst="rect">
             <a:avLst/>
           </a:prstGeom>
         </p:spPr>
       </p:pic>
+      <p:sp>
+        <p:nvSpPr>
+          <p:cNvPr id="5" name="Заголовок 1"/>
+          <p:cNvSpPr txBox="1">
+            <a:spLocks/>
+          </p:cNvSpPr>
+          <p:nvPr/>
+        </p:nvSpPr>
+        <p:spPr>
+          <a:xfrm>
+            <a:off x="200025" y="0"/>
+            <a:ext cx="10477500" cy="1325563"/>
+          </a:xfrm>
+          <a:prstGeom prst="rect">
+            <a:avLst/>
+          </a:prstGeom>
+        </p:spPr>
+        <p:txBody>
+          <a:bodyPr>
+            <a:normAutofit/>
+          </a:bodyPr>
+          <a:lstStyle>
+            <a:lvl1pPr algn="l" defTabSz="914400" rtl="0" eaLnBrk="1" latinLnBrk="0" hangingPunct="1">
+              <a:lnSpc>
+                <a:spcPct val="90000"/>
+              </a:lnSpc>
+              <a:spcBef>
+                <a:spcPct val="0"/>
+              </a:spcBef>
+              <a:buNone/>
+              <a:defRPr sz="4400" kern="1200">
+                <a:solidFill>
+                  <a:schemeClr val="tx1"/>
+                </a:solidFill>
+                <a:latin typeface="+mj-lt"/>
+                <a:ea typeface="+mj-ea"/>
+                <a:cs typeface="+mj-cs"/>
+              </a:defRPr>
+            </a:lvl1pPr>
+          </a:lstStyle>
+          <a:p>
+            <a:r>
+              <a:rPr lang="ru-RU" sz="2400" b="1" dirty="0" smtClean="0">
+                <a:solidFill>
+                  <a:srgbClr val="000000"/>
+                </a:solidFill>
+                <a:latin typeface="Verdana" panose="020B0604030504040204" pitchFamily="34" charset="0"/>
+              </a:rPr>
+              <a:t>Диаграмма классов</a:t>
+            </a:r>
+            <a:endParaRPr lang="ru-RU" sz="2400" dirty="0"/>
+          </a:p>
+        </p:txBody>
+      </p:sp>
     </p:spTree>
     <p:extLst>
       <p:ext uri="{BB962C8B-B14F-4D97-AF65-F5344CB8AC3E}">
@@ -5533,59 +5899,107 @@
           <a:chExt cx="0" cy="0"/>
         </a:xfrm>
       </p:grpSpPr>
+      <p:sp>
+        <p:nvSpPr>
+          <p:cNvPr id="7" name="Номер слайда 6"/>
+          <p:cNvSpPr>
+            <a:spLocks noGrp="1"/>
+          </p:cNvSpPr>
+          <p:nvPr>
+            <p:ph type="sldNum" sz="quarter" idx="12"/>
+          </p:nvPr>
+        </p:nvSpPr>
+        <p:spPr/>
+        <p:txBody>
+          <a:bodyPr/>
+          <a:lstStyle/>
+          <a:p>
+            <a:fld id="{1F0A73E7-D28D-4299-9BA6-FD72E53F57ED}" type="slidenum">
+              <a:rPr lang="ru-RU" smtClean="0"/>
+              <a:t>7</a:t>
+            </a:fld>
+            <a:endParaRPr lang="ru-RU"/>
+          </a:p>
+        </p:txBody>
+      </p:sp>
+      <p:sp>
+        <p:nvSpPr>
+          <p:cNvPr id="8" name="Заголовок 1"/>
+          <p:cNvSpPr txBox="1">
+            <a:spLocks/>
+          </p:cNvSpPr>
+          <p:nvPr/>
+        </p:nvSpPr>
+        <p:spPr>
+          <a:xfrm>
+            <a:off x="200025" y="0"/>
+            <a:ext cx="10477500" cy="1325563"/>
+          </a:xfrm>
+          <a:prstGeom prst="rect">
+            <a:avLst/>
+          </a:prstGeom>
+        </p:spPr>
+        <p:txBody>
+          <a:bodyPr>
+            <a:normAutofit/>
+          </a:bodyPr>
+          <a:lstStyle>
+            <a:lvl1pPr algn="l" defTabSz="914400" rtl="0" eaLnBrk="1" latinLnBrk="0" hangingPunct="1">
+              <a:lnSpc>
+                <a:spcPct val="90000"/>
+              </a:lnSpc>
+              <a:spcBef>
+                <a:spcPct val="0"/>
+              </a:spcBef>
+              <a:buNone/>
+              <a:defRPr sz="4400" kern="1200">
+                <a:solidFill>
+                  <a:schemeClr val="tx1"/>
+                </a:solidFill>
+                <a:latin typeface="+mj-lt"/>
+                <a:ea typeface="+mj-ea"/>
+                <a:cs typeface="+mj-cs"/>
+              </a:defRPr>
+            </a:lvl1pPr>
+          </a:lstStyle>
+          <a:p>
+            <a:r>
+              <a:rPr lang="ru-RU" sz="2400" b="1" dirty="0" smtClean="0">
+                <a:solidFill>
+                  <a:srgbClr val="000000"/>
+                </a:solidFill>
+                <a:latin typeface="Verdana" panose="020B0604030504040204" pitchFamily="34" charset="0"/>
+              </a:rPr>
+              <a:t>Диаграмма БД</a:t>
+            </a:r>
+            <a:endParaRPr lang="ru-RU" sz="2400" dirty="0"/>
+          </a:p>
+        </p:txBody>
+      </p:sp>
       <p:pic>
         <p:nvPicPr>
-          <p:cNvPr id="6" name="Рисунок 5"/>
+          <p:cNvPr id="3" name="Рисунок 2"/>
           <p:cNvPicPr>
             <a:picLocks noChangeAspect="1"/>
           </p:cNvPicPr>
           <p:nvPr/>
         </p:nvPicPr>
         <p:blipFill>
-          <a:blip r:embed="rId2">
-            <a:extLst>
-              <a:ext uri="{28A0092B-C50C-407E-A947-70E740481C1C}">
-                <a14:useLocalDpi xmlns:a14="http://schemas.microsoft.com/office/drawing/2010/main" val="0"/>
-              </a:ext>
-            </a:extLst>
-          </a:blip>
+          <a:blip r:embed="rId2"/>
           <a:stretch>
             <a:fillRect/>
           </a:stretch>
         </p:blipFill>
         <p:spPr>
           <a:xfrm>
-            <a:off x="0" y="1065844"/>
-            <a:ext cx="12192000" cy="4726311"/>
+            <a:off x="4762" y="995362"/>
+            <a:ext cx="12182475" cy="4867275"/>
           </a:xfrm>
           <a:prstGeom prst="rect">
             <a:avLst/>
           </a:prstGeom>
         </p:spPr>
       </p:pic>
-      <p:sp>
-        <p:nvSpPr>
-          <p:cNvPr id="7" name="Номер слайда 6"/>
-          <p:cNvSpPr>
-            <a:spLocks noGrp="1"/>
-          </p:cNvSpPr>
-          <p:nvPr>
-            <p:ph type="sldNum" sz="quarter" idx="12"/>
-          </p:nvPr>
-        </p:nvSpPr>
-        <p:spPr/>
-        <p:txBody>
-          <a:bodyPr/>
-          <a:lstStyle/>
-          <a:p>
-            <a:fld id="{1F0A73E7-D28D-4299-9BA6-FD72E53F57ED}" type="slidenum">
-              <a:rPr lang="ru-RU" smtClean="0"/>
-              <a:t>7</a:t>
-            </a:fld>
-            <a:endParaRPr lang="ru-RU"/>
-          </a:p>
-        </p:txBody>
-      </p:sp>
     </p:spTree>
     <p:extLst>
       <p:ext uri="{BB962C8B-B14F-4D97-AF65-F5344CB8AC3E}">
@@ -5674,8 +6088,8 @@
         </p:blipFill>
         <p:spPr>
           <a:xfrm>
-            <a:off x="6024267" y="252363"/>
-            <a:ext cx="5583675" cy="6469112"/>
+            <a:off x="5875507" y="80012"/>
+            <a:ext cx="5732436" cy="6641463"/>
           </a:xfrm>
           <a:prstGeom prst="rect">
             <a:avLst/>
@@ -5775,9 +6189,32 @@
           </a:p>
         </p:txBody>
       </p:sp>
+      <p:sp>
+        <p:nvSpPr>
+          <p:cNvPr id="9" name="Номер слайда 8"/>
+          <p:cNvSpPr>
+            <a:spLocks noGrp="1"/>
+          </p:cNvSpPr>
+          <p:nvPr>
+            <p:ph type="sldNum" sz="quarter" idx="12"/>
+          </p:nvPr>
+        </p:nvSpPr>
+        <p:spPr/>
+        <p:txBody>
+          <a:bodyPr/>
+          <a:lstStyle/>
+          <a:p>
+            <a:fld id="{1F0A73E7-D28D-4299-9BA6-FD72E53F57ED}" type="slidenum">
+              <a:rPr lang="ru-RU" smtClean="0"/>
+              <a:t>9</a:t>
+            </a:fld>
+            <a:endParaRPr lang="ru-RU"/>
+          </a:p>
+        </p:txBody>
+      </p:sp>
       <p:pic>
         <p:nvPicPr>
-          <p:cNvPr id="8" name="Рисунок 7"/>
+          <p:cNvPr id="2" name="Рисунок 1"/>
           <p:cNvPicPr>
             <a:picLocks noChangeAspect="1"/>
           </p:cNvPicPr>
@@ -5791,37 +6228,14 @@
         </p:blipFill>
         <p:spPr>
           <a:xfrm>
-            <a:off x="389123" y="804073"/>
-            <a:ext cx="11331472" cy="5471598"/>
+            <a:off x="1895475" y="416608"/>
+            <a:ext cx="8166075" cy="6304867"/>
           </a:xfrm>
           <a:prstGeom prst="rect">
             <a:avLst/>
           </a:prstGeom>
         </p:spPr>
       </p:pic>
-      <p:sp>
-        <p:nvSpPr>
-          <p:cNvPr id="9" name="Номер слайда 8"/>
-          <p:cNvSpPr>
-            <a:spLocks noGrp="1"/>
-          </p:cNvSpPr>
-          <p:nvPr>
-            <p:ph type="sldNum" sz="quarter" idx="12"/>
-          </p:nvPr>
-        </p:nvSpPr>
-        <p:spPr/>
-        <p:txBody>
-          <a:bodyPr/>
-          <a:lstStyle/>
-          <a:p>
-            <a:fld id="{1F0A73E7-D28D-4299-9BA6-FD72E53F57ED}" type="slidenum">
-              <a:rPr lang="ru-RU" smtClean="0"/>
-              <a:t>9</a:t>
-            </a:fld>
-            <a:endParaRPr lang="ru-RU"/>
-          </a:p>
-        </p:txBody>
-      </p:sp>
     </p:spTree>
     <p:extLst>
       <p:ext uri="{BB962C8B-B14F-4D97-AF65-F5344CB8AC3E}">

--- a/ПРИ115-РПС-КП_03.pptx
+++ b/ПРИ115-РПС-КП_03.pptx
@@ -216,7 +216,7 @@
           <a:p>
             <a:fld id="{C71DBBF6-6254-4642-B767-D9A3061A91A5}" type="datetimeFigureOut">
               <a:rPr lang="ru-RU" smtClean="0"/>
-              <a:t>10.02.2018</a:t>
+              <a:t>12.02.2018</a:t>
             </a:fld>
             <a:endParaRPr lang="ru-RU"/>
           </a:p>
@@ -699,7 +699,7 @@
           <a:p>
             <a:fld id="{4C8250DA-7E40-49FF-B948-D72DB3FEE17C}" type="datetime1">
               <a:rPr lang="ru-RU" smtClean="0"/>
-              <a:t>10.02.2018</a:t>
+              <a:t>12.02.2018</a:t>
             </a:fld>
             <a:endParaRPr lang="ru-RU"/>
           </a:p>
@@ -869,7 +869,7 @@
           <a:p>
             <a:fld id="{E806397E-734D-4271-B3C7-B5AE8CC20643}" type="datetime1">
               <a:rPr lang="ru-RU" smtClean="0"/>
-              <a:t>10.02.2018</a:t>
+              <a:t>12.02.2018</a:t>
             </a:fld>
             <a:endParaRPr lang="ru-RU"/>
           </a:p>
@@ -1049,7 +1049,7 @@
           <a:p>
             <a:fld id="{DDC93129-3A8D-419F-9D02-85B0E173B5D4}" type="datetime1">
               <a:rPr lang="ru-RU" smtClean="0"/>
-              <a:t>10.02.2018</a:t>
+              <a:t>12.02.2018</a:t>
             </a:fld>
             <a:endParaRPr lang="ru-RU"/>
           </a:p>
@@ -1219,7 +1219,7 @@
           <a:p>
             <a:fld id="{3691798D-5CC2-443C-B2E4-AC303640E9DB}" type="datetime1">
               <a:rPr lang="ru-RU" smtClean="0"/>
-              <a:t>10.02.2018</a:t>
+              <a:t>12.02.2018</a:t>
             </a:fld>
             <a:endParaRPr lang="ru-RU"/>
           </a:p>
@@ -1465,7 +1465,7 @@
           <a:p>
             <a:fld id="{014898AD-2E09-46C9-AEA0-1459A9929F70}" type="datetime1">
               <a:rPr lang="ru-RU" smtClean="0"/>
-              <a:t>10.02.2018</a:t>
+              <a:t>12.02.2018</a:t>
             </a:fld>
             <a:endParaRPr lang="ru-RU"/>
           </a:p>
@@ -1697,7 +1697,7 @@
           <a:p>
             <a:fld id="{97D0E5F6-A9CF-403A-B2CB-A5245FBC6114}" type="datetime1">
               <a:rPr lang="ru-RU" smtClean="0"/>
-              <a:t>10.02.2018</a:t>
+              <a:t>12.02.2018</a:t>
             </a:fld>
             <a:endParaRPr lang="ru-RU"/>
           </a:p>
@@ -2064,7 +2064,7 @@
           <a:p>
             <a:fld id="{2F3CCD84-59D7-4EBF-8D67-0096F38EC6A0}" type="datetime1">
               <a:rPr lang="ru-RU" smtClean="0"/>
-              <a:t>10.02.2018</a:t>
+              <a:t>12.02.2018</a:t>
             </a:fld>
             <a:endParaRPr lang="ru-RU"/>
           </a:p>
@@ -2182,7 +2182,7 @@
           <a:p>
             <a:fld id="{24FB419C-555D-4776-9914-C0E2BE32D0D3}" type="datetime1">
               <a:rPr lang="ru-RU" smtClean="0"/>
-              <a:t>10.02.2018</a:t>
+              <a:t>12.02.2018</a:t>
             </a:fld>
             <a:endParaRPr lang="ru-RU"/>
           </a:p>
@@ -2277,7 +2277,7 @@
           <a:p>
             <a:fld id="{BF14ABA8-3EF1-48FE-8051-2EA5A97E6791}" type="datetime1">
               <a:rPr lang="ru-RU" smtClean="0"/>
-              <a:t>10.02.2018</a:t>
+              <a:t>12.02.2018</a:t>
             </a:fld>
             <a:endParaRPr lang="ru-RU"/>
           </a:p>
@@ -2554,7 +2554,7 @@
           <a:p>
             <a:fld id="{8C2BEA58-CBF2-4E81-B2C8-C466CCBA0588}" type="datetime1">
               <a:rPr lang="ru-RU" smtClean="0"/>
-              <a:t>10.02.2018</a:t>
+              <a:t>12.02.2018</a:t>
             </a:fld>
             <a:endParaRPr lang="ru-RU"/>
           </a:p>
@@ -2807,7 +2807,7 @@
           <a:p>
             <a:fld id="{801534E6-1148-4821-AEBF-378E76902D1F}" type="datetime1">
               <a:rPr lang="ru-RU" smtClean="0"/>
-              <a:t>10.02.2018</a:t>
+              <a:t>12.02.2018</a:t>
             </a:fld>
             <a:endParaRPr lang="ru-RU"/>
           </a:p>
@@ -3020,7 +3020,7 @@
           <a:p>
             <a:fld id="{8267556D-928A-405D-8213-123659AFD8C6}" type="datetime1">
               <a:rPr lang="ru-RU" smtClean="0"/>
-              <a:t>10.02.2018</a:t>
+              <a:t>12.02.2018</a:t>
             </a:fld>
             <a:endParaRPr lang="ru-RU"/>
           </a:p>
@@ -4295,7 +4295,7 @@
             <a:r>
               <a:rPr lang="ru-RU" sz="2400" b="1" dirty="0">
                 <a:solidFill>
-                  <a:srgbClr val="000000"/>
+                  <a:srgbClr val="FF0000"/>
                 </a:solidFill>
                 <a:latin typeface="Verdana" panose="020B0604030504040204" pitchFamily="34" charset="0"/>
               </a:rPr>

--- a/ПРИ115-РПС-КП_03.pptx
+++ b/ПРИ115-РПС-КП_03.pptx
@@ -3902,14 +3902,14 @@
         <p:spPr>
           <a:xfrm>
             <a:off x="198885" y="103200"/>
-            <a:ext cx="7513595" cy="461665"/>
+            <a:ext cx="4296915" cy="830997"/>
           </a:xfrm>
           <a:prstGeom prst="rect">
             <a:avLst/>
           </a:prstGeom>
         </p:spPr>
         <p:txBody>
-          <a:bodyPr wrap="none">
+          <a:bodyPr wrap="square">
             <a:spAutoFit/>
           </a:bodyPr>
           <a:lstStyle/>
@@ -3949,6 +3949,30 @@
           </a:p>
         </p:txBody>
       </p:sp>
+      <p:pic>
+        <p:nvPicPr>
+          <p:cNvPr id="3" name="Рисунок 2"/>
+          <p:cNvPicPr>
+            <a:picLocks noChangeAspect="1"/>
+          </p:cNvPicPr>
+          <p:nvPr/>
+        </p:nvPicPr>
+        <p:blipFill>
+          <a:blip r:embed="rId2"/>
+          <a:stretch>
+            <a:fillRect/>
+          </a:stretch>
+        </p:blipFill>
+        <p:spPr>
+          <a:xfrm>
+            <a:off x="4419601" y="0"/>
+            <a:ext cx="7656956" cy="6813377"/>
+          </a:xfrm>
+          <a:prstGeom prst="rect">
+            <a:avLst/>
+          </a:prstGeom>
+        </p:spPr>
+      </p:pic>
     </p:spTree>
     <p:extLst>
       <p:ext uri="{BB962C8B-B14F-4D97-AF65-F5344CB8AC3E}">
@@ -4187,9 +4211,32 @@
           </a:p>
         </p:txBody>
       </p:sp>
+      <p:sp>
+        <p:nvSpPr>
+          <p:cNvPr id="6" name="Номер слайда 5"/>
+          <p:cNvSpPr>
+            <a:spLocks noGrp="1"/>
+          </p:cNvSpPr>
+          <p:nvPr>
+            <p:ph type="sldNum" sz="quarter" idx="12"/>
+          </p:nvPr>
+        </p:nvSpPr>
+        <p:spPr/>
+        <p:txBody>
+          <a:bodyPr/>
+          <a:lstStyle/>
+          <a:p>
+            <a:fld id="{1F0A73E7-D28D-4299-9BA6-FD72E53F57ED}" type="slidenum">
+              <a:rPr lang="ru-RU" smtClean="0"/>
+              <a:t>13</a:t>
+            </a:fld>
+            <a:endParaRPr lang="ru-RU"/>
+          </a:p>
+        </p:txBody>
+      </p:sp>
       <p:pic>
         <p:nvPicPr>
-          <p:cNvPr id="5" name="Рисунок 4"/>
+          <p:cNvPr id="2" name="Рисунок 1"/>
           <p:cNvPicPr>
             <a:picLocks noChangeAspect="1"/>
           </p:cNvPicPr>
@@ -4203,37 +4250,14 @@
         </p:blipFill>
         <p:spPr>
           <a:xfrm>
-            <a:off x="2102766" y="569854"/>
-            <a:ext cx="6921643" cy="5969058"/>
+            <a:off x="2357399" y="1907299"/>
+            <a:ext cx="8249848" cy="3855325"/>
           </a:xfrm>
           <a:prstGeom prst="rect">
             <a:avLst/>
           </a:prstGeom>
         </p:spPr>
       </p:pic>
-      <p:sp>
-        <p:nvSpPr>
-          <p:cNvPr id="6" name="Номер слайда 5"/>
-          <p:cNvSpPr>
-            <a:spLocks noGrp="1"/>
-          </p:cNvSpPr>
-          <p:nvPr>
-            <p:ph type="sldNum" sz="quarter" idx="12"/>
-          </p:nvPr>
-        </p:nvSpPr>
-        <p:spPr/>
-        <p:txBody>
-          <a:bodyPr/>
-          <a:lstStyle/>
-          <a:p>
-            <a:fld id="{1F0A73E7-D28D-4299-9BA6-FD72E53F57ED}" type="slidenum">
-              <a:rPr lang="ru-RU" smtClean="0"/>
-              <a:t>13</a:t>
-            </a:fld>
-            <a:endParaRPr lang="ru-RU"/>
-          </a:p>
-        </p:txBody>
-      </p:sp>
     </p:spTree>
     <p:extLst>
       <p:ext uri="{BB962C8B-B14F-4D97-AF65-F5344CB8AC3E}">
@@ -4329,7 +4353,7 @@
       </p:sp>
       <p:pic>
         <p:nvPicPr>
-          <p:cNvPr id="4" name="Рисунок 3"/>
+          <p:cNvPr id="2" name="Рисунок 1"/>
           <p:cNvPicPr>
             <a:picLocks noChangeAspect="1"/>
           </p:cNvPicPr>
@@ -4343,8 +4367,8 @@
         </p:blipFill>
         <p:spPr>
           <a:xfrm>
-            <a:off x="364949" y="1356797"/>
-            <a:ext cx="11641585" cy="3434277"/>
+            <a:off x="745949" y="708699"/>
+            <a:ext cx="10607851" cy="5940657"/>
           </a:xfrm>
           <a:prstGeom prst="rect">
             <a:avLst/>
@@ -4396,15 +4420,15 @@
         </p:nvSpPr>
         <p:spPr>
           <a:xfrm>
-            <a:off x="2507343" y="0"/>
-            <a:ext cx="7146508" cy="461665"/>
+            <a:off x="2804849" y="85725"/>
+            <a:ext cx="7177351" cy="461665"/>
           </a:xfrm>
           <a:prstGeom prst="rect">
             <a:avLst/>
           </a:prstGeom>
         </p:spPr>
         <p:txBody>
-          <a:bodyPr wrap="none">
+          <a:bodyPr wrap="square">
             <a:spAutoFit/>
           </a:bodyPr>
           <a:lstStyle/>
@@ -4528,30 +4552,6 @@
           </a:p>
         </p:txBody>
       </p:sp>
-      <p:pic>
-        <p:nvPicPr>
-          <p:cNvPr id="2" name="Рисунок 1"/>
-          <p:cNvPicPr>
-            <a:picLocks noChangeAspect="1"/>
-          </p:cNvPicPr>
-          <p:nvPr/>
-        </p:nvPicPr>
-        <p:blipFill>
-          <a:blip r:embed="rId2"/>
-          <a:stretch>
-            <a:fillRect/>
-          </a:stretch>
-        </p:blipFill>
-        <p:spPr>
-          <a:xfrm>
-            <a:off x="4671299" y="268841"/>
-            <a:ext cx="7520701" cy="6452634"/>
-          </a:xfrm>
-          <a:prstGeom prst="rect">
-            <a:avLst/>
-          </a:prstGeom>
-        </p:spPr>
-      </p:pic>
       <p:sp>
         <p:nvSpPr>
           <p:cNvPr id="5" name="Прямоугольник 4"/>

--- a/ПРИ115-РПС-КП_03.pptx
+++ b/ПРИ115-РПС-КП_03.pptx
@@ -4202,7 +4202,10 @@
             <a:r>
               <a:rPr lang="ru-RU" sz="2400" b="1" dirty="0">
                 <a:solidFill>
-                  <a:srgbClr val="FF0000"/>
+                  <a:schemeClr val="tx1">
+                    <a:lumMod val="95000"/>
+                    <a:lumOff val="5000"/>
+                  </a:schemeClr>
                 </a:solidFill>
                 <a:latin typeface="Verdana" panose="020B0604030504040204" pitchFamily="34" charset="0"/>
               </a:rPr>
@@ -4250,8 +4253,8 @@
         </p:blipFill>
         <p:spPr>
           <a:xfrm>
-            <a:off x="2357399" y="1907299"/>
-            <a:ext cx="8249848" cy="3855325"/>
+            <a:off x="1014373" y="1038226"/>
+            <a:ext cx="10089161" cy="4714874"/>
           </a:xfrm>
           <a:prstGeom prst="rect">
             <a:avLst/>
@@ -4319,7 +4322,10 @@
             <a:r>
               <a:rPr lang="ru-RU" sz="2400" b="1" dirty="0">
                 <a:solidFill>
-                  <a:srgbClr val="FF0000"/>
+                  <a:schemeClr val="tx1">
+                    <a:lumMod val="95000"/>
+                    <a:lumOff val="5000"/>
+                  </a:schemeClr>
                 </a:solidFill>
                 <a:latin typeface="Verdana" panose="020B0604030504040204" pitchFamily="34" charset="0"/>
               </a:rPr>
@@ -4353,7 +4359,7 @@
       </p:sp>
       <p:pic>
         <p:nvPicPr>
-          <p:cNvPr id="2" name="Рисунок 1"/>
+          <p:cNvPr id="3" name="Рисунок 2"/>
           <p:cNvPicPr>
             <a:picLocks noChangeAspect="1"/>
           </p:cNvPicPr>
@@ -4367,8 +4373,8 @@
         </p:blipFill>
         <p:spPr>
           <a:xfrm>
-            <a:off x="745949" y="708699"/>
-            <a:ext cx="10607851" cy="5940657"/>
+            <a:off x="1614299" y="684233"/>
+            <a:ext cx="8748901" cy="6037242"/>
           </a:xfrm>
           <a:prstGeom prst="rect">
             <a:avLst/>
@@ -4436,7 +4442,10 @@
             <a:r>
               <a:rPr lang="ru-RU" sz="2400" b="1" dirty="0">
                 <a:solidFill>
-                  <a:srgbClr val="FF0000"/>
+                  <a:schemeClr val="tx1">
+                    <a:lumMod val="95000"/>
+                    <a:lumOff val="5000"/>
+                  </a:schemeClr>
                 </a:solidFill>
                 <a:latin typeface="Verdana" panose="020B0604030504040204" pitchFamily="34" charset="0"/>
               </a:rPr>
@@ -4560,15 +4569,15 @@
         </p:nvSpPr>
         <p:spPr>
           <a:xfrm>
-            <a:off x="166083" y="137067"/>
-            <a:ext cx="7146508" cy="830997"/>
+            <a:off x="166082" y="137067"/>
+            <a:ext cx="11625867" cy="461665"/>
           </a:xfrm>
           <a:prstGeom prst="rect">
             <a:avLst/>
           </a:prstGeom>
         </p:spPr>
         <p:txBody>
-          <a:bodyPr wrap="none">
+          <a:bodyPr wrap="square">
             <a:spAutoFit/>
           </a:bodyPr>
           <a:lstStyle/>
@@ -4576,7 +4585,10 @@
             <a:r>
               <a:rPr lang="ru-RU" sz="2400" b="1" dirty="0">
                 <a:solidFill>
-                  <a:srgbClr val="FF0000"/>
+                  <a:schemeClr val="tx1">
+                    <a:lumMod val="95000"/>
+                    <a:lumOff val="5000"/>
+                  </a:schemeClr>
                 </a:solidFill>
                 <a:latin typeface="Verdana" panose="020B0604030504040204" pitchFamily="34" charset="0"/>
               </a:rPr>
@@ -4585,32 +4597,87 @@
             <a:r>
               <a:rPr lang="ru-RU" sz="2400" b="1" dirty="0" smtClean="0">
                 <a:solidFill>
-                  <a:srgbClr val="FF0000"/>
+                  <a:schemeClr val="tx1">
+                    <a:lumMod val="95000"/>
+                    <a:lumOff val="5000"/>
+                  </a:schemeClr>
                 </a:solidFill>
                 <a:latin typeface="Verdana" panose="020B0604030504040204" pitchFamily="34" charset="0"/>
               </a:rPr>
               <a:t>операций</a:t>
             </a:r>
-          </a:p>
-          <a:p>
-            <a:r>
-              <a:rPr lang="ru-RU" sz="2400" b="1" dirty="0" smtClean="0">
+            <a:r>
+              <a:rPr lang="en-US" sz="2400" b="1" dirty="0" smtClean="0">
                 <a:solidFill>
-                  <a:srgbClr val="FF0000"/>
+                  <a:schemeClr val="tx1">
+                    <a:lumMod val="95000"/>
+                    <a:lumOff val="5000"/>
+                  </a:schemeClr>
                 </a:solidFill>
                 <a:latin typeface="Verdana" panose="020B0604030504040204" pitchFamily="34" charset="0"/>
               </a:rPr>
-              <a:t>(продолжение)</a:t>
+              <a:t> </a:t>
+            </a:r>
+            <a:r>
+              <a:rPr lang="ru-RU" sz="2400" b="1" dirty="0" smtClean="0">
+                <a:solidFill>
+                  <a:schemeClr val="tx1">
+                    <a:lumMod val="95000"/>
+                    <a:lumOff val="5000"/>
+                  </a:schemeClr>
+                </a:solidFill>
+                <a:latin typeface="Verdana" panose="020B0604030504040204" pitchFamily="34" charset="0"/>
+              </a:rPr>
+              <a:t>(продолжение</a:t>
+            </a:r>
+            <a:r>
+              <a:rPr lang="ru-RU" sz="2400" b="1" dirty="0" smtClean="0">
+                <a:solidFill>
+                  <a:schemeClr val="tx1">
+                    <a:lumMod val="95000"/>
+                    <a:lumOff val="5000"/>
+                  </a:schemeClr>
+                </a:solidFill>
+                <a:latin typeface="Verdana" panose="020B0604030504040204" pitchFamily="34" charset="0"/>
+              </a:rPr>
+              <a:t>)</a:t>
             </a:r>
             <a:endParaRPr lang="ru-RU" sz="2400" b="1" dirty="0">
               <a:solidFill>
-                <a:srgbClr val="FF0000"/>
+                <a:schemeClr val="tx1">
+                  <a:lumMod val="95000"/>
+                  <a:lumOff val="5000"/>
+                </a:schemeClr>
               </a:solidFill>
               <a:latin typeface="Verdana" panose="020B0604030504040204" pitchFamily="34" charset="0"/>
             </a:endParaRPr>
           </a:p>
         </p:txBody>
       </p:sp>
+      <p:pic>
+        <p:nvPicPr>
+          <p:cNvPr id="2" name="Рисунок 1"/>
+          <p:cNvPicPr>
+            <a:picLocks noChangeAspect="1"/>
+          </p:cNvPicPr>
+          <p:nvPr/>
+        </p:nvPicPr>
+        <p:blipFill>
+          <a:blip r:embed="rId2"/>
+          <a:stretch>
+            <a:fillRect/>
+          </a:stretch>
+        </p:blipFill>
+        <p:spPr>
+          <a:xfrm>
+            <a:off x="419100" y="726596"/>
+            <a:ext cx="10934700" cy="5994879"/>
+          </a:xfrm>
+          <a:prstGeom prst="rect">
+            <a:avLst/>
+          </a:prstGeom>
+        </p:spPr>
+      </p:pic>
     </p:spTree>
     <p:extLst>
       <p:ext uri="{BB962C8B-B14F-4D97-AF65-F5344CB8AC3E}">

--- a/ПРИ115-РПС-КП_03.pptx
+++ b/ПРИ115-РПС-КП_03.pptx
@@ -5,7 +5,7 @@
     <p:sldMasterId id="2147483648" r:id="rId1"/>
   </p:sldMasterIdLst>
   <p:notesMasterIdLst>
-    <p:notesMasterId r:id="rId22"/>
+    <p:notesMasterId r:id="rId23"/>
   </p:notesMasterIdLst>
   <p:sldIdLst>
     <p:sldId id="256" r:id="rId2"/>
@@ -25,9 +25,10 @@
     <p:sldId id="263" r:id="rId16"/>
     <p:sldId id="273" r:id="rId17"/>
     <p:sldId id="266" r:id="rId18"/>
-    <p:sldId id="277" r:id="rId19"/>
-    <p:sldId id="272" r:id="rId20"/>
-    <p:sldId id="268" r:id="rId21"/>
+    <p:sldId id="278" r:id="rId19"/>
+    <p:sldId id="277" r:id="rId20"/>
+    <p:sldId id="272" r:id="rId21"/>
+    <p:sldId id="268" r:id="rId22"/>
   </p:sldIdLst>
   <p:sldSz cx="12192000" cy="6858000"/>
   <p:notesSz cx="6858000" cy="9144000"/>
@@ -216,7 +217,7 @@
           <a:p>
             <a:fld id="{C71DBBF6-6254-4642-B767-D9A3061A91A5}" type="datetimeFigureOut">
               <a:rPr lang="ru-RU" smtClean="0"/>
-              <a:t>12.02.2018</a:t>
+              <a:t>13.02.2018</a:t>
             </a:fld>
             <a:endParaRPr lang="ru-RU"/>
           </a:p>
@@ -549,7 +550,7 @@
           <a:p>
             <a:fld id="{8AA3D287-24DE-4FAE-8D47-B8B737F3E13A}" type="slidenum">
               <a:rPr lang="ru-RU" smtClean="0"/>
-              <a:t>19</a:t>
+              <a:t>20</a:t>
             </a:fld>
             <a:endParaRPr lang="ru-RU"/>
           </a:p>
@@ -699,7 +700,7 @@
           <a:p>
             <a:fld id="{4C8250DA-7E40-49FF-B948-D72DB3FEE17C}" type="datetime1">
               <a:rPr lang="ru-RU" smtClean="0"/>
-              <a:t>12.02.2018</a:t>
+              <a:t>13.02.2018</a:t>
             </a:fld>
             <a:endParaRPr lang="ru-RU"/>
           </a:p>
@@ -869,7 +870,7 @@
           <a:p>
             <a:fld id="{E806397E-734D-4271-B3C7-B5AE8CC20643}" type="datetime1">
               <a:rPr lang="ru-RU" smtClean="0"/>
-              <a:t>12.02.2018</a:t>
+              <a:t>13.02.2018</a:t>
             </a:fld>
             <a:endParaRPr lang="ru-RU"/>
           </a:p>
@@ -1049,7 +1050,7 @@
           <a:p>
             <a:fld id="{DDC93129-3A8D-419F-9D02-85B0E173B5D4}" type="datetime1">
               <a:rPr lang="ru-RU" smtClean="0"/>
-              <a:t>12.02.2018</a:t>
+              <a:t>13.02.2018</a:t>
             </a:fld>
             <a:endParaRPr lang="ru-RU"/>
           </a:p>
@@ -1219,7 +1220,7 @@
           <a:p>
             <a:fld id="{3691798D-5CC2-443C-B2E4-AC303640E9DB}" type="datetime1">
               <a:rPr lang="ru-RU" smtClean="0"/>
-              <a:t>12.02.2018</a:t>
+              <a:t>13.02.2018</a:t>
             </a:fld>
             <a:endParaRPr lang="ru-RU"/>
           </a:p>
@@ -1465,7 +1466,7 @@
           <a:p>
             <a:fld id="{014898AD-2E09-46C9-AEA0-1459A9929F70}" type="datetime1">
               <a:rPr lang="ru-RU" smtClean="0"/>
-              <a:t>12.02.2018</a:t>
+              <a:t>13.02.2018</a:t>
             </a:fld>
             <a:endParaRPr lang="ru-RU"/>
           </a:p>
@@ -1697,7 +1698,7 @@
           <a:p>
             <a:fld id="{97D0E5F6-A9CF-403A-B2CB-A5245FBC6114}" type="datetime1">
               <a:rPr lang="ru-RU" smtClean="0"/>
-              <a:t>12.02.2018</a:t>
+              <a:t>13.02.2018</a:t>
             </a:fld>
             <a:endParaRPr lang="ru-RU"/>
           </a:p>
@@ -2064,7 +2065,7 @@
           <a:p>
             <a:fld id="{2F3CCD84-59D7-4EBF-8D67-0096F38EC6A0}" type="datetime1">
               <a:rPr lang="ru-RU" smtClean="0"/>
-              <a:t>12.02.2018</a:t>
+              <a:t>13.02.2018</a:t>
             </a:fld>
             <a:endParaRPr lang="ru-RU"/>
           </a:p>
@@ -2182,7 +2183,7 @@
           <a:p>
             <a:fld id="{24FB419C-555D-4776-9914-C0E2BE32D0D3}" type="datetime1">
               <a:rPr lang="ru-RU" smtClean="0"/>
-              <a:t>12.02.2018</a:t>
+              <a:t>13.02.2018</a:t>
             </a:fld>
             <a:endParaRPr lang="ru-RU"/>
           </a:p>
@@ -2277,7 +2278,7 @@
           <a:p>
             <a:fld id="{BF14ABA8-3EF1-48FE-8051-2EA5A97E6791}" type="datetime1">
               <a:rPr lang="ru-RU" smtClean="0"/>
-              <a:t>12.02.2018</a:t>
+              <a:t>13.02.2018</a:t>
             </a:fld>
             <a:endParaRPr lang="ru-RU"/>
           </a:p>
@@ -2554,7 +2555,7 @@
           <a:p>
             <a:fld id="{8C2BEA58-CBF2-4E81-B2C8-C466CCBA0588}" type="datetime1">
               <a:rPr lang="ru-RU" smtClean="0"/>
-              <a:t>12.02.2018</a:t>
+              <a:t>13.02.2018</a:t>
             </a:fld>
             <a:endParaRPr lang="ru-RU"/>
           </a:p>
@@ -2807,7 +2808,7 @@
           <a:p>
             <a:fld id="{801534E6-1148-4821-AEBF-378E76902D1F}" type="datetime1">
               <a:rPr lang="ru-RU" smtClean="0"/>
-              <a:t>12.02.2018</a:t>
+              <a:t>13.02.2018</a:t>
             </a:fld>
             <a:endParaRPr lang="ru-RU"/>
           </a:p>
@@ -3020,7 +3021,7 @@
           <a:p>
             <a:fld id="{8267556D-928A-405D-8213-123659AFD8C6}" type="datetime1">
               <a:rPr lang="ru-RU" smtClean="0"/>
-              <a:t>12.02.2018</a:t>
+              <a:t>13.02.2018</a:t>
             </a:fld>
             <a:endParaRPr lang="ru-RU"/>
           </a:p>
@@ -4628,19 +4629,7 @@
                 </a:solidFill>
                 <a:latin typeface="Verdana" panose="020B0604030504040204" pitchFamily="34" charset="0"/>
               </a:rPr>
-              <a:t>(продолжение</a:t>
-            </a:r>
-            <a:r>
-              <a:rPr lang="ru-RU" sz="2400" b="1" dirty="0" smtClean="0">
-                <a:solidFill>
-                  <a:schemeClr val="tx1">
-                    <a:lumMod val="95000"/>
-                    <a:lumOff val="5000"/>
-                  </a:schemeClr>
-                </a:solidFill>
-                <a:latin typeface="Verdana" panose="020B0604030504040204" pitchFamily="34" charset="0"/>
-              </a:rPr>
-              <a:t>)</a:t>
+              <a:t>(продолжение)</a:t>
             </a:r>
             <a:endParaRPr lang="ru-RU" sz="2400" b="1" dirty="0">
               <a:solidFill>
@@ -4724,7 +4713,7 @@
         <p:spPr>
           <a:xfrm>
             <a:off x="338623" y="111668"/>
-            <a:ext cx="11381642" cy="461665"/>
+            <a:ext cx="9512540" cy="461665"/>
           </a:xfrm>
           <a:prstGeom prst="rect">
             <a:avLst/>
@@ -4746,40 +4735,7 @@
               <a:rPr lang="ru-RU" sz="2400" b="1" dirty="0" smtClean="0">
                 <a:latin typeface="Verdana" panose="020B0604030504040204" pitchFamily="34" charset="0"/>
               </a:rPr>
-              <a:t>последовательностей</a:t>
-            </a:r>
-            <a:r>
-              <a:rPr lang="en-US" sz="2400" b="1" dirty="0" smtClean="0">
-                <a:latin typeface="Verdana" panose="020B0604030504040204" pitchFamily="34" charset="0"/>
-              </a:rPr>
-              <a:t> </a:t>
-            </a:r>
-            <a:r>
-              <a:rPr lang="en-US" sz="2400" b="1" dirty="0" smtClean="0">
-                <a:solidFill>
-                  <a:srgbClr val="FF0000"/>
-                </a:solidFill>
-                <a:latin typeface="Verdana" panose="020B0604030504040204" pitchFamily="34" charset="0"/>
-              </a:rPr>
-              <a:t>(</a:t>
-            </a:r>
-            <a:r>
-              <a:rPr lang="ru-RU" sz="2400" b="1" dirty="0" smtClean="0">
-                <a:solidFill>
-                  <a:srgbClr val="FF0000"/>
-                </a:solidFill>
-                <a:latin typeface="Verdana" panose="020B0604030504040204" pitchFamily="34" charset="0"/>
-              </a:rPr>
-              <a:t>возможно разделить стоит</a:t>
-            </a:r>
-            <a:r>
-              <a:rPr lang="en-US" sz="2400" b="1" dirty="0" smtClean="0">
-                <a:solidFill>
-                  <a:srgbClr val="FF0000"/>
-                </a:solidFill>
-                <a:latin typeface="Verdana" panose="020B0604030504040204" pitchFamily="34" charset="0"/>
-              </a:rPr>
-              <a:t>)</a:t>
+              <a:t>последовательностей. Добавление цели</a:t>
             </a:r>
             <a:endParaRPr lang="ru-RU" sz="2400" b="1" dirty="0">
               <a:solidFill>
@@ -4790,9 +4746,32 @@
           </a:p>
         </p:txBody>
       </p:sp>
+      <p:sp>
+        <p:nvSpPr>
+          <p:cNvPr id="8" name="Номер слайда 7"/>
+          <p:cNvSpPr>
+            <a:spLocks noGrp="1"/>
+          </p:cNvSpPr>
+          <p:nvPr>
+            <p:ph type="sldNum" sz="quarter" idx="12"/>
+          </p:nvPr>
+        </p:nvSpPr>
+        <p:spPr/>
+        <p:txBody>
+          <a:bodyPr/>
+          <a:lstStyle/>
+          <a:p>
+            <a:fld id="{1F0A73E7-D28D-4299-9BA6-FD72E53F57ED}" type="slidenum">
+              <a:rPr lang="ru-RU" smtClean="0"/>
+              <a:t>17</a:t>
+            </a:fld>
+            <a:endParaRPr lang="ru-RU"/>
+          </a:p>
+        </p:txBody>
+      </p:sp>
       <p:pic>
         <p:nvPicPr>
-          <p:cNvPr id="7" name="Рисунок 6"/>
+          <p:cNvPr id="2" name="Рисунок 1"/>
           <p:cNvPicPr>
             <a:picLocks noChangeAspect="1"/>
           </p:cNvPicPr>
@@ -4806,37 +4785,14 @@
         </p:blipFill>
         <p:spPr>
           <a:xfrm>
-            <a:off x="338623" y="776016"/>
-            <a:ext cx="11678241" cy="5672909"/>
+            <a:off x="1147799" y="627974"/>
+            <a:ext cx="9039997" cy="6264529"/>
           </a:xfrm>
           <a:prstGeom prst="rect">
             <a:avLst/>
           </a:prstGeom>
         </p:spPr>
       </p:pic>
-      <p:sp>
-        <p:nvSpPr>
-          <p:cNvPr id="8" name="Номер слайда 7"/>
-          <p:cNvSpPr>
-            <a:spLocks noGrp="1"/>
-          </p:cNvSpPr>
-          <p:nvPr>
-            <p:ph type="sldNum" sz="quarter" idx="12"/>
-          </p:nvPr>
-        </p:nvSpPr>
-        <p:spPr/>
-        <p:txBody>
-          <a:bodyPr/>
-          <a:lstStyle/>
-          <a:p>
-            <a:fld id="{1F0A73E7-D28D-4299-9BA6-FD72E53F57ED}" type="slidenum">
-              <a:rPr lang="ru-RU" smtClean="0"/>
-              <a:t>17</a:t>
-            </a:fld>
-            <a:endParaRPr lang="ru-RU"/>
-          </a:p>
-        </p:txBody>
-      </p:sp>
     </p:spTree>
     <p:extLst>
       <p:ext uri="{BB962C8B-B14F-4D97-AF65-F5344CB8AC3E}">
@@ -4876,7 +4832,7 @@
       </p:grpSpPr>
       <p:sp>
         <p:nvSpPr>
-          <p:cNvPr id="3" name="Номер слайда 2"/>
+          <p:cNvPr id="2" name="Номер слайда 1"/>
           <p:cNvSpPr>
             <a:spLocks noGrp="1"/>
           </p:cNvSpPr>
@@ -4899,21 +4855,21 @@
       </p:sp>
       <p:sp>
         <p:nvSpPr>
-          <p:cNvPr id="5" name="Прямоугольник 4"/>
+          <p:cNvPr id="3" name="Прямоугольник 2"/>
           <p:cNvSpPr/>
           <p:nvPr/>
         </p:nvSpPr>
         <p:spPr>
           <a:xfrm>
-            <a:off x="338623" y="111668"/>
-            <a:ext cx="8545929" cy="461665"/>
+            <a:off x="304799" y="172854"/>
+            <a:ext cx="9365412" cy="461665"/>
           </a:xfrm>
           <a:prstGeom prst="rect">
             <a:avLst/>
           </a:prstGeom>
         </p:spPr>
         <p:txBody>
-          <a:bodyPr wrap="none">
+          <a:bodyPr wrap="square">
             <a:spAutoFit/>
           </a:bodyPr>
           <a:lstStyle/>
@@ -4922,46 +4878,13 @@
               <a:rPr lang="ru-RU" sz="2400" b="1" dirty="0">
                 <a:latin typeface="Verdana" panose="020B0604030504040204" pitchFamily="34" charset="0"/>
               </a:rPr>
-              <a:t>Диаграмма </a:t>
+              <a:t>Диаграмма последовательностей</a:t>
             </a:r>
             <a:r>
               <a:rPr lang="ru-RU" sz="2400" b="1" dirty="0" smtClean="0">
                 <a:latin typeface="Verdana" panose="020B0604030504040204" pitchFamily="34" charset="0"/>
               </a:rPr>
-              <a:t>последовательностей</a:t>
-            </a:r>
-            <a:r>
-              <a:rPr lang="en-US" sz="2400" b="1" dirty="0" smtClean="0">
-                <a:latin typeface="Verdana" panose="020B0604030504040204" pitchFamily="34" charset="0"/>
-              </a:rPr>
-              <a:t> </a:t>
-            </a:r>
-            <a:r>
-              <a:rPr lang="en-US" sz="2400" b="1" dirty="0" smtClean="0">
-                <a:solidFill>
-                  <a:srgbClr val="FF0000"/>
-                </a:solidFill>
-                <a:latin typeface="Verdana" panose="020B0604030504040204" pitchFamily="34" charset="0"/>
-              </a:rPr>
-              <a:t>(</a:t>
-            </a:r>
-            <a:r>
-              <a:rPr lang="ru-RU" sz="2400" b="1" dirty="0" smtClean="0">
-                <a:solidFill>
-                  <a:srgbClr val="FF0000"/>
-                </a:solidFill>
-                <a:latin typeface="Verdana" panose="020B0604030504040204" pitchFamily="34" charset="0"/>
-              </a:rPr>
-              <a:t>Подробнее</a:t>
-            </a:r>
-            <a:r>
-              <a:rPr lang="en-US" sz="2400" b="1" dirty="0" smtClean="0">
-                <a:solidFill>
-                  <a:srgbClr val="FF0000"/>
-                </a:solidFill>
-                <a:latin typeface="Verdana" panose="020B0604030504040204" pitchFamily="34" charset="0"/>
-              </a:rPr>
-              <a:t>)</a:t>
+              <a:t>. Изменение цели</a:t>
             </a:r>
             <a:endParaRPr lang="ru-RU" sz="2400" b="1" dirty="0">
               <a:solidFill>
@@ -4972,10 +4895,34 @@
           </a:p>
         </p:txBody>
       </p:sp>
+      <p:pic>
+        <p:nvPicPr>
+          <p:cNvPr id="4" name="Рисунок 3"/>
+          <p:cNvPicPr>
+            <a:picLocks noChangeAspect="1"/>
+          </p:cNvPicPr>
+          <p:nvPr/>
+        </p:nvPicPr>
+        <p:blipFill>
+          <a:blip r:embed="rId2"/>
+          <a:stretch>
+            <a:fillRect/>
+          </a:stretch>
+        </p:blipFill>
+        <p:spPr>
+          <a:xfrm>
+            <a:off x="1452115" y="612839"/>
+            <a:ext cx="8916837" cy="6179183"/>
+          </a:xfrm>
+          <a:prstGeom prst="rect">
+            <a:avLst/>
+          </a:prstGeom>
+        </p:spPr>
+      </p:pic>
     </p:spTree>
     <p:extLst>
       <p:ext uri="{BB962C8B-B14F-4D97-AF65-F5344CB8AC3E}">
-        <p14:creationId xmlns:p14="http://schemas.microsoft.com/office/powerpoint/2010/main" val="2942373652"/>
+        <p14:creationId xmlns:p14="http://schemas.microsoft.com/office/powerpoint/2010/main" val="3520800419"/>
       </p:ext>
     </p:extLst>
   </p:cSld>
@@ -5004,42 +4951,6 @@
       </p:grpSpPr>
       <p:sp>
         <p:nvSpPr>
-          <p:cNvPr id="2" name="Заголовок 1"/>
-          <p:cNvSpPr>
-            <a:spLocks noGrp="1"/>
-          </p:cNvSpPr>
-          <p:nvPr>
-            <p:ph type="title"/>
-          </p:nvPr>
-        </p:nvSpPr>
-        <p:spPr>
-          <a:xfrm>
-            <a:off x="203200" y="0"/>
-            <a:ext cx="7069667" cy="591608"/>
-          </a:xfrm>
-        </p:spPr>
-        <p:txBody>
-          <a:bodyPr>
-            <a:normAutofit/>
-          </a:bodyPr>
-          <a:lstStyle/>
-          <a:p>
-            <a:r>
-              <a:rPr lang="ru-RU" sz="2400" b="1" dirty="0">
-                <a:solidFill>
-                  <a:srgbClr val="FF0000"/>
-                </a:solidFill>
-                <a:latin typeface="Verdana" panose="020B0604030504040204" pitchFamily="34" charset="0"/>
-                <a:ea typeface="+mn-ea"/>
-                <a:cs typeface="+mn-cs"/>
-              </a:rPr>
-              <a:t>Обзорная диаграмма взаимодействия</a:t>
-            </a:r>
-          </a:p>
-        </p:txBody>
-      </p:sp>
-      <p:sp>
-        <p:nvSpPr>
           <p:cNvPr id="3" name="Номер слайда 2"/>
           <p:cNvSpPr>
             <a:spLocks noGrp="1"/>
@@ -5061,23 +4972,82 @@
           </a:p>
         </p:txBody>
       </p:sp>
+      <p:sp>
+        <p:nvSpPr>
+          <p:cNvPr id="5" name="Прямоугольник 4"/>
+          <p:cNvSpPr/>
+          <p:nvPr/>
+        </p:nvSpPr>
+        <p:spPr>
+          <a:xfrm>
+            <a:off x="338623" y="111668"/>
+            <a:ext cx="9057288" cy="461665"/>
+          </a:xfrm>
+          <a:prstGeom prst="rect">
+            <a:avLst/>
+          </a:prstGeom>
+        </p:spPr>
+        <p:txBody>
+          <a:bodyPr wrap="none">
+            <a:spAutoFit/>
+          </a:bodyPr>
+          <a:lstStyle/>
+          <a:p>
+            <a:r>
+              <a:rPr lang="ru-RU" sz="2400" b="1" dirty="0">
+                <a:latin typeface="Verdana" panose="020B0604030504040204" pitchFamily="34" charset="0"/>
+              </a:rPr>
+              <a:t>Диаграмма </a:t>
+            </a:r>
+            <a:r>
+              <a:rPr lang="ru-RU" sz="2400" b="1" dirty="0" smtClean="0">
+                <a:latin typeface="Verdana" panose="020B0604030504040204" pitchFamily="34" charset="0"/>
+              </a:rPr>
+              <a:t>последовательностей. Удаление цели</a:t>
+            </a:r>
+            <a:endParaRPr lang="ru-RU" sz="2400" b="1" dirty="0">
+              <a:solidFill>
+                <a:srgbClr val="FF0000"/>
+              </a:solidFill>
+              <a:latin typeface="Verdana" panose="020B0604030504040204" pitchFamily="34" charset="0"/>
+            </a:endParaRPr>
+          </a:p>
+        </p:txBody>
+      </p:sp>
+      <p:pic>
+        <p:nvPicPr>
+          <p:cNvPr id="2" name="Рисунок 1"/>
+          <p:cNvPicPr>
+            <a:picLocks noChangeAspect="1"/>
+          </p:cNvPicPr>
+          <p:nvPr/>
+        </p:nvPicPr>
+        <p:blipFill>
+          <a:blip r:embed="rId2"/>
+          <a:stretch>
+            <a:fillRect/>
+          </a:stretch>
+        </p:blipFill>
+        <p:spPr>
+          <a:xfrm>
+            <a:off x="649745" y="797766"/>
+            <a:ext cx="10330616" cy="5853200"/>
+          </a:xfrm>
+          <a:prstGeom prst="rect">
+            <a:avLst/>
+          </a:prstGeom>
+        </p:spPr>
+      </p:pic>
     </p:spTree>
     <p:extLst>
       <p:ext uri="{BB962C8B-B14F-4D97-AF65-F5344CB8AC3E}">
-        <p14:creationId xmlns:p14="http://schemas.microsoft.com/office/powerpoint/2010/main" val="455832565"/>
+        <p14:creationId xmlns:p14="http://schemas.microsoft.com/office/powerpoint/2010/main" val="2942373652"/>
       </p:ext>
     </p:extLst>
   </p:cSld>
   <p:clrMapOvr>
     <a:masterClrMapping/>
   </p:clrMapOvr>
-  <p:timing>
-    <p:tnLst>
-      <p:par>
-        <p:cTn id="1" dur="indefinite" restart="never" nodeType="tmRoot"/>
-      </p:par>
-    </p:tnLst>
-  </p:timing>
 </p:sld>
 </file>
 
@@ -5318,6 +5288,123 @@
             <p:ph type="title"/>
           </p:nvPr>
         </p:nvSpPr>
+        <p:spPr>
+          <a:xfrm>
+            <a:off x="203200" y="0"/>
+            <a:ext cx="7069667" cy="591608"/>
+          </a:xfrm>
+        </p:spPr>
+        <p:txBody>
+          <a:bodyPr>
+            <a:normAutofit/>
+          </a:bodyPr>
+          <a:lstStyle/>
+          <a:p>
+            <a:r>
+              <a:rPr lang="ru-RU" sz="2400" b="1" dirty="0">
+                <a:latin typeface="Verdana" panose="020B0604030504040204" pitchFamily="34" charset="0"/>
+                <a:ea typeface="+mn-ea"/>
+                <a:cs typeface="+mn-cs"/>
+              </a:rPr>
+              <a:t>Обзорная диаграмма взаимодействия</a:t>
+            </a:r>
+          </a:p>
+        </p:txBody>
+      </p:sp>
+      <p:sp>
+        <p:nvSpPr>
+          <p:cNvPr id="3" name="Номер слайда 2"/>
+          <p:cNvSpPr>
+            <a:spLocks noGrp="1"/>
+          </p:cNvSpPr>
+          <p:nvPr>
+            <p:ph type="sldNum" sz="quarter" idx="12"/>
+          </p:nvPr>
+        </p:nvSpPr>
+        <p:spPr/>
+        <p:txBody>
+          <a:bodyPr/>
+          <a:lstStyle/>
+          <a:p>
+            <a:fld id="{1F0A73E7-D28D-4299-9BA6-FD72E53F57ED}" type="slidenum">
+              <a:rPr lang="ru-RU" smtClean="0"/>
+              <a:t>20</a:t>
+            </a:fld>
+            <a:endParaRPr lang="ru-RU"/>
+          </a:p>
+        </p:txBody>
+      </p:sp>
+      <p:pic>
+        <p:nvPicPr>
+          <p:cNvPr id="4" name="Рисунок 3"/>
+          <p:cNvPicPr>
+            <a:picLocks noChangeAspect="1"/>
+          </p:cNvPicPr>
+          <p:nvPr/>
+        </p:nvPicPr>
+        <p:blipFill>
+          <a:blip r:embed="rId3"/>
+          <a:stretch>
+            <a:fillRect/>
+          </a:stretch>
+        </p:blipFill>
+        <p:spPr>
+          <a:xfrm>
+            <a:off x="0" y="613090"/>
+            <a:ext cx="12192000" cy="5631819"/>
+          </a:xfrm>
+          <a:prstGeom prst="rect">
+            <a:avLst/>
+          </a:prstGeom>
+        </p:spPr>
+      </p:pic>
+    </p:spTree>
+    <p:extLst>
+      <p:ext uri="{BB962C8B-B14F-4D97-AF65-F5344CB8AC3E}">
+        <p14:creationId xmlns:p14="http://schemas.microsoft.com/office/powerpoint/2010/main" val="455832565"/>
+      </p:ext>
+    </p:extLst>
+  </p:cSld>
+  <p:clrMapOvr>
+    <a:masterClrMapping/>
+  </p:clrMapOvr>
+  <p:timing>
+    <p:tnLst>
+      <p:par>
+        <p:cTn id="1" dur="indefinite" restart="never" nodeType="tmRoot"/>
+      </p:par>
+    </p:tnLst>
+  </p:timing>
+</p:sld>
+</file>
+
+<file path=ppt/slides/slide21.xml><?xml version="1.0" encoding="utf-8"?>
+<p:sld xmlns:a="http://schemas.openxmlformats.org/drawingml/2006/main" xmlns:r="http://schemas.openxmlformats.org/officeDocument/2006/relationships" xmlns:p="http://schemas.openxmlformats.org/presentationml/2006/main">
+  <p:cSld>
+    <p:spTree>
+      <p:nvGrpSpPr>
+        <p:cNvPr id="1" name=""/>
+        <p:cNvGrpSpPr/>
+        <p:nvPr/>
+      </p:nvGrpSpPr>
+      <p:grpSpPr>
+        <a:xfrm>
+          <a:off x="0" y="0"/>
+          <a:ext cx="0" cy="0"/>
+          <a:chOff x="0" y="0"/>
+          <a:chExt cx="0" cy="0"/>
+        </a:xfrm>
+      </p:grpSpPr>
+      <p:sp>
+        <p:nvSpPr>
+          <p:cNvPr id="2" name="Заголовок 1"/>
+          <p:cNvSpPr>
+            <a:spLocks noGrp="1"/>
+          </p:cNvSpPr>
+          <p:nvPr>
+            <p:ph type="title"/>
+          </p:nvPr>
+        </p:nvSpPr>
         <p:spPr/>
         <p:txBody>
           <a:bodyPr/>
@@ -5394,7 +5481,7 @@
           <a:p>
             <a:fld id="{1F0A73E7-D28D-4299-9BA6-FD72E53F57ED}" type="slidenum">
               <a:rPr lang="ru-RU" smtClean="0"/>
-              <a:t>20</a:t>
+              <a:t>21</a:t>
             </a:fld>
             <a:endParaRPr lang="ru-RU"/>
           </a:p>

--- a/ПРИ115-РПС-КП_03.pptx
+++ b/ПРИ115-РПС-КП_03.pptx
@@ -5,7 +5,7 @@
     <p:sldMasterId id="2147483648" r:id="rId1"/>
   </p:sldMasterIdLst>
   <p:notesMasterIdLst>
-    <p:notesMasterId r:id="rId23"/>
+    <p:notesMasterId r:id="rId24"/>
   </p:notesMasterIdLst>
   <p:sldIdLst>
     <p:sldId id="256" r:id="rId2"/>
@@ -27,8 +27,9 @@
     <p:sldId id="266" r:id="rId18"/>
     <p:sldId id="278" r:id="rId19"/>
     <p:sldId id="277" r:id="rId20"/>
-    <p:sldId id="272" r:id="rId21"/>
-    <p:sldId id="268" r:id="rId22"/>
+    <p:sldId id="279" r:id="rId21"/>
+    <p:sldId id="272" r:id="rId22"/>
+    <p:sldId id="268" r:id="rId23"/>
   </p:sldIdLst>
   <p:sldSz cx="12192000" cy="6858000"/>
   <p:notesSz cx="6858000" cy="9144000"/>
@@ -217,7 +218,7 @@
           <a:p>
             <a:fld id="{C71DBBF6-6254-4642-B767-D9A3061A91A5}" type="datetimeFigureOut">
               <a:rPr lang="ru-RU" smtClean="0"/>
-              <a:t>13.02.2018</a:t>
+              <a:t>14.02.2018</a:t>
             </a:fld>
             <a:endParaRPr lang="ru-RU"/>
           </a:p>
@@ -550,7 +551,7 @@
           <a:p>
             <a:fld id="{8AA3D287-24DE-4FAE-8D47-B8B737F3E13A}" type="slidenum">
               <a:rPr lang="ru-RU" smtClean="0"/>
-              <a:t>20</a:t>
+              <a:t>21</a:t>
             </a:fld>
             <a:endParaRPr lang="ru-RU"/>
           </a:p>
@@ -700,7 +701,7 @@
           <a:p>
             <a:fld id="{4C8250DA-7E40-49FF-B948-D72DB3FEE17C}" type="datetime1">
               <a:rPr lang="ru-RU" smtClean="0"/>
-              <a:t>13.02.2018</a:t>
+              <a:t>14.02.2018</a:t>
             </a:fld>
             <a:endParaRPr lang="ru-RU"/>
           </a:p>
@@ -870,7 +871,7 @@
           <a:p>
             <a:fld id="{E806397E-734D-4271-B3C7-B5AE8CC20643}" type="datetime1">
               <a:rPr lang="ru-RU" smtClean="0"/>
-              <a:t>13.02.2018</a:t>
+              <a:t>14.02.2018</a:t>
             </a:fld>
             <a:endParaRPr lang="ru-RU"/>
           </a:p>
@@ -1050,7 +1051,7 @@
           <a:p>
             <a:fld id="{DDC93129-3A8D-419F-9D02-85B0E173B5D4}" type="datetime1">
               <a:rPr lang="ru-RU" smtClean="0"/>
-              <a:t>13.02.2018</a:t>
+              <a:t>14.02.2018</a:t>
             </a:fld>
             <a:endParaRPr lang="ru-RU"/>
           </a:p>
@@ -1220,7 +1221,7 @@
           <a:p>
             <a:fld id="{3691798D-5CC2-443C-B2E4-AC303640E9DB}" type="datetime1">
               <a:rPr lang="ru-RU" smtClean="0"/>
-              <a:t>13.02.2018</a:t>
+              <a:t>14.02.2018</a:t>
             </a:fld>
             <a:endParaRPr lang="ru-RU"/>
           </a:p>
@@ -1466,7 +1467,7 @@
           <a:p>
             <a:fld id="{014898AD-2E09-46C9-AEA0-1459A9929F70}" type="datetime1">
               <a:rPr lang="ru-RU" smtClean="0"/>
-              <a:t>13.02.2018</a:t>
+              <a:t>14.02.2018</a:t>
             </a:fld>
             <a:endParaRPr lang="ru-RU"/>
           </a:p>
@@ -1698,7 +1699,7 @@
           <a:p>
             <a:fld id="{97D0E5F6-A9CF-403A-B2CB-A5245FBC6114}" type="datetime1">
               <a:rPr lang="ru-RU" smtClean="0"/>
-              <a:t>13.02.2018</a:t>
+              <a:t>14.02.2018</a:t>
             </a:fld>
             <a:endParaRPr lang="ru-RU"/>
           </a:p>
@@ -2065,7 +2066,7 @@
           <a:p>
             <a:fld id="{2F3CCD84-59D7-4EBF-8D67-0096F38EC6A0}" type="datetime1">
               <a:rPr lang="ru-RU" smtClean="0"/>
-              <a:t>13.02.2018</a:t>
+              <a:t>14.02.2018</a:t>
             </a:fld>
             <a:endParaRPr lang="ru-RU"/>
           </a:p>
@@ -2183,7 +2184,7 @@
           <a:p>
             <a:fld id="{24FB419C-555D-4776-9914-C0E2BE32D0D3}" type="datetime1">
               <a:rPr lang="ru-RU" smtClean="0"/>
-              <a:t>13.02.2018</a:t>
+              <a:t>14.02.2018</a:t>
             </a:fld>
             <a:endParaRPr lang="ru-RU"/>
           </a:p>
@@ -2278,7 +2279,7 @@
           <a:p>
             <a:fld id="{BF14ABA8-3EF1-48FE-8051-2EA5A97E6791}" type="datetime1">
               <a:rPr lang="ru-RU" smtClean="0"/>
-              <a:t>13.02.2018</a:t>
+              <a:t>14.02.2018</a:t>
             </a:fld>
             <a:endParaRPr lang="ru-RU"/>
           </a:p>
@@ -2555,7 +2556,7 @@
           <a:p>
             <a:fld id="{8C2BEA58-CBF2-4E81-B2C8-C466CCBA0588}" type="datetime1">
               <a:rPr lang="ru-RU" smtClean="0"/>
-              <a:t>13.02.2018</a:t>
+              <a:t>14.02.2018</a:t>
             </a:fld>
             <a:endParaRPr lang="ru-RU"/>
           </a:p>
@@ -2808,7 +2809,7 @@
           <a:p>
             <a:fld id="{801534E6-1148-4821-AEBF-378E76902D1F}" type="datetime1">
               <a:rPr lang="ru-RU" smtClean="0"/>
-              <a:t>13.02.2018</a:t>
+              <a:t>14.02.2018</a:t>
             </a:fld>
             <a:endParaRPr lang="ru-RU"/>
           </a:p>
@@ -3021,7 +3022,7 @@
           <a:p>
             <a:fld id="{8267556D-928A-405D-8213-123659AFD8C6}" type="datetime1">
               <a:rPr lang="ru-RU" smtClean="0"/>
-              <a:t>13.02.2018</a:t>
+              <a:t>14.02.2018</a:t>
             </a:fld>
             <a:endParaRPr lang="ru-RU"/>
           </a:p>
@@ -4026,9 +4027,8 @@
           </a:bodyPr>
           <a:lstStyle/>
           <a:p>
-            <a:pPr algn="ctr"/>
-            <a:r>
-              <a:rPr lang="ru-RU" sz="4000" b="1" dirty="0">
+            <a:r>
+              <a:rPr lang="ru-RU" sz="4000" b="1" dirty="0" smtClean="0">
                 <a:solidFill>
                   <a:srgbClr val="000000"/>
                 </a:solidFill>
@@ -4036,8 +4036,16 @@
                 <a:ea typeface="+mn-ea"/>
                 <a:cs typeface="+mn-cs"/>
               </a:rPr>
-              <a:t>Интерфейс</a:t>
-            </a:r>
+              <a:t> Интерфейс</a:t>
+            </a:r>
+            <a:endParaRPr lang="ru-RU" sz="4000" b="1" dirty="0">
+              <a:solidFill>
+                <a:srgbClr val="000000"/>
+              </a:solidFill>
+              <a:latin typeface="Verdana" panose="020B0604030504040204" pitchFamily="34" charset="0"/>
+              <a:ea typeface="+mn-ea"/>
+              <a:cs typeface="+mn-cs"/>
+            </a:endParaRPr>
           </a:p>
         </p:txBody>
       </p:sp>
@@ -4053,7 +4061,7 @@
         </p:nvSpPr>
         <p:spPr>
           <a:xfrm>
-            <a:off x="444970" y="1304341"/>
+            <a:off x="0" y="1218077"/>
             <a:ext cx="5157787" cy="823912"/>
           </a:xfrm>
         </p:spPr>
@@ -4082,45 +4090,6 @@
       </p:sp>
       <p:sp>
         <p:nvSpPr>
-          <p:cNvPr id="5" name="Текст 4"/>
-          <p:cNvSpPr>
-            <a:spLocks noGrp="1"/>
-          </p:cNvSpPr>
-          <p:nvPr>
-            <p:ph type="body" sz="quarter" idx="3"/>
-          </p:nvPr>
-        </p:nvSpPr>
-        <p:spPr>
-          <a:xfrm>
-            <a:off x="6520776" y="1304341"/>
-            <a:ext cx="5183188" cy="823912"/>
-          </a:xfrm>
-        </p:spPr>
-        <p:txBody>
-          <a:bodyPr>
-            <a:normAutofit/>
-          </a:bodyPr>
-          <a:lstStyle/>
-          <a:p>
-            <a:pPr algn="ctr">
-              <a:spcBef>
-                <a:spcPct val="0"/>
-              </a:spcBef>
-            </a:pPr>
-            <a:r>
-              <a:rPr lang="ru-RU" dirty="0">
-                <a:solidFill>
-                  <a:srgbClr val="000000"/>
-                </a:solidFill>
-                <a:latin typeface="Verdana" panose="020B0604030504040204" pitchFamily="34" charset="0"/>
-              </a:rPr>
-              <a:t>Профиль пользователя</a:t>
-            </a:r>
-          </a:p>
-        </p:txBody>
-      </p:sp>
-      <p:sp>
-        <p:nvSpPr>
           <p:cNvPr id="6" name="Номер слайда 5"/>
           <p:cNvSpPr>
             <a:spLocks noGrp="1"/>
@@ -4142,6 +4111,47 @@
           </a:p>
         </p:txBody>
       </p:sp>
+      <p:pic>
+        <p:nvPicPr>
+          <p:cNvPr id="1026" name="Picture 2" descr="https://pp.userapi.com/c840335/v840335026/5717a/qE-MNVxp2Lc.jpg"/>
+          <p:cNvPicPr>
+            <a:picLocks noChangeAspect="1" noChangeArrowheads="1"/>
+          </p:cNvPicPr>
+          <p:nvPr/>
+        </p:nvPicPr>
+        <p:blipFill>
+          <a:blip r:embed="rId2">
+            <a:extLst>
+              <a:ext uri="{28A0092B-C50C-407E-A947-70E740481C1C}">
+                <a14:useLocalDpi xmlns:a14="http://schemas.microsoft.com/office/drawing/2010/main" val="0"/>
+              </a:ext>
+            </a:extLst>
+          </a:blip>
+          <a:srcRect/>
+          <a:stretch>
+            <a:fillRect/>
+          </a:stretch>
+        </p:blipFill>
+        <p:spPr bwMode="auto">
+          <a:xfrm>
+            <a:off x="5700985" y="102336"/>
+            <a:ext cx="4659342" cy="6738411"/>
+          </a:xfrm>
+          <a:prstGeom prst="rect">
+            <a:avLst/>
+          </a:prstGeom>
+          <a:noFill/>
+          <a:extLst>
+            <a:ext uri="{909E8E84-426E-40DD-AFC4-6F175D3DCCD1}">
+              <a14:hiddenFill xmlns:a14="http://schemas.microsoft.com/office/drawing/2010/main">
+                <a:solidFill>
+                  <a:srgbClr val="FFFFFF"/>
+                </a:solidFill>
+              </a14:hiddenFill>
+            </a:ext>
+          </a:extLst>
+        </p:spPr>
+      </p:pic>
     </p:spTree>
     <p:extLst>
       <p:ext uri="{BB962C8B-B14F-4D97-AF65-F5344CB8AC3E}">
@@ -5280,6 +5290,131 @@
       </p:grpSpPr>
       <p:sp>
         <p:nvSpPr>
+          <p:cNvPr id="2" name="Номер слайда 1"/>
+          <p:cNvSpPr>
+            <a:spLocks noGrp="1"/>
+          </p:cNvSpPr>
+          <p:nvPr>
+            <p:ph type="sldNum" sz="quarter" idx="12"/>
+          </p:nvPr>
+        </p:nvSpPr>
+        <p:spPr/>
+        <p:txBody>
+          <a:bodyPr/>
+          <a:lstStyle/>
+          <a:p>
+            <a:fld id="{1F0A73E7-D28D-4299-9BA6-FD72E53F57ED}" type="slidenum">
+              <a:rPr lang="ru-RU" smtClean="0"/>
+              <a:t>20</a:t>
+            </a:fld>
+            <a:endParaRPr lang="ru-RU"/>
+          </a:p>
+        </p:txBody>
+      </p:sp>
+      <p:sp>
+        <p:nvSpPr>
+          <p:cNvPr id="3" name="Прямоугольник 2"/>
+          <p:cNvSpPr/>
+          <p:nvPr/>
+        </p:nvSpPr>
+        <p:spPr>
+          <a:xfrm>
+            <a:off x="338623" y="111668"/>
+            <a:ext cx="9374682" cy="461665"/>
+          </a:xfrm>
+          <a:prstGeom prst="rect">
+            <a:avLst/>
+          </a:prstGeom>
+        </p:spPr>
+        <p:txBody>
+          <a:bodyPr wrap="none">
+            <a:spAutoFit/>
+          </a:bodyPr>
+          <a:lstStyle/>
+          <a:p>
+            <a:r>
+              <a:rPr lang="ru-RU" sz="2400" b="1" dirty="0">
+                <a:latin typeface="Verdana" panose="020B0604030504040204" pitchFamily="34" charset="0"/>
+              </a:rPr>
+              <a:t>Диаграмма </a:t>
+            </a:r>
+            <a:r>
+              <a:rPr lang="ru-RU" sz="2400" b="1" dirty="0" smtClean="0">
+                <a:latin typeface="Verdana" panose="020B0604030504040204" pitchFamily="34" charset="0"/>
+              </a:rPr>
+              <a:t>последовательностей. </a:t>
+            </a:r>
+            <a:r>
+              <a:rPr lang="ru-RU" sz="2400" b="1" dirty="0" smtClean="0">
+                <a:latin typeface="Verdana" panose="020B0604030504040204" pitchFamily="34" charset="0"/>
+              </a:rPr>
+              <a:t>Покупка валюты</a:t>
+            </a:r>
+            <a:endParaRPr lang="ru-RU" sz="2400" b="1" dirty="0">
+              <a:solidFill>
+                <a:srgbClr val="FF0000"/>
+              </a:solidFill>
+              <a:latin typeface="Verdana" panose="020B0604030504040204" pitchFamily="34" charset="0"/>
+            </a:endParaRPr>
+          </a:p>
+        </p:txBody>
+      </p:sp>
+      <p:pic>
+        <p:nvPicPr>
+          <p:cNvPr id="4" name="Рисунок 3"/>
+          <p:cNvPicPr>
+            <a:picLocks noChangeAspect="1"/>
+          </p:cNvPicPr>
+          <p:nvPr/>
+        </p:nvPicPr>
+        <p:blipFill>
+          <a:blip r:embed="rId2"/>
+          <a:stretch>
+            <a:fillRect/>
+          </a:stretch>
+        </p:blipFill>
+        <p:spPr>
+          <a:xfrm>
+            <a:off x="665100" y="593742"/>
+            <a:ext cx="10618252" cy="6245058"/>
+          </a:xfrm>
+          <a:prstGeom prst="rect">
+            <a:avLst/>
+          </a:prstGeom>
+        </p:spPr>
+      </p:pic>
+    </p:spTree>
+    <p:extLst>
+      <p:ext uri="{BB962C8B-B14F-4D97-AF65-F5344CB8AC3E}">
+        <p14:creationId xmlns:p14="http://schemas.microsoft.com/office/powerpoint/2010/main" val="3148784152"/>
+      </p:ext>
+    </p:extLst>
+  </p:cSld>
+  <p:clrMapOvr>
+    <a:masterClrMapping/>
+  </p:clrMapOvr>
+</p:sld>
+</file>
+
+<file path=ppt/slides/slide21.xml><?xml version="1.0" encoding="utf-8"?>
+<p:sld xmlns:a="http://schemas.openxmlformats.org/drawingml/2006/main" xmlns:r="http://schemas.openxmlformats.org/officeDocument/2006/relationships" xmlns:p="http://schemas.openxmlformats.org/presentationml/2006/main">
+  <p:cSld>
+    <p:spTree>
+      <p:nvGrpSpPr>
+        <p:cNvPr id="1" name=""/>
+        <p:cNvGrpSpPr/>
+        <p:nvPr/>
+      </p:nvGrpSpPr>
+      <p:grpSpPr>
+        <a:xfrm>
+          <a:off x="0" y="0"/>
+          <a:ext cx="0" cy="0"/>
+          <a:chOff x="0" y="0"/>
+          <a:chExt cx="0" cy="0"/>
+        </a:xfrm>
+      </p:grpSpPr>
+      <p:sp>
+        <p:nvSpPr>
           <p:cNvPr id="2" name="Заголовок 1"/>
           <p:cNvSpPr>
             <a:spLocks noGrp="1"/>
@@ -5328,7 +5463,7 @@
           <a:p>
             <a:fld id="{1F0A73E7-D28D-4299-9BA6-FD72E53F57ED}" type="slidenum">
               <a:rPr lang="ru-RU" smtClean="0"/>
-              <a:t>20</a:t>
+              <a:t>21</a:t>
             </a:fld>
             <a:endParaRPr lang="ru-RU"/>
           </a:p>
@@ -5378,7 +5513,7 @@
 </p:sld>
 </file>
 
-<file path=ppt/slides/slide21.xml><?xml version="1.0" encoding="utf-8"?>
+<file path=ppt/slides/slide22.xml><?xml version="1.0" encoding="utf-8"?>
 <p:sld xmlns:a="http://schemas.openxmlformats.org/drawingml/2006/main" xmlns:r="http://schemas.openxmlformats.org/officeDocument/2006/relationships" xmlns:p="http://schemas.openxmlformats.org/presentationml/2006/main">
   <p:cSld>
     <p:spTree>
@@ -5481,7 +5616,7 @@
           <a:p>
             <a:fld id="{1F0A73E7-D28D-4299-9BA6-FD72E53F57ED}" type="slidenum">
               <a:rPr lang="ru-RU" smtClean="0"/>
-              <a:t>21</a:t>
+              <a:t>22</a:t>
             </a:fld>
             <a:endParaRPr lang="ru-RU"/>
           </a:p>
